--- a/PowerPoint/Les Jeux Vidéo.pptx
+++ b/PowerPoint/Les Jeux Vidéo.pptx
@@ -931,6 +931,13 @@
         </dgm:presLayoutVars>
       </dgm:prSet>
       <dgm:spPr/>
+      <dgm:t>
+        <a:bodyPr/>
+        <a:lstStyle/>
+        <a:p>
+          <a:endParaRPr lang="fr-FR"/>
+        </a:p>
+      </dgm:t>
     </dgm:pt>
     <dgm:pt modelId="{08F0D5F5-2C9B-4B11-8744-3342C52A1B1E}" type="pres">
       <dgm:prSet presAssocID="{9501823B-2D90-4DFE-8719-1378E26665DD}" presName="linNode" presStyleCnt="0"/>
@@ -944,6 +951,13 @@
         </dgm:presLayoutVars>
       </dgm:prSet>
       <dgm:spPr/>
+      <dgm:t>
+        <a:bodyPr/>
+        <a:lstStyle/>
+        <a:p>
+          <a:endParaRPr lang="fr-FR"/>
+        </a:p>
+      </dgm:t>
     </dgm:pt>
   </dgm:ptLst>
   <dgm:cxnLst>
@@ -2403,7 +2417,7 @@
           <a:p>
             <a:fld id="{7CB4A109-8281-46D4-943B-601ABBF1B7F7}" type="datetimeFigureOut">
               <a:rPr lang="fr-FR" smtClean="0"/>
-              <a:t>31/01/2020</a:t>
+              <a:t>03/02/2020</a:t>
             </a:fld>
             <a:endParaRPr lang="fr-FR"/>
           </a:p>
@@ -2942,7 +2956,7 @@
           <a:p>
             <a:fld id="{405F2AB3-71CA-435C-A459-75D9C3191502}" type="datetimeFigureOut">
               <a:rPr lang="fr-FR" smtClean="0"/>
-              <a:t>31/01/2020</a:t>
+              <a:t>03/02/2020</a:t>
             </a:fld>
             <a:endParaRPr lang="fr-FR"/>
           </a:p>
@@ -3112,7 +3126,7 @@
           <a:p>
             <a:fld id="{405F2AB3-71CA-435C-A459-75D9C3191502}" type="datetimeFigureOut">
               <a:rPr lang="fr-FR" smtClean="0"/>
-              <a:t>31/01/2020</a:t>
+              <a:t>03/02/2020</a:t>
             </a:fld>
             <a:endParaRPr lang="fr-FR"/>
           </a:p>
@@ -3292,7 +3306,7 @@
           <a:p>
             <a:fld id="{405F2AB3-71CA-435C-A459-75D9C3191502}" type="datetimeFigureOut">
               <a:rPr lang="fr-FR" smtClean="0"/>
-              <a:t>31/01/2020</a:t>
+              <a:t>03/02/2020</a:t>
             </a:fld>
             <a:endParaRPr lang="fr-FR"/>
           </a:p>
@@ -3462,7 +3476,7 @@
           <a:p>
             <a:fld id="{405F2AB3-71CA-435C-A459-75D9C3191502}" type="datetimeFigureOut">
               <a:rPr lang="fr-FR" smtClean="0"/>
-              <a:t>31/01/2020</a:t>
+              <a:t>03/02/2020</a:t>
             </a:fld>
             <a:endParaRPr lang="fr-FR"/>
           </a:p>
@@ -3708,7 +3722,7 @@
           <a:p>
             <a:fld id="{405F2AB3-71CA-435C-A459-75D9C3191502}" type="datetimeFigureOut">
               <a:rPr lang="fr-FR" smtClean="0"/>
-              <a:t>31/01/2020</a:t>
+              <a:t>03/02/2020</a:t>
             </a:fld>
             <a:endParaRPr lang="fr-FR"/>
           </a:p>
@@ -3996,7 +4010,7 @@
           <a:p>
             <a:fld id="{405F2AB3-71CA-435C-A459-75D9C3191502}" type="datetimeFigureOut">
               <a:rPr lang="fr-FR" smtClean="0"/>
-              <a:t>31/01/2020</a:t>
+              <a:t>03/02/2020</a:t>
             </a:fld>
             <a:endParaRPr lang="fr-FR"/>
           </a:p>
@@ -4418,7 +4432,7 @@
           <a:p>
             <a:fld id="{405F2AB3-71CA-435C-A459-75D9C3191502}" type="datetimeFigureOut">
               <a:rPr lang="fr-FR" smtClean="0"/>
-              <a:t>31/01/2020</a:t>
+              <a:t>03/02/2020</a:t>
             </a:fld>
             <a:endParaRPr lang="fr-FR"/>
           </a:p>
@@ -4536,7 +4550,7 @@
           <a:p>
             <a:fld id="{405F2AB3-71CA-435C-A459-75D9C3191502}" type="datetimeFigureOut">
               <a:rPr lang="fr-FR" smtClean="0"/>
-              <a:t>31/01/2020</a:t>
+              <a:t>03/02/2020</a:t>
             </a:fld>
             <a:endParaRPr lang="fr-FR"/>
           </a:p>
@@ -4631,7 +4645,7 @@
           <a:p>
             <a:fld id="{405F2AB3-71CA-435C-A459-75D9C3191502}" type="datetimeFigureOut">
               <a:rPr lang="fr-FR" smtClean="0"/>
-              <a:t>31/01/2020</a:t>
+              <a:t>03/02/2020</a:t>
             </a:fld>
             <a:endParaRPr lang="fr-FR"/>
           </a:p>
@@ -4908,7 +4922,7 @@
           <a:p>
             <a:fld id="{405F2AB3-71CA-435C-A459-75D9C3191502}" type="datetimeFigureOut">
               <a:rPr lang="fr-FR" smtClean="0"/>
-              <a:t>31/01/2020</a:t>
+              <a:t>03/02/2020</a:t>
             </a:fld>
             <a:endParaRPr lang="fr-FR"/>
           </a:p>
@@ -5161,7 +5175,7 @@
           <a:p>
             <a:fld id="{405F2AB3-71CA-435C-A459-75D9C3191502}" type="datetimeFigureOut">
               <a:rPr lang="fr-FR" smtClean="0"/>
-              <a:t>31/01/2020</a:t>
+              <a:t>03/02/2020</a:t>
             </a:fld>
             <a:endParaRPr lang="fr-FR"/>
           </a:p>
@@ -5374,7 +5388,7 @@
           <a:p>
             <a:fld id="{405F2AB3-71CA-435C-A459-75D9C3191502}" type="datetimeFigureOut">
               <a:rPr lang="fr-FR" smtClean="0"/>
-              <a:t>31/01/2020</a:t>
+              <a:t>03/02/2020</a:t>
             </a:fld>
             <a:endParaRPr lang="fr-FR"/>
           </a:p>
@@ -5996,33 +6010,7 @@
                   </a:outerShdw>
                 </a:effectLst>
               </a:rPr>
-              <a:t>Que vous évoque </a:t>
-            </a:r>
-            <a:r>
-              <a:rPr lang="fr-FR" b="1" dirty="0" smtClean="0">
-                <a:ln w="18415" cmpd="sng">
-                  <a:solidFill>
-                    <a:schemeClr val="tx2">
-                      <a:lumMod val="50000"/>
-                    </a:schemeClr>
-                  </a:solidFill>
-                  <a:prstDash val="solid"/>
-                </a:ln>
-                <a:solidFill>
-                  <a:schemeClr val="tx2">
-                    <a:lumMod val="60000"/>
-                    <a:lumOff val="40000"/>
-                  </a:schemeClr>
-                </a:solidFill>
-                <a:effectLst>
-                  <a:outerShdw blurRad="63500" dir="3600000" algn="tl" rotWithShape="0">
-                    <a:srgbClr val="000000">
-                      <a:alpha val="70000"/>
-                    </a:srgbClr>
-                  </a:outerShdw>
-                </a:effectLst>
-              </a:rPr>
-              <a:t>un jeu vidéo?</a:t>
+              <a:t>Que vous évoque un jeu vidéo?</a:t>
             </a:r>
             <a:endParaRPr lang="fr-FR" b="1" dirty="0">
               <a:ln w="18415" cmpd="sng">
@@ -6520,65 +6508,7 @@
                 <a:ea typeface="+mj-ea"/>
                 <a:cs typeface="+mj-cs"/>
               </a:rPr>
-              <a:t>console : NES, Playstation, Xbox </a:t>
-            </a:r>
-            <a:r>
-              <a:rPr lang="fr-FR" sz="2400" b="1" dirty="0" smtClean="0">
-                <a:ln w="18415" cmpd="sng">
-                  <a:solidFill>
-                    <a:schemeClr val="tx2">
-                      <a:lumMod val="50000"/>
-                    </a:schemeClr>
-                  </a:solidFill>
-                  <a:prstDash val="solid"/>
-                </a:ln>
-                <a:solidFill>
-                  <a:schemeClr val="tx2">
-                    <a:lumMod val="60000"/>
-                    <a:lumOff val="40000"/>
-                  </a:schemeClr>
-                </a:solidFill>
-                <a:effectLst>
-                  <a:outerShdw blurRad="63500" dir="3600000" algn="tl" rotWithShape="0">
-                    <a:srgbClr val="000000">
-                      <a:alpha val="70000"/>
-                    </a:srgbClr>
-                  </a:outerShdw>
-                </a:effectLst>
-                <a:latin typeface="+mj-lt"/>
-                <a:ea typeface="+mj-ea"/>
-                <a:cs typeface="+mj-cs"/>
-              </a:rPr>
-              <a:t>…</a:t>
-            </a:r>
-            <a:r>
-              <a:rPr lang="fr-FR" sz="2400" b="1" dirty="0" smtClean="0">
-                <a:ln w="18415" cmpd="sng">
-                  <a:solidFill>
-                    <a:schemeClr val="tx2">
-                      <a:lumMod val="50000"/>
-                    </a:schemeClr>
-                  </a:solidFill>
-                  <a:prstDash val="solid"/>
-                </a:ln>
-                <a:solidFill>
-                  <a:schemeClr val="tx2">
-                    <a:lumMod val="60000"/>
-                    <a:lumOff val="40000"/>
-                  </a:schemeClr>
-                </a:solidFill>
-                <a:effectLst>
-                  <a:outerShdw blurRad="63500" dir="3600000" algn="tl" rotWithShape="0">
-                    <a:srgbClr val="000000">
-                      <a:alpha val="70000"/>
-                    </a:srgbClr>
-                  </a:outerShdw>
-                </a:effectLst>
-                <a:latin typeface="+mj-lt"/>
-                <a:ea typeface="+mj-ea"/>
-                <a:cs typeface="+mj-cs"/>
-              </a:rPr>
-              <a:t>)</a:t>
+              <a:t>console : NES, Playstation, Xbox …)</a:t>
             </a:r>
             <a:endParaRPr lang="fr-FR" sz="2400" b="1" dirty="0">
               <a:ln w="18415" cmpd="sng">
@@ -7859,8 +7789,8 @@
         </p:blipFill>
         <p:spPr>
           <a:xfrm>
-            <a:off x="323528" y="934604"/>
-            <a:ext cx="3259962" cy="2088232"/>
+            <a:off x="2136" y="1387537"/>
+            <a:ext cx="4569864" cy="2927315"/>
           </a:xfrm>
           <a:prstGeom prst="rect">
             <a:avLst/>
@@ -7875,7 +7805,7 @@
         </p:nvSpPr>
         <p:spPr>
           <a:xfrm>
-            <a:off x="1259632" y="536727"/>
+            <a:off x="1062788" y="1103465"/>
             <a:ext cx="2448272" cy="369332"/>
           </a:xfrm>
           <a:prstGeom prst="rect">
@@ -7903,6 +7833,7 @@
           </a:bodyPr>
           <a:lstStyle/>
           <a:p>
+            <a:pPr algn="ctr"/>
             <a:r>
               <a:rPr lang="fr-FR" b="1" dirty="0" smtClean="0">
                 <a:ln w="11430"/>
@@ -8007,7 +7938,7 @@
         </p:nvSpPr>
         <p:spPr>
           <a:xfrm>
-            <a:off x="3885458" y="1655554"/>
+            <a:off x="4572000" y="2204864"/>
             <a:ext cx="4572000" cy="646331"/>
           </a:xfrm>
           <a:prstGeom prst="rect">
@@ -8138,7 +8069,7 @@
         </p:nvSpPr>
         <p:spPr>
           <a:xfrm>
-            <a:off x="3583490" y="3356992"/>
+            <a:off x="2123728" y="6021288"/>
             <a:ext cx="5293067" cy="369332"/>
           </a:xfrm>
           <a:prstGeom prst="rect">

--- a/PowerPoint/Les Jeux Vidéo.pptx
+++ b/PowerPoint/Les Jeux Vidéo.pptx
@@ -5,7 +5,7 @@
     <p:sldMasterId id="2147483648" r:id="rId1"/>
   </p:sldMasterIdLst>
   <p:notesMasterIdLst>
-    <p:notesMasterId r:id="rId7"/>
+    <p:notesMasterId r:id="rId11"/>
   </p:notesMasterIdLst>
   <p:sldIdLst>
     <p:sldId id="256" r:id="rId2"/>
@@ -13,6 +13,10 @@
     <p:sldId id="259" r:id="rId4"/>
     <p:sldId id="258" r:id="rId5"/>
     <p:sldId id="260" r:id="rId6"/>
+    <p:sldId id="261" r:id="rId7"/>
+    <p:sldId id="262" r:id="rId8"/>
+    <p:sldId id="263" r:id="rId9"/>
+    <p:sldId id="264" r:id="rId10"/>
   </p:sldIdLst>
   <p:sldSz cx="9144000" cy="6858000" type="screen4x3"/>
   <p:notesSz cx="6858000" cy="9144000"/>
@@ -114,2227 +118,6 @@
 </p:presentation>
 </file>
 
-<file path=ppt/diagrams/colors1.xml><?xml version="1.0" encoding="utf-8"?>
-<dgm:colorsDef xmlns:dgm="http://schemas.openxmlformats.org/drawingml/2006/diagram" xmlns:a="http://schemas.openxmlformats.org/drawingml/2006/main" uniqueId="urn:microsoft.com/office/officeart/2005/8/colors/accent1_2">
-  <dgm:title val=""/>
-  <dgm:desc val=""/>
-  <dgm:catLst>
-    <dgm:cat type="accent1" pri="11200"/>
-  </dgm:catLst>
-  <dgm:styleLbl name="node0">
-    <dgm:fillClrLst meth="repeat">
-      <a:schemeClr val="accent1"/>
-    </dgm:fillClrLst>
-    <dgm:linClrLst meth="repeat">
-      <a:schemeClr val="lt1"/>
-    </dgm:linClrLst>
-    <dgm:effectClrLst/>
-    <dgm:txLinClrLst/>
-    <dgm:txFillClrLst/>
-    <dgm:txEffectClrLst/>
-  </dgm:styleLbl>
-  <dgm:styleLbl name="alignNode1">
-    <dgm:fillClrLst meth="repeat">
-      <a:schemeClr val="accent1"/>
-    </dgm:fillClrLst>
-    <dgm:linClrLst meth="repeat">
-      <a:schemeClr val="accent1"/>
-    </dgm:linClrLst>
-    <dgm:effectClrLst/>
-    <dgm:txLinClrLst/>
-    <dgm:txFillClrLst/>
-    <dgm:txEffectClrLst/>
-  </dgm:styleLbl>
-  <dgm:styleLbl name="node1">
-    <dgm:fillClrLst meth="repeat">
-      <a:schemeClr val="accent1"/>
-    </dgm:fillClrLst>
-    <dgm:linClrLst meth="repeat">
-      <a:schemeClr val="lt1"/>
-    </dgm:linClrLst>
-    <dgm:effectClrLst/>
-    <dgm:txLinClrLst/>
-    <dgm:txFillClrLst/>
-    <dgm:txEffectClrLst/>
-  </dgm:styleLbl>
-  <dgm:styleLbl name="lnNode1">
-    <dgm:fillClrLst meth="repeat">
-      <a:schemeClr val="accent1"/>
-    </dgm:fillClrLst>
-    <dgm:linClrLst meth="repeat">
-      <a:schemeClr val="lt1"/>
-    </dgm:linClrLst>
-    <dgm:effectClrLst/>
-    <dgm:txLinClrLst/>
-    <dgm:txFillClrLst/>
-    <dgm:txEffectClrLst/>
-  </dgm:styleLbl>
-  <dgm:styleLbl name="vennNode1">
-    <dgm:fillClrLst meth="repeat">
-      <a:schemeClr val="accent1">
-        <a:alpha val="50000"/>
-      </a:schemeClr>
-    </dgm:fillClrLst>
-    <dgm:linClrLst meth="repeat">
-      <a:schemeClr val="lt1"/>
-    </dgm:linClrLst>
-    <dgm:effectClrLst/>
-    <dgm:txLinClrLst/>
-    <dgm:txFillClrLst/>
-    <dgm:txEffectClrLst/>
-  </dgm:styleLbl>
-  <dgm:styleLbl name="node2">
-    <dgm:fillClrLst meth="repeat">
-      <a:schemeClr val="accent1"/>
-    </dgm:fillClrLst>
-    <dgm:linClrLst meth="repeat">
-      <a:schemeClr val="lt1"/>
-    </dgm:linClrLst>
-    <dgm:effectClrLst/>
-    <dgm:txLinClrLst/>
-    <dgm:txFillClrLst/>
-    <dgm:txEffectClrLst/>
-  </dgm:styleLbl>
-  <dgm:styleLbl name="node3">
-    <dgm:fillClrLst meth="repeat">
-      <a:schemeClr val="accent1"/>
-    </dgm:fillClrLst>
-    <dgm:linClrLst meth="repeat">
-      <a:schemeClr val="lt1"/>
-    </dgm:linClrLst>
-    <dgm:effectClrLst/>
-    <dgm:txLinClrLst/>
-    <dgm:txFillClrLst/>
-    <dgm:txEffectClrLst/>
-  </dgm:styleLbl>
-  <dgm:styleLbl name="node4">
-    <dgm:fillClrLst meth="repeat">
-      <a:schemeClr val="accent1"/>
-    </dgm:fillClrLst>
-    <dgm:linClrLst meth="repeat">
-      <a:schemeClr val="lt1"/>
-    </dgm:linClrLst>
-    <dgm:effectClrLst/>
-    <dgm:txLinClrLst/>
-    <dgm:txFillClrLst/>
-    <dgm:txEffectClrLst/>
-  </dgm:styleLbl>
-  <dgm:styleLbl name="fgImgPlace1">
-    <dgm:fillClrLst meth="repeat">
-      <a:schemeClr val="accent1">
-        <a:tint val="50000"/>
-      </a:schemeClr>
-    </dgm:fillClrLst>
-    <dgm:linClrLst meth="repeat">
-      <a:schemeClr val="lt1"/>
-    </dgm:linClrLst>
-    <dgm:effectClrLst/>
-    <dgm:txLinClrLst/>
-    <dgm:txFillClrLst meth="repeat">
-      <a:schemeClr val="lt1"/>
-    </dgm:txFillClrLst>
-    <dgm:txEffectClrLst/>
-  </dgm:styleLbl>
-  <dgm:styleLbl name="alignImgPlace1">
-    <dgm:fillClrLst meth="repeat">
-      <a:schemeClr val="accent1">
-        <a:tint val="50000"/>
-      </a:schemeClr>
-    </dgm:fillClrLst>
-    <dgm:linClrLst meth="repeat">
-      <a:schemeClr val="lt1"/>
-    </dgm:linClrLst>
-    <dgm:effectClrLst/>
-    <dgm:txLinClrLst/>
-    <dgm:txFillClrLst meth="repeat">
-      <a:schemeClr val="lt1"/>
-    </dgm:txFillClrLst>
-    <dgm:txEffectClrLst/>
-  </dgm:styleLbl>
-  <dgm:styleLbl name="bgImgPlace1">
-    <dgm:fillClrLst meth="repeat">
-      <a:schemeClr val="accent1">
-        <a:tint val="50000"/>
-      </a:schemeClr>
-    </dgm:fillClrLst>
-    <dgm:linClrLst meth="repeat">
-      <a:schemeClr val="lt1"/>
-    </dgm:linClrLst>
-    <dgm:effectClrLst/>
-    <dgm:txLinClrLst/>
-    <dgm:txFillClrLst meth="repeat">
-      <a:schemeClr val="lt1"/>
-    </dgm:txFillClrLst>
-    <dgm:txEffectClrLst/>
-  </dgm:styleLbl>
-  <dgm:styleLbl name="sibTrans2D1">
-    <dgm:fillClrLst meth="repeat">
-      <a:schemeClr val="accent1">
-        <a:tint val="60000"/>
-      </a:schemeClr>
-    </dgm:fillClrLst>
-    <dgm:linClrLst meth="repeat">
-      <a:schemeClr val="accent1">
-        <a:tint val="60000"/>
-      </a:schemeClr>
-    </dgm:linClrLst>
-    <dgm:effectClrLst/>
-    <dgm:txLinClrLst/>
-    <dgm:txFillClrLst/>
-    <dgm:txEffectClrLst/>
-  </dgm:styleLbl>
-  <dgm:styleLbl name="fgSibTrans2D1">
-    <dgm:fillClrLst meth="repeat">
-      <a:schemeClr val="accent1">
-        <a:tint val="60000"/>
-      </a:schemeClr>
-    </dgm:fillClrLst>
-    <dgm:linClrLst meth="repeat">
-      <a:schemeClr val="accent1">
-        <a:tint val="60000"/>
-      </a:schemeClr>
-    </dgm:linClrLst>
-    <dgm:effectClrLst/>
-    <dgm:txLinClrLst/>
-    <dgm:txFillClrLst/>
-    <dgm:txEffectClrLst/>
-  </dgm:styleLbl>
-  <dgm:styleLbl name="bgSibTrans2D1">
-    <dgm:fillClrLst meth="repeat">
-      <a:schemeClr val="accent1">
-        <a:tint val="60000"/>
-      </a:schemeClr>
-    </dgm:fillClrLst>
-    <dgm:linClrLst meth="repeat">
-      <a:schemeClr val="accent1">
-        <a:tint val="60000"/>
-      </a:schemeClr>
-    </dgm:linClrLst>
-    <dgm:effectClrLst/>
-    <dgm:txLinClrLst/>
-    <dgm:txFillClrLst/>
-    <dgm:txEffectClrLst/>
-  </dgm:styleLbl>
-  <dgm:styleLbl name="sibTrans1D1">
-    <dgm:fillClrLst meth="repeat">
-      <a:schemeClr val="accent1"/>
-    </dgm:fillClrLst>
-    <dgm:linClrLst meth="repeat">
-      <a:schemeClr val="accent1"/>
-    </dgm:linClrLst>
-    <dgm:effectClrLst/>
-    <dgm:txLinClrLst/>
-    <dgm:txFillClrLst meth="repeat">
-      <a:schemeClr val="tx1"/>
-    </dgm:txFillClrLst>
-    <dgm:txEffectClrLst/>
-  </dgm:styleLbl>
-  <dgm:styleLbl name="callout">
-    <dgm:fillClrLst meth="repeat">
-      <a:schemeClr val="accent1"/>
-    </dgm:fillClrLst>
-    <dgm:linClrLst meth="repeat">
-      <a:schemeClr val="accent1">
-        <a:tint val="50000"/>
-      </a:schemeClr>
-    </dgm:linClrLst>
-    <dgm:effectClrLst/>
-    <dgm:txLinClrLst/>
-    <dgm:txFillClrLst meth="repeat">
-      <a:schemeClr val="tx1"/>
-    </dgm:txFillClrLst>
-    <dgm:txEffectClrLst/>
-  </dgm:styleLbl>
-  <dgm:styleLbl name="asst0">
-    <dgm:fillClrLst meth="repeat">
-      <a:schemeClr val="accent1"/>
-    </dgm:fillClrLst>
-    <dgm:linClrLst meth="repeat">
-      <a:schemeClr val="lt1"/>
-    </dgm:linClrLst>
-    <dgm:effectClrLst/>
-    <dgm:txLinClrLst/>
-    <dgm:txFillClrLst/>
-    <dgm:txEffectClrLst/>
-  </dgm:styleLbl>
-  <dgm:styleLbl name="asst1">
-    <dgm:fillClrLst meth="repeat">
-      <a:schemeClr val="accent1"/>
-    </dgm:fillClrLst>
-    <dgm:linClrLst meth="repeat">
-      <a:schemeClr val="lt1"/>
-    </dgm:linClrLst>
-    <dgm:effectClrLst/>
-    <dgm:txLinClrLst/>
-    <dgm:txFillClrLst/>
-    <dgm:txEffectClrLst/>
-  </dgm:styleLbl>
-  <dgm:styleLbl name="asst2">
-    <dgm:fillClrLst meth="repeat">
-      <a:schemeClr val="accent1"/>
-    </dgm:fillClrLst>
-    <dgm:linClrLst meth="repeat">
-      <a:schemeClr val="lt1"/>
-    </dgm:linClrLst>
-    <dgm:effectClrLst/>
-    <dgm:txLinClrLst/>
-    <dgm:txFillClrLst/>
-    <dgm:txEffectClrLst/>
-  </dgm:styleLbl>
-  <dgm:styleLbl name="asst3">
-    <dgm:fillClrLst meth="repeat">
-      <a:schemeClr val="accent1"/>
-    </dgm:fillClrLst>
-    <dgm:linClrLst meth="repeat">
-      <a:schemeClr val="lt1"/>
-    </dgm:linClrLst>
-    <dgm:effectClrLst/>
-    <dgm:txLinClrLst/>
-    <dgm:txFillClrLst/>
-    <dgm:txEffectClrLst/>
-  </dgm:styleLbl>
-  <dgm:styleLbl name="asst4">
-    <dgm:fillClrLst meth="repeat">
-      <a:schemeClr val="accent1"/>
-    </dgm:fillClrLst>
-    <dgm:linClrLst meth="repeat">
-      <a:schemeClr val="lt1"/>
-    </dgm:linClrLst>
-    <dgm:effectClrLst/>
-    <dgm:txLinClrLst/>
-    <dgm:txFillClrLst/>
-    <dgm:txEffectClrLst/>
-  </dgm:styleLbl>
-  <dgm:styleLbl name="parChTrans2D1">
-    <dgm:fillClrLst meth="repeat">
-      <a:schemeClr val="accent1">
-        <a:tint val="60000"/>
-      </a:schemeClr>
-    </dgm:fillClrLst>
-    <dgm:linClrLst meth="repeat">
-      <a:schemeClr val="accent1">
-        <a:tint val="60000"/>
-      </a:schemeClr>
-    </dgm:linClrLst>
-    <dgm:effectClrLst/>
-    <dgm:txLinClrLst/>
-    <dgm:txFillClrLst meth="repeat">
-      <a:schemeClr val="lt1"/>
-    </dgm:txFillClrLst>
-    <dgm:txEffectClrLst/>
-  </dgm:styleLbl>
-  <dgm:styleLbl name="parChTrans2D2">
-    <dgm:fillClrLst meth="repeat">
-      <a:schemeClr val="accent1"/>
-    </dgm:fillClrLst>
-    <dgm:linClrLst meth="repeat">
-      <a:schemeClr val="accent1"/>
-    </dgm:linClrLst>
-    <dgm:effectClrLst/>
-    <dgm:txLinClrLst/>
-    <dgm:txFillClrLst meth="repeat">
-      <a:schemeClr val="lt1"/>
-    </dgm:txFillClrLst>
-    <dgm:txEffectClrLst/>
-  </dgm:styleLbl>
-  <dgm:styleLbl name="parChTrans2D3">
-    <dgm:fillClrLst meth="repeat">
-      <a:schemeClr val="accent1"/>
-    </dgm:fillClrLst>
-    <dgm:linClrLst meth="repeat">
-      <a:schemeClr val="accent1"/>
-    </dgm:linClrLst>
-    <dgm:effectClrLst/>
-    <dgm:txLinClrLst/>
-    <dgm:txFillClrLst meth="repeat">
-      <a:schemeClr val="lt1"/>
-    </dgm:txFillClrLst>
-    <dgm:txEffectClrLst/>
-  </dgm:styleLbl>
-  <dgm:styleLbl name="parChTrans2D4">
-    <dgm:fillClrLst meth="repeat">
-      <a:schemeClr val="accent1"/>
-    </dgm:fillClrLst>
-    <dgm:linClrLst meth="repeat">
-      <a:schemeClr val="accent1"/>
-    </dgm:linClrLst>
-    <dgm:effectClrLst/>
-    <dgm:txLinClrLst/>
-    <dgm:txFillClrLst meth="repeat">
-      <a:schemeClr val="lt1"/>
-    </dgm:txFillClrLst>
-    <dgm:txEffectClrLst/>
-  </dgm:styleLbl>
-  <dgm:styleLbl name="parChTrans1D1">
-    <dgm:fillClrLst meth="repeat">
-      <a:schemeClr val="accent1"/>
-    </dgm:fillClrLst>
-    <dgm:linClrLst meth="repeat">
-      <a:schemeClr val="accent1">
-        <a:shade val="60000"/>
-      </a:schemeClr>
-    </dgm:linClrLst>
-    <dgm:effectClrLst/>
-    <dgm:txLinClrLst/>
-    <dgm:txFillClrLst meth="repeat">
-      <a:schemeClr val="tx1"/>
-    </dgm:txFillClrLst>
-    <dgm:txEffectClrLst/>
-  </dgm:styleLbl>
-  <dgm:styleLbl name="parChTrans1D2">
-    <dgm:fillClrLst meth="repeat">
-      <a:schemeClr val="accent1"/>
-    </dgm:fillClrLst>
-    <dgm:linClrLst meth="repeat">
-      <a:schemeClr val="accent1">
-        <a:shade val="60000"/>
-      </a:schemeClr>
-    </dgm:linClrLst>
-    <dgm:effectClrLst/>
-    <dgm:txLinClrLst/>
-    <dgm:txFillClrLst meth="repeat">
-      <a:schemeClr val="tx1"/>
-    </dgm:txFillClrLst>
-    <dgm:txEffectClrLst/>
-  </dgm:styleLbl>
-  <dgm:styleLbl name="parChTrans1D3">
-    <dgm:fillClrLst meth="repeat">
-      <a:schemeClr val="accent1"/>
-    </dgm:fillClrLst>
-    <dgm:linClrLst meth="repeat">
-      <a:schemeClr val="accent1">
-        <a:shade val="80000"/>
-      </a:schemeClr>
-    </dgm:linClrLst>
-    <dgm:effectClrLst/>
-    <dgm:txLinClrLst/>
-    <dgm:txFillClrLst meth="repeat">
-      <a:schemeClr val="tx1"/>
-    </dgm:txFillClrLst>
-    <dgm:txEffectClrLst/>
-  </dgm:styleLbl>
-  <dgm:styleLbl name="parChTrans1D4">
-    <dgm:fillClrLst meth="repeat">
-      <a:schemeClr val="accent1"/>
-    </dgm:fillClrLst>
-    <dgm:linClrLst meth="repeat">
-      <a:schemeClr val="accent1">
-        <a:shade val="80000"/>
-      </a:schemeClr>
-    </dgm:linClrLst>
-    <dgm:effectClrLst/>
-    <dgm:txLinClrLst/>
-    <dgm:txFillClrLst meth="repeat">
-      <a:schemeClr val="tx1"/>
-    </dgm:txFillClrLst>
-    <dgm:txEffectClrLst/>
-  </dgm:styleLbl>
-  <dgm:styleLbl name="fgAcc1">
-    <dgm:fillClrLst meth="repeat">
-      <a:schemeClr val="lt1">
-        <a:alpha val="90000"/>
-      </a:schemeClr>
-    </dgm:fillClrLst>
-    <dgm:linClrLst meth="repeat">
-      <a:schemeClr val="accent1"/>
-    </dgm:linClrLst>
-    <dgm:effectClrLst/>
-    <dgm:txLinClrLst/>
-    <dgm:txFillClrLst meth="repeat">
-      <a:schemeClr val="dk1"/>
-    </dgm:txFillClrLst>
-    <dgm:txEffectClrLst/>
-  </dgm:styleLbl>
-  <dgm:styleLbl name="conFgAcc1">
-    <dgm:fillClrLst meth="repeat">
-      <a:schemeClr val="lt1">
-        <a:alpha val="90000"/>
-      </a:schemeClr>
-    </dgm:fillClrLst>
-    <dgm:linClrLst meth="repeat">
-      <a:schemeClr val="accent1"/>
-    </dgm:linClrLst>
-    <dgm:effectClrLst/>
-    <dgm:txLinClrLst/>
-    <dgm:txFillClrLst meth="repeat">
-      <a:schemeClr val="dk1"/>
-    </dgm:txFillClrLst>
-    <dgm:txEffectClrLst/>
-  </dgm:styleLbl>
-  <dgm:styleLbl name="alignAcc1">
-    <dgm:fillClrLst meth="repeat">
-      <a:schemeClr val="lt1">
-        <a:alpha val="90000"/>
-      </a:schemeClr>
-    </dgm:fillClrLst>
-    <dgm:linClrLst meth="repeat">
-      <a:schemeClr val="accent1"/>
-    </dgm:linClrLst>
-    <dgm:effectClrLst/>
-    <dgm:txLinClrLst/>
-    <dgm:txFillClrLst meth="repeat">
-      <a:schemeClr val="dk1"/>
-    </dgm:txFillClrLst>
-    <dgm:txEffectClrLst/>
-  </dgm:styleLbl>
-  <dgm:styleLbl name="trAlignAcc1">
-    <dgm:fillClrLst meth="repeat">
-      <a:schemeClr val="lt1">
-        <a:alpha val="40000"/>
-      </a:schemeClr>
-    </dgm:fillClrLst>
-    <dgm:linClrLst meth="repeat">
-      <a:schemeClr val="accent1"/>
-    </dgm:linClrLst>
-    <dgm:effectClrLst/>
-    <dgm:txLinClrLst/>
-    <dgm:txFillClrLst meth="repeat">
-      <a:schemeClr val="dk1"/>
-    </dgm:txFillClrLst>
-    <dgm:txEffectClrLst/>
-  </dgm:styleLbl>
-  <dgm:styleLbl name="bgAcc1">
-    <dgm:fillClrLst meth="repeat">
-      <a:schemeClr val="lt1">
-        <a:alpha val="90000"/>
-      </a:schemeClr>
-    </dgm:fillClrLst>
-    <dgm:linClrLst meth="repeat">
-      <a:schemeClr val="accent1"/>
-    </dgm:linClrLst>
-    <dgm:effectClrLst/>
-    <dgm:txLinClrLst/>
-    <dgm:txFillClrLst meth="repeat">
-      <a:schemeClr val="dk1"/>
-    </dgm:txFillClrLst>
-    <dgm:txEffectClrLst/>
-  </dgm:styleLbl>
-  <dgm:styleLbl name="solidFgAcc1">
-    <dgm:fillClrLst meth="repeat">
-      <a:schemeClr val="lt1"/>
-    </dgm:fillClrLst>
-    <dgm:linClrLst meth="repeat">
-      <a:schemeClr val="accent1"/>
-    </dgm:linClrLst>
-    <dgm:effectClrLst/>
-    <dgm:txLinClrLst/>
-    <dgm:txFillClrLst meth="repeat">
-      <a:schemeClr val="dk1"/>
-    </dgm:txFillClrLst>
-    <dgm:txEffectClrLst/>
-  </dgm:styleLbl>
-  <dgm:styleLbl name="solidAlignAcc1">
-    <dgm:fillClrLst meth="repeat">
-      <a:schemeClr val="lt1"/>
-    </dgm:fillClrLst>
-    <dgm:linClrLst meth="repeat">
-      <a:schemeClr val="accent1"/>
-    </dgm:linClrLst>
-    <dgm:effectClrLst/>
-    <dgm:txLinClrLst/>
-    <dgm:txFillClrLst meth="repeat">
-      <a:schemeClr val="dk1"/>
-    </dgm:txFillClrLst>
-    <dgm:txEffectClrLst/>
-  </dgm:styleLbl>
-  <dgm:styleLbl name="solidBgAcc1">
-    <dgm:fillClrLst meth="repeat">
-      <a:schemeClr val="lt1"/>
-    </dgm:fillClrLst>
-    <dgm:linClrLst meth="repeat">
-      <a:schemeClr val="accent1"/>
-    </dgm:linClrLst>
-    <dgm:effectClrLst/>
-    <dgm:txLinClrLst/>
-    <dgm:txFillClrLst meth="repeat">
-      <a:schemeClr val="dk1"/>
-    </dgm:txFillClrLst>
-    <dgm:txEffectClrLst/>
-  </dgm:styleLbl>
-  <dgm:styleLbl name="fgAccFollowNode1">
-    <dgm:fillClrLst meth="repeat">
-      <a:schemeClr val="accent1">
-        <a:alpha val="90000"/>
-        <a:tint val="40000"/>
-      </a:schemeClr>
-    </dgm:fillClrLst>
-    <dgm:linClrLst meth="repeat">
-      <a:schemeClr val="accent1">
-        <a:alpha val="90000"/>
-        <a:tint val="40000"/>
-      </a:schemeClr>
-    </dgm:linClrLst>
-    <dgm:effectClrLst/>
-    <dgm:txLinClrLst/>
-    <dgm:txFillClrLst meth="repeat">
-      <a:schemeClr val="dk1"/>
-    </dgm:txFillClrLst>
-    <dgm:txEffectClrLst/>
-  </dgm:styleLbl>
-  <dgm:styleLbl name="alignAccFollowNode1">
-    <dgm:fillClrLst meth="repeat">
-      <a:schemeClr val="accent1">
-        <a:alpha val="90000"/>
-        <a:tint val="40000"/>
-      </a:schemeClr>
-    </dgm:fillClrLst>
-    <dgm:linClrLst meth="repeat">
-      <a:schemeClr val="accent1">
-        <a:alpha val="90000"/>
-        <a:tint val="40000"/>
-      </a:schemeClr>
-    </dgm:linClrLst>
-    <dgm:effectClrLst/>
-    <dgm:txLinClrLst/>
-    <dgm:txFillClrLst meth="repeat">
-      <a:schemeClr val="dk1"/>
-    </dgm:txFillClrLst>
-    <dgm:txEffectClrLst/>
-  </dgm:styleLbl>
-  <dgm:styleLbl name="bgAccFollowNode1">
-    <dgm:fillClrLst meth="repeat">
-      <a:schemeClr val="accent1">
-        <a:alpha val="90000"/>
-        <a:tint val="40000"/>
-      </a:schemeClr>
-    </dgm:fillClrLst>
-    <dgm:linClrLst meth="repeat">
-      <a:schemeClr val="accent1">
-        <a:alpha val="90000"/>
-        <a:tint val="40000"/>
-      </a:schemeClr>
-    </dgm:linClrLst>
-    <dgm:effectClrLst/>
-    <dgm:txLinClrLst/>
-    <dgm:txFillClrLst meth="repeat">
-      <a:schemeClr val="dk1"/>
-    </dgm:txFillClrLst>
-    <dgm:txEffectClrLst/>
-  </dgm:styleLbl>
-  <dgm:styleLbl name="fgAcc0">
-    <dgm:fillClrLst meth="repeat">
-      <a:schemeClr val="lt1">
-        <a:alpha val="90000"/>
-      </a:schemeClr>
-    </dgm:fillClrLst>
-    <dgm:linClrLst meth="repeat">
-      <a:schemeClr val="accent1"/>
-    </dgm:linClrLst>
-    <dgm:effectClrLst/>
-    <dgm:txLinClrLst/>
-    <dgm:txFillClrLst meth="repeat">
-      <a:schemeClr val="dk1"/>
-    </dgm:txFillClrLst>
-    <dgm:txEffectClrLst/>
-  </dgm:styleLbl>
-  <dgm:styleLbl name="fgAcc2">
-    <dgm:fillClrLst meth="repeat">
-      <a:schemeClr val="lt1">
-        <a:alpha val="90000"/>
-      </a:schemeClr>
-    </dgm:fillClrLst>
-    <dgm:linClrLst meth="repeat">
-      <a:schemeClr val="accent1"/>
-    </dgm:linClrLst>
-    <dgm:effectClrLst/>
-    <dgm:txLinClrLst/>
-    <dgm:txFillClrLst meth="repeat">
-      <a:schemeClr val="dk1"/>
-    </dgm:txFillClrLst>
-    <dgm:txEffectClrLst/>
-  </dgm:styleLbl>
-  <dgm:styleLbl name="fgAcc3">
-    <dgm:fillClrLst meth="repeat">
-      <a:schemeClr val="lt1">
-        <a:alpha val="90000"/>
-      </a:schemeClr>
-    </dgm:fillClrLst>
-    <dgm:linClrLst meth="repeat">
-      <a:schemeClr val="accent1"/>
-    </dgm:linClrLst>
-    <dgm:effectClrLst/>
-    <dgm:txLinClrLst/>
-    <dgm:txFillClrLst meth="repeat">
-      <a:schemeClr val="dk1"/>
-    </dgm:txFillClrLst>
-    <dgm:txEffectClrLst/>
-  </dgm:styleLbl>
-  <dgm:styleLbl name="fgAcc4">
-    <dgm:fillClrLst meth="repeat">
-      <a:schemeClr val="lt1">
-        <a:alpha val="90000"/>
-      </a:schemeClr>
-    </dgm:fillClrLst>
-    <dgm:linClrLst meth="repeat">
-      <a:schemeClr val="accent1"/>
-    </dgm:linClrLst>
-    <dgm:effectClrLst/>
-    <dgm:txLinClrLst/>
-    <dgm:txFillClrLst meth="repeat">
-      <a:schemeClr val="dk1"/>
-    </dgm:txFillClrLst>
-    <dgm:txEffectClrLst/>
-  </dgm:styleLbl>
-  <dgm:styleLbl name="bgShp">
-    <dgm:fillClrLst meth="repeat">
-      <a:schemeClr val="accent1">
-        <a:tint val="40000"/>
-      </a:schemeClr>
-    </dgm:fillClrLst>
-    <dgm:linClrLst meth="repeat">
-      <a:schemeClr val="accent1"/>
-    </dgm:linClrLst>
-    <dgm:effectClrLst/>
-    <dgm:txLinClrLst/>
-    <dgm:txFillClrLst meth="repeat">
-      <a:schemeClr val="dk1"/>
-    </dgm:txFillClrLst>
-    <dgm:txEffectClrLst/>
-  </dgm:styleLbl>
-  <dgm:styleLbl name="dkBgShp">
-    <dgm:fillClrLst meth="repeat">
-      <a:schemeClr val="accent1">
-        <a:shade val="80000"/>
-      </a:schemeClr>
-    </dgm:fillClrLst>
-    <dgm:linClrLst meth="repeat">
-      <a:schemeClr val="accent1"/>
-    </dgm:linClrLst>
-    <dgm:effectClrLst/>
-    <dgm:txLinClrLst/>
-    <dgm:txFillClrLst meth="repeat">
-      <a:schemeClr val="lt1"/>
-    </dgm:txFillClrLst>
-    <dgm:txEffectClrLst/>
-  </dgm:styleLbl>
-  <dgm:styleLbl name="trBgShp">
-    <dgm:fillClrLst meth="repeat">
-      <a:schemeClr val="accent1">
-        <a:tint val="50000"/>
-        <a:alpha val="40000"/>
-      </a:schemeClr>
-    </dgm:fillClrLst>
-    <dgm:linClrLst meth="repeat">
-      <a:schemeClr val="accent1"/>
-    </dgm:linClrLst>
-    <dgm:effectClrLst/>
-    <dgm:txLinClrLst/>
-    <dgm:txFillClrLst meth="repeat">
-      <a:schemeClr val="lt1"/>
-    </dgm:txFillClrLst>
-    <dgm:txEffectClrLst/>
-  </dgm:styleLbl>
-  <dgm:styleLbl name="fgShp">
-    <dgm:fillClrLst meth="repeat">
-      <a:schemeClr val="accent1">
-        <a:tint val="60000"/>
-      </a:schemeClr>
-    </dgm:fillClrLst>
-    <dgm:linClrLst meth="repeat">
-      <a:schemeClr val="lt1"/>
-    </dgm:linClrLst>
-    <dgm:effectClrLst/>
-    <dgm:txLinClrLst/>
-    <dgm:txFillClrLst meth="repeat">
-      <a:schemeClr val="dk1"/>
-    </dgm:txFillClrLst>
-    <dgm:txEffectClrLst/>
-  </dgm:styleLbl>
-  <dgm:styleLbl name="revTx">
-    <dgm:fillClrLst meth="repeat">
-      <a:schemeClr val="lt1">
-        <a:alpha val="0"/>
-      </a:schemeClr>
-    </dgm:fillClrLst>
-    <dgm:linClrLst meth="repeat">
-      <a:schemeClr val="dk1">
-        <a:alpha val="0"/>
-      </a:schemeClr>
-    </dgm:linClrLst>
-    <dgm:effectClrLst/>
-    <dgm:txLinClrLst/>
-    <dgm:txFillClrLst meth="repeat">
-      <a:schemeClr val="tx1"/>
-    </dgm:txFillClrLst>
-    <dgm:txEffectClrLst/>
-  </dgm:styleLbl>
-</dgm:colorsDef>
-</file>
-
-<file path=ppt/diagrams/data1.xml><?xml version="1.0" encoding="utf-8"?>
-<dgm:dataModel xmlns:dgm="http://schemas.openxmlformats.org/drawingml/2006/diagram" xmlns:a="http://schemas.openxmlformats.org/drawingml/2006/main">
-  <dgm:ptLst>
-    <dgm:pt modelId="{CBC1CFC8-B6BD-4E5C-A707-5D0B09C30563}" type="doc">
-      <dgm:prSet loTypeId="urn:microsoft.com/office/officeart/2005/8/layout/vList5" loCatId="list" qsTypeId="urn:microsoft.com/office/officeart/2005/8/quickstyle/simple1" qsCatId="simple" csTypeId="urn:microsoft.com/office/officeart/2005/8/colors/accent1_2" csCatId="accent1" phldr="1"/>
-      <dgm:spPr/>
-      <dgm:t>
-        <a:bodyPr/>
-        <a:lstStyle/>
-        <a:p>
-          <a:endParaRPr lang="fr-FR"/>
-        </a:p>
-      </dgm:t>
-    </dgm:pt>
-    <dgm:pt modelId="{9501823B-2D90-4DFE-8719-1378E26665DD}">
-      <dgm:prSet/>
-      <dgm:spPr/>
-      <dgm:t>
-        <a:bodyPr/>
-        <a:lstStyle/>
-        <a:p>
-          <a:pPr rtl="0"/>
-          <a:r>
-            <a:rPr lang="fr-FR" dirty="0" smtClean="0">
-              <a:hlinkClick xmlns:r="http://schemas.openxmlformats.org/officeDocument/2006/relationships" r:id="rId1" action="ppaction://hlinksldjump"/>
-            </a:rPr>
-            <a:t>budget</a:t>
-          </a:r>
-          <a:endParaRPr lang="fr-FR" dirty="0"/>
-        </a:p>
-      </dgm:t>
-      <dgm:extLst>
-        <a:ext uri="{E40237B7-FDA0-4F09-8148-C483321AD2D9}">
-          <dgm14:cNvPr xmlns:dgm14="http://schemas.microsoft.com/office/drawing/2010/diagram" id="0" name="">
-            <a:hlinkClick xmlns:r="http://schemas.openxmlformats.org/officeDocument/2006/relationships" r:id="rId2" action="ppaction://hlinksldjump"/>
-          </dgm14:cNvPr>
-        </a:ext>
-      </dgm:extLst>
-    </dgm:pt>
-    <dgm:pt modelId="{A037E831-DDA7-4E2D-8975-B0740286A1BE}" type="parTrans" cxnId="{B7751ACF-0B39-4252-9F76-7A22BA3A55FA}">
-      <dgm:prSet/>
-      <dgm:spPr/>
-      <dgm:t>
-        <a:bodyPr/>
-        <a:lstStyle/>
-        <a:p>
-          <a:endParaRPr lang="fr-FR"/>
-        </a:p>
-      </dgm:t>
-    </dgm:pt>
-    <dgm:pt modelId="{C6812F67-4A37-4C74-A9FF-382EA183F253}" type="sibTrans" cxnId="{B7751ACF-0B39-4252-9F76-7A22BA3A55FA}">
-      <dgm:prSet/>
-      <dgm:spPr/>
-      <dgm:t>
-        <a:bodyPr/>
-        <a:lstStyle/>
-        <a:p>
-          <a:endParaRPr lang="fr-FR"/>
-        </a:p>
-      </dgm:t>
-    </dgm:pt>
-    <dgm:pt modelId="{AFDCBF3A-6315-4E5B-8A0A-5BDBF04EED4A}" type="pres">
-      <dgm:prSet presAssocID="{CBC1CFC8-B6BD-4E5C-A707-5D0B09C30563}" presName="Name0" presStyleCnt="0">
-        <dgm:presLayoutVars>
-          <dgm:dir/>
-          <dgm:animLvl val="lvl"/>
-          <dgm:resizeHandles val="exact"/>
-        </dgm:presLayoutVars>
-      </dgm:prSet>
-      <dgm:spPr/>
-      <dgm:t>
-        <a:bodyPr/>
-        <a:lstStyle/>
-        <a:p>
-          <a:endParaRPr lang="fr-FR"/>
-        </a:p>
-      </dgm:t>
-    </dgm:pt>
-    <dgm:pt modelId="{08F0D5F5-2C9B-4B11-8744-3342C52A1B1E}" type="pres">
-      <dgm:prSet presAssocID="{9501823B-2D90-4DFE-8719-1378E26665DD}" presName="linNode" presStyleCnt="0"/>
-      <dgm:spPr/>
-    </dgm:pt>
-    <dgm:pt modelId="{34810525-61B2-43C2-AA97-E0E2ED8B28BF}" type="pres">
-      <dgm:prSet presAssocID="{9501823B-2D90-4DFE-8719-1378E26665DD}" presName="parentText" presStyleLbl="node1" presStyleIdx="0" presStyleCnt="1">
-        <dgm:presLayoutVars>
-          <dgm:chMax val="1"/>
-          <dgm:bulletEnabled val="1"/>
-        </dgm:presLayoutVars>
-      </dgm:prSet>
-      <dgm:spPr/>
-      <dgm:t>
-        <a:bodyPr/>
-        <a:lstStyle/>
-        <a:p>
-          <a:endParaRPr lang="fr-FR"/>
-        </a:p>
-      </dgm:t>
-    </dgm:pt>
-  </dgm:ptLst>
-  <dgm:cxnLst>
-    <dgm:cxn modelId="{B7751ACF-0B39-4252-9F76-7A22BA3A55FA}" srcId="{CBC1CFC8-B6BD-4E5C-A707-5D0B09C30563}" destId="{9501823B-2D90-4DFE-8719-1378E26665DD}" srcOrd="0" destOrd="0" parTransId="{A037E831-DDA7-4E2D-8975-B0740286A1BE}" sibTransId="{C6812F67-4A37-4C74-A9FF-382EA183F253}"/>
-    <dgm:cxn modelId="{903A2635-AF5D-456C-AF6D-F52B14832322}" type="presOf" srcId="{9501823B-2D90-4DFE-8719-1378E26665DD}" destId="{34810525-61B2-43C2-AA97-E0E2ED8B28BF}" srcOrd="0" destOrd="0" presId="urn:microsoft.com/office/officeart/2005/8/layout/vList5"/>
-    <dgm:cxn modelId="{61381C3F-0D9B-46A2-B412-FE200FFF7B20}" type="presOf" srcId="{CBC1CFC8-B6BD-4E5C-A707-5D0B09C30563}" destId="{AFDCBF3A-6315-4E5B-8A0A-5BDBF04EED4A}" srcOrd="0" destOrd="0" presId="urn:microsoft.com/office/officeart/2005/8/layout/vList5"/>
-    <dgm:cxn modelId="{2039545B-C197-4A5E-B271-523E3A019912}" type="presParOf" srcId="{AFDCBF3A-6315-4E5B-8A0A-5BDBF04EED4A}" destId="{08F0D5F5-2C9B-4B11-8744-3342C52A1B1E}" srcOrd="0" destOrd="0" presId="urn:microsoft.com/office/officeart/2005/8/layout/vList5"/>
-    <dgm:cxn modelId="{09CA01BD-282D-4EAE-8A27-C90D4DFEC316}" type="presParOf" srcId="{08F0D5F5-2C9B-4B11-8744-3342C52A1B1E}" destId="{34810525-61B2-43C2-AA97-E0E2ED8B28BF}" srcOrd="0" destOrd="0" presId="urn:microsoft.com/office/officeart/2005/8/layout/vList5"/>
-  </dgm:cxnLst>
-  <dgm:bg/>
-  <dgm:whole/>
-  <dgm:extLst>
-    <a:ext uri="http://schemas.microsoft.com/office/drawing/2008/diagram">
-      <dsp:dataModelExt xmlns:dsp="http://schemas.microsoft.com/office/drawing/2008/diagram" relId="rId7" minVer="http://schemas.openxmlformats.org/drawingml/2006/diagram"/>
-    </a:ext>
-  </dgm:extLst>
-</dgm:dataModel>
-</file>
-
-<file path=ppt/diagrams/drawing1.xml><?xml version="1.0" encoding="utf-8"?>
-<dsp:drawing xmlns:dgm="http://schemas.openxmlformats.org/drawingml/2006/diagram" xmlns:dsp="http://schemas.microsoft.com/office/drawing/2008/diagram" xmlns:a="http://schemas.openxmlformats.org/drawingml/2006/main">
-  <dsp:spTree>
-    <dsp:nvGrpSpPr>
-      <dsp:cNvPr id="0" name=""/>
-      <dsp:cNvGrpSpPr/>
-    </dsp:nvGrpSpPr>
-    <dsp:grpSpPr/>
-    <dsp:sp modelId="{34810525-61B2-43C2-AA97-E0E2ED8B28BF}">
-      <dsp:nvSpPr>
-        <dsp:cNvPr id="0" name=""/>
-        <dsp:cNvSpPr/>
-      </dsp:nvSpPr>
-      <dsp:spPr>
-        <a:xfrm>
-          <a:off x="1129085" y="0"/>
-          <a:ext cx="1270221" cy="830997"/>
-        </a:xfrm>
-        <a:prstGeom prst="roundRect">
-          <a:avLst/>
-        </a:prstGeom>
-        <a:solidFill>
-          <a:schemeClr val="accent1">
-            <a:hueOff val="0"/>
-            <a:satOff val="0"/>
-            <a:lumOff val="0"/>
-            <a:alphaOff val="0"/>
-          </a:schemeClr>
-        </a:solidFill>
-        <a:ln w="25400" cap="flat" cmpd="sng" algn="ctr">
-          <a:solidFill>
-            <a:schemeClr val="lt1">
-              <a:hueOff val="0"/>
-              <a:satOff val="0"/>
-              <a:lumOff val="0"/>
-              <a:alphaOff val="0"/>
-            </a:schemeClr>
-          </a:solidFill>
-          <a:prstDash val="solid"/>
-        </a:ln>
-        <a:effectLst/>
-      </dsp:spPr>
-      <dsp:style>
-        <a:lnRef idx="2">
-          <a:scrgbClr r="0" g="0" b="0"/>
-        </a:lnRef>
-        <a:fillRef idx="1">
-          <a:scrgbClr r="0" g="0" b="0"/>
-        </a:fillRef>
-        <a:effectRef idx="0">
-          <a:scrgbClr r="0" g="0" b="0"/>
-        </a:effectRef>
-        <a:fontRef idx="minor">
-          <a:schemeClr val="lt1"/>
-        </a:fontRef>
-      </dsp:style>
-      <dsp:txBody>
-        <a:bodyPr spcFirstLastPara="0" vert="horz" wrap="square" lIns="102870" tIns="51435" rIns="102870" bIns="51435" numCol="1" spcCol="1270" anchor="ctr" anchorCtr="0">
-          <a:noAutofit/>
-        </a:bodyPr>
-        <a:lstStyle/>
-        <a:p>
-          <a:pPr lvl="0" algn="ctr" defTabSz="1200150" rtl="0">
-            <a:lnSpc>
-              <a:spcPct val="90000"/>
-            </a:lnSpc>
-            <a:spcBef>
-              <a:spcPct val="0"/>
-            </a:spcBef>
-            <a:spcAft>
-              <a:spcPct val="35000"/>
-            </a:spcAft>
-          </a:pPr>
-          <a:r>
-            <a:rPr lang="fr-FR" sz="2700" kern="1200" dirty="0" smtClean="0">
-              <a:hlinkClick xmlns:r="http://schemas.openxmlformats.org/officeDocument/2006/relationships" r:id="" action="ppaction://hlinksldjump"/>
-            </a:rPr>
-            <a:t>budget</a:t>
-          </a:r>
-          <a:endParaRPr lang="fr-FR" sz="2700" kern="1200" dirty="0"/>
-        </a:p>
-      </dsp:txBody>
-      <dsp:txXfrm>
-        <a:off x="1169651" y="40566"/>
-        <a:ext cx="1189089" cy="749865"/>
-      </dsp:txXfrm>
-    </dsp:sp>
-  </dsp:spTree>
-</dsp:drawing>
-</file>
-
-<file path=ppt/diagrams/layout1.xml><?xml version="1.0" encoding="utf-8"?>
-<dgm:layoutDef xmlns:dgm="http://schemas.openxmlformats.org/drawingml/2006/diagram" xmlns:a="http://schemas.openxmlformats.org/drawingml/2006/main" uniqueId="urn:microsoft.com/office/officeart/2005/8/layout/vList5">
-  <dgm:title val=""/>
-  <dgm:desc val=""/>
-  <dgm:catLst>
-    <dgm:cat type="list" pri="15000"/>
-    <dgm:cat type="convert" pri="2000"/>
-  </dgm:catLst>
-  <dgm:sampData>
-    <dgm:dataModel>
-      <dgm:ptLst>
-        <dgm:pt modelId="0" type="doc"/>
-        <dgm:pt modelId="1">
-          <dgm:prSet phldr="1"/>
-        </dgm:pt>
-        <dgm:pt modelId="11">
-          <dgm:prSet phldr="1"/>
-        </dgm:pt>
-        <dgm:pt modelId="12">
-          <dgm:prSet phldr="1"/>
-        </dgm:pt>
-        <dgm:pt modelId="2">
-          <dgm:prSet phldr="1"/>
-        </dgm:pt>
-        <dgm:pt modelId="21">
-          <dgm:prSet phldr="1"/>
-        </dgm:pt>
-        <dgm:pt modelId="22">
-          <dgm:prSet phldr="1"/>
-        </dgm:pt>
-        <dgm:pt modelId="3">
-          <dgm:prSet phldr="1"/>
-        </dgm:pt>
-        <dgm:pt modelId="31">
-          <dgm:prSet phldr="1"/>
-        </dgm:pt>
-        <dgm:pt modelId="32">
-          <dgm:prSet phldr="1"/>
-        </dgm:pt>
-      </dgm:ptLst>
-      <dgm:cxnLst>
-        <dgm:cxn modelId="4" srcId="0" destId="1" srcOrd="0" destOrd="0"/>
-        <dgm:cxn modelId="5" srcId="0" destId="2" srcOrd="1" destOrd="0"/>
-        <dgm:cxn modelId="6" srcId="0" destId="3" srcOrd="2" destOrd="0"/>
-        <dgm:cxn modelId="13" srcId="1" destId="11" srcOrd="0" destOrd="0"/>
-        <dgm:cxn modelId="14" srcId="1" destId="12" srcOrd="1" destOrd="0"/>
-        <dgm:cxn modelId="23" srcId="2" destId="21" srcOrd="0" destOrd="0"/>
-        <dgm:cxn modelId="24" srcId="2" destId="22" srcOrd="1" destOrd="0"/>
-        <dgm:cxn modelId="33" srcId="3" destId="31" srcOrd="0" destOrd="0"/>
-        <dgm:cxn modelId="34" srcId="3" destId="32" srcOrd="1" destOrd="0"/>
-      </dgm:cxnLst>
-      <dgm:bg/>
-      <dgm:whole/>
-    </dgm:dataModel>
-  </dgm:sampData>
-  <dgm:styleData>
-    <dgm:dataModel>
-      <dgm:ptLst>
-        <dgm:pt modelId="0" type="doc"/>
-        <dgm:pt modelId="1"/>
-        <dgm:pt modelId="11"/>
-        <dgm:pt modelId="2"/>
-        <dgm:pt modelId="21"/>
-      </dgm:ptLst>
-      <dgm:cxnLst>
-        <dgm:cxn modelId="4" srcId="0" destId="1" srcOrd="0" destOrd="0"/>
-        <dgm:cxn modelId="5" srcId="0" destId="2" srcOrd="1" destOrd="0"/>
-        <dgm:cxn modelId="13" srcId="1" destId="11" srcOrd="0" destOrd="0"/>
-        <dgm:cxn modelId="23" srcId="2" destId="21" srcOrd="0" destOrd="0"/>
-      </dgm:cxnLst>
-      <dgm:bg/>
-      <dgm:whole/>
-    </dgm:dataModel>
-  </dgm:styleData>
-  <dgm:clrData>
-    <dgm:dataModel>
-      <dgm:ptLst>
-        <dgm:pt modelId="0" type="doc"/>
-        <dgm:pt modelId="1"/>
-        <dgm:pt modelId="11"/>
-        <dgm:pt modelId="2"/>
-        <dgm:pt modelId="21"/>
-        <dgm:pt modelId="3"/>
-        <dgm:pt modelId="31"/>
-        <dgm:pt modelId="4"/>
-        <dgm:pt modelId="41"/>
-      </dgm:ptLst>
-      <dgm:cxnLst>
-        <dgm:cxn modelId="5" srcId="0" destId="1" srcOrd="0" destOrd="0"/>
-        <dgm:cxn modelId="6" srcId="0" destId="2" srcOrd="1" destOrd="0"/>
-        <dgm:cxn modelId="7" srcId="0" destId="3" srcOrd="2" destOrd="0"/>
-        <dgm:cxn modelId="8" srcId="0" destId="4" srcOrd="3" destOrd="0"/>
-        <dgm:cxn modelId="13" srcId="1" destId="11" srcOrd="0" destOrd="0"/>
-        <dgm:cxn modelId="23" srcId="2" destId="21" srcOrd="0" destOrd="0"/>
-        <dgm:cxn modelId="33" srcId="3" destId="31" srcOrd="0" destOrd="0"/>
-        <dgm:cxn modelId="43" srcId="4" destId="41" srcOrd="0" destOrd="0"/>
-      </dgm:cxnLst>
-      <dgm:bg/>
-      <dgm:whole/>
-    </dgm:dataModel>
-  </dgm:clrData>
-  <dgm:layoutNode name="Name0">
-    <dgm:varLst>
-      <dgm:dir/>
-      <dgm:animLvl val="lvl"/>
-      <dgm:resizeHandles val="exact"/>
-    </dgm:varLst>
-    <dgm:choose name="Name1">
-      <dgm:if name="Name2" func="var" arg="dir" op="equ" val="norm">
-        <dgm:alg type="lin">
-          <dgm:param type="linDir" val="fromT"/>
-          <dgm:param type="nodeHorzAlign" val="l"/>
-        </dgm:alg>
-      </dgm:if>
-      <dgm:else name="Name3">
-        <dgm:alg type="lin">
-          <dgm:param type="linDir" val="fromT"/>
-          <dgm:param type="nodeHorzAlign" val="r"/>
-        </dgm:alg>
-      </dgm:else>
-    </dgm:choose>
-    <dgm:shape xmlns:r="http://schemas.openxmlformats.org/officeDocument/2006/relationships" r:blip="">
-      <dgm:adjLst/>
-    </dgm:shape>
-    <dgm:presOf/>
-    <dgm:constrLst>
-      <dgm:constr type="h" for="ch" forName="linNode" refType="h"/>
-      <dgm:constr type="w" for="ch" forName="linNode" refType="w"/>
-      <dgm:constr type="h" for="ch" forName="sp" refType="h" fact="0.05"/>
-      <dgm:constr type="primFontSz" for="des" forName="parentText" op="equ" val="65"/>
-      <dgm:constr type="secFontSz" for="des" forName="descendantText" op="equ"/>
-    </dgm:constrLst>
-    <dgm:ruleLst/>
-    <dgm:forEach name="Name4" axis="ch" ptType="node">
-      <dgm:layoutNode name="linNode">
-        <dgm:choose name="Name5">
-          <dgm:if name="Name6" func="var" arg="dir" op="equ" val="norm">
-            <dgm:alg type="lin">
-              <dgm:param type="linDir" val="fromL"/>
-            </dgm:alg>
-          </dgm:if>
-          <dgm:else name="Name7">
-            <dgm:alg type="lin">
-              <dgm:param type="linDir" val="fromR"/>
-            </dgm:alg>
-          </dgm:else>
-        </dgm:choose>
-        <dgm:shape xmlns:r="http://schemas.openxmlformats.org/officeDocument/2006/relationships" r:blip="">
-          <dgm:adjLst/>
-        </dgm:shape>
-        <dgm:presOf/>
-        <dgm:constrLst>
-          <dgm:constr type="w" for="ch" forName="parentText" refType="w" fact="0.36"/>
-          <dgm:constr type="w" for="ch" forName="descendantText" refType="w" fact="0.64"/>
-          <dgm:constr type="h" for="ch" forName="parentText" refType="h"/>
-          <dgm:constr type="h" for="ch" forName="descendantText" refType="h" refFor="ch" refForName="parentText" fact="0.8"/>
-        </dgm:constrLst>
-        <dgm:ruleLst/>
-        <dgm:layoutNode name="parentText">
-          <dgm:varLst>
-            <dgm:chMax val="1"/>
-            <dgm:bulletEnabled val="1"/>
-          </dgm:varLst>
-          <dgm:alg type="tx"/>
-          <dgm:shape xmlns:r="http://schemas.openxmlformats.org/officeDocument/2006/relationships" type="roundRect" r:blip="" zOrderOff="3">
-            <dgm:adjLst/>
-          </dgm:shape>
-          <dgm:presOf axis="self" ptType="node"/>
-          <dgm:constrLst>
-            <dgm:constr type="tMarg" refType="primFontSz" fact="0.15"/>
-            <dgm:constr type="bMarg" refType="primFontSz" fact="0.15"/>
-            <dgm:constr type="lMarg" refType="primFontSz" fact="0.3"/>
-            <dgm:constr type="rMarg" refType="primFontSz" fact="0.3"/>
-          </dgm:constrLst>
-          <dgm:ruleLst>
-            <dgm:rule type="primFontSz" val="5" fact="NaN" max="NaN"/>
-          </dgm:ruleLst>
-        </dgm:layoutNode>
-        <dgm:choose name="Name8">
-          <dgm:if name="Name9" axis="ch" ptType="node" func="cnt" op="gte" val="1">
-            <dgm:layoutNode name="descendantText" styleLbl="alignAccFollowNode1">
-              <dgm:varLst>
-                <dgm:bulletEnabled val="1"/>
-              </dgm:varLst>
-              <dgm:alg type="tx">
-                <dgm:param type="stBulletLvl" val="1"/>
-                <dgm:param type="txAnchorVertCh" val="mid"/>
-              </dgm:alg>
-              <dgm:choose name="Name10">
-                <dgm:if name="Name11" func="var" arg="dir" op="equ" val="norm">
-                  <dgm:shape xmlns:r="http://schemas.openxmlformats.org/officeDocument/2006/relationships" rot="90" type="round2SameRect" r:blip="">
-                    <dgm:adjLst/>
-                  </dgm:shape>
-                </dgm:if>
-                <dgm:else name="Name12">
-                  <dgm:shape xmlns:r="http://schemas.openxmlformats.org/officeDocument/2006/relationships" rot="-90" type="round2SameRect" r:blip="">
-                    <dgm:adjLst/>
-                  </dgm:shape>
-                </dgm:else>
-              </dgm:choose>
-              <dgm:presOf axis="des" ptType="node"/>
-              <dgm:constrLst>
-                <dgm:constr type="secFontSz" val="65"/>
-                <dgm:constr type="primFontSz" refType="secFontSz"/>
-                <dgm:constr type="lMarg" refType="secFontSz" fact="0.3"/>
-                <dgm:constr type="rMarg" refType="secFontSz" fact="0.3"/>
-                <dgm:constr type="tMarg" refType="secFontSz" fact="0.15"/>
-                <dgm:constr type="bMarg" refType="secFontSz" fact="0.15"/>
-              </dgm:constrLst>
-              <dgm:ruleLst>
-                <dgm:rule type="secFontSz" val="5" fact="NaN" max="NaN"/>
-              </dgm:ruleLst>
-            </dgm:layoutNode>
-          </dgm:if>
-          <dgm:else name="Name13"/>
-        </dgm:choose>
-      </dgm:layoutNode>
-      <dgm:forEach name="Name14" axis="followSib" ptType="sibTrans" cnt="1">
-        <dgm:layoutNode name="sp">
-          <dgm:alg type="sp"/>
-          <dgm:shape xmlns:r="http://schemas.openxmlformats.org/officeDocument/2006/relationships" r:blip="">
-            <dgm:adjLst/>
-          </dgm:shape>
-          <dgm:presOf/>
-          <dgm:constrLst/>
-          <dgm:ruleLst/>
-        </dgm:layoutNode>
-      </dgm:forEach>
-    </dgm:forEach>
-  </dgm:layoutNode>
-</dgm:layoutDef>
-</file>
-
-<file path=ppt/diagrams/quickStyle1.xml><?xml version="1.0" encoding="utf-8"?>
-<dgm:styleDef xmlns:dgm="http://schemas.openxmlformats.org/drawingml/2006/diagram" xmlns:a="http://schemas.openxmlformats.org/drawingml/2006/main" uniqueId="urn:microsoft.com/office/officeart/2005/8/quickstyle/simple1">
-  <dgm:title val=""/>
-  <dgm:desc val=""/>
-  <dgm:catLst>
-    <dgm:cat type="simple" pri="10100"/>
-  </dgm:catLst>
-  <dgm:scene3d>
-    <a:camera prst="orthographicFront"/>
-    <a:lightRig rig="threePt" dir="t"/>
-  </dgm:scene3d>
-  <dgm:styleLbl name="node0">
-    <dgm:scene3d>
-      <a:camera prst="orthographicFront"/>
-      <a:lightRig rig="threePt" dir="t"/>
-    </dgm:scene3d>
-    <dgm:sp3d/>
-    <dgm:txPr/>
-    <dgm:style>
-      <a:lnRef idx="2">
-        <a:scrgbClr r="0" g="0" b="0"/>
-      </a:lnRef>
-      <a:fillRef idx="1">
-        <a:scrgbClr r="0" g="0" b="0"/>
-      </a:fillRef>
-      <a:effectRef idx="0">
-        <a:scrgbClr r="0" g="0" b="0"/>
-      </a:effectRef>
-      <a:fontRef idx="minor">
-        <a:schemeClr val="lt1"/>
-      </a:fontRef>
-    </dgm:style>
-  </dgm:styleLbl>
-  <dgm:styleLbl name="lnNode1">
-    <dgm:scene3d>
-      <a:camera prst="orthographicFront"/>
-      <a:lightRig rig="threePt" dir="t"/>
-    </dgm:scene3d>
-    <dgm:sp3d/>
-    <dgm:txPr/>
-    <dgm:style>
-      <a:lnRef idx="2">
-        <a:scrgbClr r="0" g="0" b="0"/>
-      </a:lnRef>
-      <a:fillRef idx="1">
-        <a:scrgbClr r="0" g="0" b="0"/>
-      </a:fillRef>
-      <a:effectRef idx="0">
-        <a:scrgbClr r="0" g="0" b="0"/>
-      </a:effectRef>
-      <a:fontRef idx="minor">
-        <a:schemeClr val="lt1"/>
-      </a:fontRef>
-    </dgm:style>
-  </dgm:styleLbl>
-  <dgm:styleLbl name="vennNode1">
-    <dgm:scene3d>
-      <a:camera prst="orthographicFront"/>
-      <a:lightRig rig="threePt" dir="t"/>
-    </dgm:scene3d>
-    <dgm:sp3d/>
-    <dgm:txPr/>
-    <dgm:style>
-      <a:lnRef idx="2">
-        <a:scrgbClr r="0" g="0" b="0"/>
-      </a:lnRef>
-      <a:fillRef idx="1">
-        <a:scrgbClr r="0" g="0" b="0"/>
-      </a:fillRef>
-      <a:effectRef idx="0">
-        <a:scrgbClr r="0" g="0" b="0"/>
-      </a:effectRef>
-      <a:fontRef idx="minor">
-        <a:schemeClr val="tx1"/>
-      </a:fontRef>
-    </dgm:style>
-  </dgm:styleLbl>
-  <dgm:styleLbl name="alignNode1">
-    <dgm:scene3d>
-      <a:camera prst="orthographicFront"/>
-      <a:lightRig rig="threePt" dir="t"/>
-    </dgm:scene3d>
-    <dgm:sp3d/>
-    <dgm:txPr/>
-    <dgm:style>
-      <a:lnRef idx="2">
-        <a:scrgbClr r="0" g="0" b="0"/>
-      </a:lnRef>
-      <a:fillRef idx="1">
-        <a:scrgbClr r="0" g="0" b="0"/>
-      </a:fillRef>
-      <a:effectRef idx="0">
-        <a:scrgbClr r="0" g="0" b="0"/>
-      </a:effectRef>
-      <a:fontRef idx="minor">
-        <a:schemeClr val="lt1"/>
-      </a:fontRef>
-    </dgm:style>
-  </dgm:styleLbl>
-  <dgm:styleLbl name="node1">
-    <dgm:scene3d>
-      <a:camera prst="orthographicFront"/>
-      <a:lightRig rig="threePt" dir="t"/>
-    </dgm:scene3d>
-    <dgm:sp3d/>
-    <dgm:txPr/>
-    <dgm:style>
-      <a:lnRef idx="2">
-        <a:scrgbClr r="0" g="0" b="0"/>
-      </a:lnRef>
-      <a:fillRef idx="1">
-        <a:scrgbClr r="0" g="0" b="0"/>
-      </a:fillRef>
-      <a:effectRef idx="0">
-        <a:scrgbClr r="0" g="0" b="0"/>
-      </a:effectRef>
-      <a:fontRef idx="minor">
-        <a:schemeClr val="lt1"/>
-      </a:fontRef>
-    </dgm:style>
-  </dgm:styleLbl>
-  <dgm:styleLbl name="node2">
-    <dgm:scene3d>
-      <a:camera prst="orthographicFront"/>
-      <a:lightRig rig="threePt" dir="t"/>
-    </dgm:scene3d>
-    <dgm:sp3d/>
-    <dgm:txPr/>
-    <dgm:style>
-      <a:lnRef idx="2">
-        <a:scrgbClr r="0" g="0" b="0"/>
-      </a:lnRef>
-      <a:fillRef idx="1">
-        <a:scrgbClr r="0" g="0" b="0"/>
-      </a:fillRef>
-      <a:effectRef idx="0">
-        <a:scrgbClr r="0" g="0" b="0"/>
-      </a:effectRef>
-      <a:fontRef idx="minor">
-        <a:schemeClr val="lt1"/>
-      </a:fontRef>
-    </dgm:style>
-  </dgm:styleLbl>
-  <dgm:styleLbl name="node3">
-    <dgm:scene3d>
-      <a:camera prst="orthographicFront"/>
-      <a:lightRig rig="threePt" dir="t"/>
-    </dgm:scene3d>
-    <dgm:sp3d/>
-    <dgm:txPr/>
-    <dgm:style>
-      <a:lnRef idx="2">
-        <a:scrgbClr r="0" g="0" b="0"/>
-      </a:lnRef>
-      <a:fillRef idx="1">
-        <a:scrgbClr r="0" g="0" b="0"/>
-      </a:fillRef>
-      <a:effectRef idx="0">
-        <a:scrgbClr r="0" g="0" b="0"/>
-      </a:effectRef>
-      <a:fontRef idx="minor">
-        <a:schemeClr val="lt1"/>
-      </a:fontRef>
-    </dgm:style>
-  </dgm:styleLbl>
-  <dgm:styleLbl name="node4">
-    <dgm:scene3d>
-      <a:camera prst="orthographicFront"/>
-      <a:lightRig rig="threePt" dir="t"/>
-    </dgm:scene3d>
-    <dgm:sp3d/>
-    <dgm:txPr/>
-    <dgm:style>
-      <a:lnRef idx="2">
-        <a:scrgbClr r="0" g="0" b="0"/>
-      </a:lnRef>
-      <a:fillRef idx="1">
-        <a:scrgbClr r="0" g="0" b="0"/>
-      </a:fillRef>
-      <a:effectRef idx="0">
-        <a:scrgbClr r="0" g="0" b="0"/>
-      </a:effectRef>
-      <a:fontRef idx="minor">
-        <a:schemeClr val="lt1"/>
-      </a:fontRef>
-    </dgm:style>
-  </dgm:styleLbl>
-  <dgm:styleLbl name="fgImgPlace1">
-    <dgm:scene3d>
-      <a:camera prst="orthographicFront"/>
-      <a:lightRig rig="threePt" dir="t"/>
-    </dgm:scene3d>
-    <dgm:sp3d/>
-    <dgm:txPr/>
-    <dgm:style>
-      <a:lnRef idx="2">
-        <a:scrgbClr r="0" g="0" b="0"/>
-      </a:lnRef>
-      <a:fillRef idx="1">
-        <a:scrgbClr r="0" g="0" b="0"/>
-      </a:fillRef>
-      <a:effectRef idx="0">
-        <a:scrgbClr r="0" g="0" b="0"/>
-      </a:effectRef>
-      <a:fontRef idx="minor"/>
-    </dgm:style>
-  </dgm:styleLbl>
-  <dgm:styleLbl name="alignImgPlace1">
-    <dgm:scene3d>
-      <a:camera prst="orthographicFront"/>
-      <a:lightRig rig="threePt" dir="t"/>
-    </dgm:scene3d>
-    <dgm:sp3d/>
-    <dgm:txPr/>
-    <dgm:style>
-      <a:lnRef idx="2">
-        <a:scrgbClr r="0" g="0" b="0"/>
-      </a:lnRef>
-      <a:fillRef idx="1">
-        <a:scrgbClr r="0" g="0" b="0"/>
-      </a:fillRef>
-      <a:effectRef idx="0">
-        <a:scrgbClr r="0" g="0" b="0"/>
-      </a:effectRef>
-      <a:fontRef idx="minor"/>
-    </dgm:style>
-  </dgm:styleLbl>
-  <dgm:styleLbl name="bgImgPlace1">
-    <dgm:scene3d>
-      <a:camera prst="orthographicFront"/>
-      <a:lightRig rig="threePt" dir="t"/>
-    </dgm:scene3d>
-    <dgm:sp3d/>
-    <dgm:txPr/>
-    <dgm:style>
-      <a:lnRef idx="2">
-        <a:scrgbClr r="0" g="0" b="0"/>
-      </a:lnRef>
-      <a:fillRef idx="1">
-        <a:scrgbClr r="0" g="0" b="0"/>
-      </a:fillRef>
-      <a:effectRef idx="0">
-        <a:scrgbClr r="0" g="0" b="0"/>
-      </a:effectRef>
-      <a:fontRef idx="minor"/>
-    </dgm:style>
-  </dgm:styleLbl>
-  <dgm:styleLbl name="sibTrans2D1">
-    <dgm:scene3d>
-      <a:camera prst="orthographicFront"/>
-      <a:lightRig rig="threePt" dir="t"/>
-    </dgm:scene3d>
-    <dgm:sp3d/>
-    <dgm:txPr/>
-    <dgm:style>
-      <a:lnRef idx="0">
-        <a:scrgbClr r="0" g="0" b="0"/>
-      </a:lnRef>
-      <a:fillRef idx="1">
-        <a:scrgbClr r="0" g="0" b="0"/>
-      </a:fillRef>
-      <a:effectRef idx="0">
-        <a:scrgbClr r="0" g="0" b="0"/>
-      </a:effectRef>
-      <a:fontRef idx="minor">
-        <a:schemeClr val="lt1"/>
-      </a:fontRef>
-    </dgm:style>
-  </dgm:styleLbl>
-  <dgm:styleLbl name="fgSibTrans2D1">
-    <dgm:scene3d>
-      <a:camera prst="orthographicFront"/>
-      <a:lightRig rig="threePt" dir="t"/>
-    </dgm:scene3d>
-    <dgm:sp3d/>
-    <dgm:txPr/>
-    <dgm:style>
-      <a:lnRef idx="0">
-        <a:scrgbClr r="0" g="0" b="0"/>
-      </a:lnRef>
-      <a:fillRef idx="1">
-        <a:scrgbClr r="0" g="0" b="0"/>
-      </a:fillRef>
-      <a:effectRef idx="0">
-        <a:scrgbClr r="0" g="0" b="0"/>
-      </a:effectRef>
-      <a:fontRef idx="minor">
-        <a:schemeClr val="lt1"/>
-      </a:fontRef>
-    </dgm:style>
-  </dgm:styleLbl>
-  <dgm:styleLbl name="bgSibTrans2D1">
-    <dgm:scene3d>
-      <a:camera prst="orthographicFront"/>
-      <a:lightRig rig="threePt" dir="t"/>
-    </dgm:scene3d>
-    <dgm:sp3d/>
-    <dgm:txPr/>
-    <dgm:style>
-      <a:lnRef idx="0">
-        <a:scrgbClr r="0" g="0" b="0"/>
-      </a:lnRef>
-      <a:fillRef idx="1">
-        <a:scrgbClr r="0" g="0" b="0"/>
-      </a:fillRef>
-      <a:effectRef idx="0">
-        <a:scrgbClr r="0" g="0" b="0"/>
-      </a:effectRef>
-      <a:fontRef idx="minor">
-        <a:schemeClr val="lt1"/>
-      </a:fontRef>
-    </dgm:style>
-  </dgm:styleLbl>
-  <dgm:styleLbl name="sibTrans1D1">
-    <dgm:scene3d>
-      <a:camera prst="orthographicFront"/>
-      <a:lightRig rig="threePt" dir="t"/>
-    </dgm:scene3d>
-    <dgm:sp3d/>
-    <dgm:txPr/>
-    <dgm:style>
-      <a:lnRef idx="1">
-        <a:scrgbClr r="0" g="0" b="0"/>
-      </a:lnRef>
-      <a:fillRef idx="0">
-        <a:scrgbClr r="0" g="0" b="0"/>
-      </a:fillRef>
-      <a:effectRef idx="0">
-        <a:scrgbClr r="0" g="0" b="0"/>
-      </a:effectRef>
-      <a:fontRef idx="minor"/>
-    </dgm:style>
-  </dgm:styleLbl>
-  <dgm:styleLbl name="callout">
-    <dgm:scene3d>
-      <a:camera prst="orthographicFront"/>
-      <a:lightRig rig="threePt" dir="t"/>
-    </dgm:scene3d>
-    <dgm:sp3d/>
-    <dgm:txPr/>
-    <dgm:style>
-      <a:lnRef idx="2">
-        <a:scrgbClr r="0" g="0" b="0"/>
-      </a:lnRef>
-      <a:fillRef idx="1">
-        <a:scrgbClr r="0" g="0" b="0"/>
-      </a:fillRef>
-      <a:effectRef idx="0">
-        <a:scrgbClr r="0" g="0" b="0"/>
-      </a:effectRef>
-      <a:fontRef idx="minor"/>
-    </dgm:style>
-  </dgm:styleLbl>
-  <dgm:styleLbl name="asst0">
-    <dgm:scene3d>
-      <a:camera prst="orthographicFront"/>
-      <a:lightRig rig="threePt" dir="t"/>
-    </dgm:scene3d>
-    <dgm:sp3d/>
-    <dgm:txPr/>
-    <dgm:style>
-      <a:lnRef idx="2">
-        <a:scrgbClr r="0" g="0" b="0"/>
-      </a:lnRef>
-      <a:fillRef idx="1">
-        <a:scrgbClr r="0" g="0" b="0"/>
-      </a:fillRef>
-      <a:effectRef idx="0">
-        <a:scrgbClr r="0" g="0" b="0"/>
-      </a:effectRef>
-      <a:fontRef idx="minor">
-        <a:schemeClr val="lt1"/>
-      </a:fontRef>
-    </dgm:style>
-  </dgm:styleLbl>
-  <dgm:styleLbl name="asst1">
-    <dgm:scene3d>
-      <a:camera prst="orthographicFront"/>
-      <a:lightRig rig="threePt" dir="t"/>
-    </dgm:scene3d>
-    <dgm:sp3d/>
-    <dgm:txPr/>
-    <dgm:style>
-      <a:lnRef idx="2">
-        <a:scrgbClr r="0" g="0" b="0"/>
-      </a:lnRef>
-      <a:fillRef idx="1">
-        <a:scrgbClr r="0" g="0" b="0"/>
-      </a:fillRef>
-      <a:effectRef idx="0">
-        <a:scrgbClr r="0" g="0" b="0"/>
-      </a:effectRef>
-      <a:fontRef idx="minor">
-        <a:schemeClr val="lt1"/>
-      </a:fontRef>
-    </dgm:style>
-  </dgm:styleLbl>
-  <dgm:styleLbl name="asst2">
-    <dgm:scene3d>
-      <a:camera prst="orthographicFront"/>
-      <a:lightRig rig="threePt" dir="t"/>
-    </dgm:scene3d>
-    <dgm:sp3d/>
-    <dgm:txPr/>
-    <dgm:style>
-      <a:lnRef idx="2">
-        <a:scrgbClr r="0" g="0" b="0"/>
-      </a:lnRef>
-      <a:fillRef idx="1">
-        <a:scrgbClr r="0" g="0" b="0"/>
-      </a:fillRef>
-      <a:effectRef idx="0">
-        <a:scrgbClr r="0" g="0" b="0"/>
-      </a:effectRef>
-      <a:fontRef idx="minor">
-        <a:schemeClr val="lt1"/>
-      </a:fontRef>
-    </dgm:style>
-  </dgm:styleLbl>
-  <dgm:styleLbl name="asst3">
-    <dgm:scene3d>
-      <a:camera prst="orthographicFront"/>
-      <a:lightRig rig="threePt" dir="t"/>
-    </dgm:scene3d>
-    <dgm:sp3d/>
-    <dgm:txPr/>
-    <dgm:style>
-      <a:lnRef idx="2">
-        <a:scrgbClr r="0" g="0" b="0"/>
-      </a:lnRef>
-      <a:fillRef idx="1">
-        <a:scrgbClr r="0" g="0" b="0"/>
-      </a:fillRef>
-      <a:effectRef idx="0">
-        <a:scrgbClr r="0" g="0" b="0"/>
-      </a:effectRef>
-      <a:fontRef idx="minor">
-        <a:schemeClr val="lt1"/>
-      </a:fontRef>
-    </dgm:style>
-  </dgm:styleLbl>
-  <dgm:styleLbl name="asst4">
-    <dgm:scene3d>
-      <a:camera prst="orthographicFront"/>
-      <a:lightRig rig="threePt" dir="t"/>
-    </dgm:scene3d>
-    <dgm:sp3d/>
-    <dgm:txPr/>
-    <dgm:style>
-      <a:lnRef idx="2">
-        <a:scrgbClr r="0" g="0" b="0"/>
-      </a:lnRef>
-      <a:fillRef idx="1">
-        <a:scrgbClr r="0" g="0" b="0"/>
-      </a:fillRef>
-      <a:effectRef idx="0">
-        <a:scrgbClr r="0" g="0" b="0"/>
-      </a:effectRef>
-      <a:fontRef idx="minor">
-        <a:schemeClr val="lt1"/>
-      </a:fontRef>
-    </dgm:style>
-  </dgm:styleLbl>
-  <dgm:styleLbl name="parChTrans2D1">
-    <dgm:scene3d>
-      <a:camera prst="orthographicFront"/>
-      <a:lightRig rig="threePt" dir="t"/>
-    </dgm:scene3d>
-    <dgm:sp3d/>
-    <dgm:txPr/>
-    <dgm:style>
-      <a:lnRef idx="2">
-        <a:scrgbClr r="0" g="0" b="0"/>
-      </a:lnRef>
-      <a:fillRef idx="1">
-        <a:scrgbClr r="0" g="0" b="0"/>
-      </a:fillRef>
-      <a:effectRef idx="0">
-        <a:scrgbClr r="0" g="0" b="0"/>
-      </a:effectRef>
-      <a:fontRef idx="minor">
-        <a:schemeClr val="lt1"/>
-      </a:fontRef>
-    </dgm:style>
-  </dgm:styleLbl>
-  <dgm:styleLbl name="parChTrans2D2">
-    <dgm:scene3d>
-      <a:camera prst="orthographicFront"/>
-      <a:lightRig rig="threePt" dir="t"/>
-    </dgm:scene3d>
-    <dgm:sp3d/>
-    <dgm:txPr/>
-    <dgm:style>
-      <a:lnRef idx="2">
-        <a:scrgbClr r="0" g="0" b="0"/>
-      </a:lnRef>
-      <a:fillRef idx="1">
-        <a:scrgbClr r="0" g="0" b="0"/>
-      </a:fillRef>
-      <a:effectRef idx="0">
-        <a:scrgbClr r="0" g="0" b="0"/>
-      </a:effectRef>
-      <a:fontRef idx="minor">
-        <a:schemeClr val="lt1"/>
-      </a:fontRef>
-    </dgm:style>
-  </dgm:styleLbl>
-  <dgm:styleLbl name="parChTrans2D3">
-    <dgm:scene3d>
-      <a:camera prst="orthographicFront"/>
-      <a:lightRig rig="threePt" dir="t"/>
-    </dgm:scene3d>
-    <dgm:sp3d/>
-    <dgm:txPr/>
-    <dgm:style>
-      <a:lnRef idx="2">
-        <a:scrgbClr r="0" g="0" b="0"/>
-      </a:lnRef>
-      <a:fillRef idx="1">
-        <a:scrgbClr r="0" g="0" b="0"/>
-      </a:fillRef>
-      <a:effectRef idx="0">
-        <a:scrgbClr r="0" g="0" b="0"/>
-      </a:effectRef>
-      <a:fontRef idx="minor">
-        <a:schemeClr val="lt1"/>
-      </a:fontRef>
-    </dgm:style>
-  </dgm:styleLbl>
-  <dgm:styleLbl name="parChTrans2D4">
-    <dgm:scene3d>
-      <a:camera prst="orthographicFront"/>
-      <a:lightRig rig="threePt" dir="t"/>
-    </dgm:scene3d>
-    <dgm:sp3d/>
-    <dgm:txPr/>
-    <dgm:style>
-      <a:lnRef idx="2">
-        <a:scrgbClr r="0" g="0" b="0"/>
-      </a:lnRef>
-      <a:fillRef idx="1">
-        <a:scrgbClr r="0" g="0" b="0"/>
-      </a:fillRef>
-      <a:effectRef idx="0">
-        <a:scrgbClr r="0" g="0" b="0"/>
-      </a:effectRef>
-      <a:fontRef idx="minor">
-        <a:schemeClr val="lt1"/>
-      </a:fontRef>
-    </dgm:style>
-  </dgm:styleLbl>
-  <dgm:styleLbl name="parChTrans1D1">
-    <dgm:scene3d>
-      <a:camera prst="orthographicFront"/>
-      <a:lightRig rig="threePt" dir="t"/>
-    </dgm:scene3d>
-    <dgm:sp3d/>
-    <dgm:txPr/>
-    <dgm:style>
-      <a:lnRef idx="2">
-        <a:scrgbClr r="0" g="0" b="0"/>
-      </a:lnRef>
-      <a:fillRef idx="0">
-        <a:scrgbClr r="0" g="0" b="0"/>
-      </a:fillRef>
-      <a:effectRef idx="0">
-        <a:scrgbClr r="0" g="0" b="0"/>
-      </a:effectRef>
-      <a:fontRef idx="minor"/>
-    </dgm:style>
-  </dgm:styleLbl>
-  <dgm:styleLbl name="parChTrans1D2">
-    <dgm:scene3d>
-      <a:camera prst="orthographicFront"/>
-      <a:lightRig rig="threePt" dir="t"/>
-    </dgm:scene3d>
-    <dgm:sp3d/>
-    <dgm:txPr/>
-    <dgm:style>
-      <a:lnRef idx="2">
-        <a:scrgbClr r="0" g="0" b="0"/>
-      </a:lnRef>
-      <a:fillRef idx="0">
-        <a:scrgbClr r="0" g="0" b="0"/>
-      </a:fillRef>
-      <a:effectRef idx="0">
-        <a:scrgbClr r="0" g="0" b="0"/>
-      </a:effectRef>
-      <a:fontRef idx="minor"/>
-    </dgm:style>
-  </dgm:styleLbl>
-  <dgm:styleLbl name="parChTrans1D3">
-    <dgm:scene3d>
-      <a:camera prst="orthographicFront"/>
-      <a:lightRig rig="threePt" dir="t"/>
-    </dgm:scene3d>
-    <dgm:sp3d/>
-    <dgm:txPr/>
-    <dgm:style>
-      <a:lnRef idx="2">
-        <a:scrgbClr r="0" g="0" b="0"/>
-      </a:lnRef>
-      <a:fillRef idx="0">
-        <a:scrgbClr r="0" g="0" b="0"/>
-      </a:fillRef>
-      <a:effectRef idx="0">
-        <a:scrgbClr r="0" g="0" b="0"/>
-      </a:effectRef>
-      <a:fontRef idx="minor"/>
-    </dgm:style>
-  </dgm:styleLbl>
-  <dgm:styleLbl name="parChTrans1D4">
-    <dgm:scene3d>
-      <a:camera prst="orthographicFront"/>
-      <a:lightRig rig="threePt" dir="t"/>
-    </dgm:scene3d>
-    <dgm:sp3d/>
-    <dgm:txPr/>
-    <dgm:style>
-      <a:lnRef idx="2">
-        <a:scrgbClr r="0" g="0" b="0"/>
-      </a:lnRef>
-      <a:fillRef idx="0">
-        <a:scrgbClr r="0" g="0" b="0"/>
-      </a:fillRef>
-      <a:effectRef idx="0">
-        <a:scrgbClr r="0" g="0" b="0"/>
-      </a:effectRef>
-      <a:fontRef idx="minor"/>
-    </dgm:style>
-  </dgm:styleLbl>
-  <dgm:styleLbl name="fgAcc1">
-    <dgm:scene3d>
-      <a:camera prst="orthographicFront"/>
-      <a:lightRig rig="threePt" dir="t"/>
-    </dgm:scene3d>
-    <dgm:sp3d/>
-    <dgm:txPr/>
-    <dgm:style>
-      <a:lnRef idx="2">
-        <a:scrgbClr r="0" g="0" b="0"/>
-      </a:lnRef>
-      <a:fillRef idx="1">
-        <a:scrgbClr r="0" g="0" b="0"/>
-      </a:fillRef>
-      <a:effectRef idx="0">
-        <a:scrgbClr r="0" g="0" b="0"/>
-      </a:effectRef>
-      <a:fontRef idx="minor"/>
-    </dgm:style>
-  </dgm:styleLbl>
-  <dgm:styleLbl name="conFgAcc1">
-    <dgm:scene3d>
-      <a:camera prst="orthographicFront"/>
-      <a:lightRig rig="threePt" dir="t"/>
-    </dgm:scene3d>
-    <dgm:sp3d/>
-    <dgm:txPr/>
-    <dgm:style>
-      <a:lnRef idx="2">
-        <a:scrgbClr r="0" g="0" b="0"/>
-      </a:lnRef>
-      <a:fillRef idx="1">
-        <a:scrgbClr r="0" g="0" b="0"/>
-      </a:fillRef>
-      <a:effectRef idx="0">
-        <a:scrgbClr r="0" g="0" b="0"/>
-      </a:effectRef>
-      <a:fontRef idx="minor"/>
-    </dgm:style>
-  </dgm:styleLbl>
-  <dgm:styleLbl name="alignAcc1">
-    <dgm:scene3d>
-      <a:camera prst="orthographicFront"/>
-      <a:lightRig rig="threePt" dir="t"/>
-    </dgm:scene3d>
-    <dgm:sp3d/>
-    <dgm:txPr/>
-    <dgm:style>
-      <a:lnRef idx="2">
-        <a:scrgbClr r="0" g="0" b="0"/>
-      </a:lnRef>
-      <a:fillRef idx="1">
-        <a:scrgbClr r="0" g="0" b="0"/>
-      </a:fillRef>
-      <a:effectRef idx="0">
-        <a:scrgbClr r="0" g="0" b="0"/>
-      </a:effectRef>
-      <a:fontRef idx="minor"/>
-    </dgm:style>
-  </dgm:styleLbl>
-  <dgm:styleLbl name="trAlignAcc1">
-    <dgm:scene3d>
-      <a:camera prst="orthographicFront"/>
-      <a:lightRig rig="threePt" dir="t"/>
-    </dgm:scene3d>
-    <dgm:sp3d/>
-    <dgm:txPr/>
-    <dgm:style>
-      <a:lnRef idx="1">
-        <a:scrgbClr r="0" g="0" b="0"/>
-      </a:lnRef>
-      <a:fillRef idx="1">
-        <a:scrgbClr r="0" g="0" b="0"/>
-      </a:fillRef>
-      <a:effectRef idx="0">
-        <a:scrgbClr r="0" g="0" b="0"/>
-      </a:effectRef>
-      <a:fontRef idx="minor"/>
-    </dgm:style>
-  </dgm:styleLbl>
-  <dgm:styleLbl name="bgAcc1">
-    <dgm:scene3d>
-      <a:camera prst="orthographicFront"/>
-      <a:lightRig rig="threePt" dir="t"/>
-    </dgm:scene3d>
-    <dgm:sp3d/>
-    <dgm:txPr/>
-    <dgm:style>
-      <a:lnRef idx="2">
-        <a:scrgbClr r="0" g="0" b="0"/>
-      </a:lnRef>
-      <a:fillRef idx="1">
-        <a:scrgbClr r="0" g="0" b="0"/>
-      </a:fillRef>
-      <a:effectRef idx="0">
-        <a:scrgbClr r="0" g="0" b="0"/>
-      </a:effectRef>
-      <a:fontRef idx="minor"/>
-    </dgm:style>
-  </dgm:styleLbl>
-  <dgm:styleLbl name="solidFgAcc1">
-    <dgm:scene3d>
-      <a:camera prst="orthographicFront"/>
-      <a:lightRig rig="threePt" dir="t"/>
-    </dgm:scene3d>
-    <dgm:sp3d/>
-    <dgm:txPr/>
-    <dgm:style>
-      <a:lnRef idx="2">
-        <a:scrgbClr r="0" g="0" b="0"/>
-      </a:lnRef>
-      <a:fillRef idx="1">
-        <a:scrgbClr r="0" g="0" b="0"/>
-      </a:fillRef>
-      <a:effectRef idx="0">
-        <a:scrgbClr r="0" g="0" b="0"/>
-      </a:effectRef>
-      <a:fontRef idx="minor"/>
-    </dgm:style>
-  </dgm:styleLbl>
-  <dgm:styleLbl name="solidAlignAcc1">
-    <dgm:scene3d>
-      <a:camera prst="orthographicFront"/>
-      <a:lightRig rig="threePt" dir="t"/>
-    </dgm:scene3d>
-    <dgm:sp3d/>
-    <dgm:txPr/>
-    <dgm:style>
-      <a:lnRef idx="2">
-        <a:scrgbClr r="0" g="0" b="0"/>
-      </a:lnRef>
-      <a:fillRef idx="1">
-        <a:scrgbClr r="0" g="0" b="0"/>
-      </a:fillRef>
-      <a:effectRef idx="0">
-        <a:scrgbClr r="0" g="0" b="0"/>
-      </a:effectRef>
-      <a:fontRef idx="minor"/>
-    </dgm:style>
-  </dgm:styleLbl>
-  <dgm:styleLbl name="solidBgAcc1">
-    <dgm:scene3d>
-      <a:camera prst="orthographicFront"/>
-      <a:lightRig rig="threePt" dir="t"/>
-    </dgm:scene3d>
-    <dgm:sp3d/>
-    <dgm:txPr/>
-    <dgm:style>
-      <a:lnRef idx="2">
-        <a:scrgbClr r="0" g="0" b="0"/>
-      </a:lnRef>
-      <a:fillRef idx="1">
-        <a:scrgbClr r="0" g="0" b="0"/>
-      </a:fillRef>
-      <a:effectRef idx="0">
-        <a:scrgbClr r="0" g="0" b="0"/>
-      </a:effectRef>
-      <a:fontRef idx="minor"/>
-    </dgm:style>
-  </dgm:styleLbl>
-  <dgm:styleLbl name="fgAccFollowNode1">
-    <dgm:scene3d>
-      <a:camera prst="orthographicFront"/>
-      <a:lightRig rig="threePt" dir="t"/>
-    </dgm:scene3d>
-    <dgm:sp3d/>
-    <dgm:txPr/>
-    <dgm:style>
-      <a:lnRef idx="2">
-        <a:scrgbClr r="0" g="0" b="0"/>
-      </a:lnRef>
-      <a:fillRef idx="1">
-        <a:scrgbClr r="0" g="0" b="0"/>
-      </a:fillRef>
-      <a:effectRef idx="0">
-        <a:scrgbClr r="0" g="0" b="0"/>
-      </a:effectRef>
-      <a:fontRef idx="minor"/>
-    </dgm:style>
-  </dgm:styleLbl>
-  <dgm:styleLbl name="alignAccFollowNode1">
-    <dgm:scene3d>
-      <a:camera prst="orthographicFront"/>
-      <a:lightRig rig="threePt" dir="t"/>
-    </dgm:scene3d>
-    <dgm:sp3d/>
-    <dgm:txPr/>
-    <dgm:style>
-      <a:lnRef idx="2">
-        <a:scrgbClr r="0" g="0" b="0"/>
-      </a:lnRef>
-      <a:fillRef idx="1">
-        <a:scrgbClr r="0" g="0" b="0"/>
-      </a:fillRef>
-      <a:effectRef idx="0">
-        <a:scrgbClr r="0" g="0" b="0"/>
-      </a:effectRef>
-      <a:fontRef idx="minor"/>
-    </dgm:style>
-  </dgm:styleLbl>
-  <dgm:styleLbl name="bgAccFollowNode1">
-    <dgm:scene3d>
-      <a:camera prst="orthographicFront"/>
-      <a:lightRig rig="threePt" dir="t"/>
-    </dgm:scene3d>
-    <dgm:sp3d/>
-    <dgm:txPr/>
-    <dgm:style>
-      <a:lnRef idx="2">
-        <a:scrgbClr r="0" g="0" b="0"/>
-      </a:lnRef>
-      <a:fillRef idx="1">
-        <a:scrgbClr r="0" g="0" b="0"/>
-      </a:fillRef>
-      <a:effectRef idx="0">
-        <a:scrgbClr r="0" g="0" b="0"/>
-      </a:effectRef>
-      <a:fontRef idx="minor"/>
-    </dgm:style>
-  </dgm:styleLbl>
-  <dgm:styleLbl name="fgAcc0">
-    <dgm:scene3d>
-      <a:camera prst="orthographicFront"/>
-      <a:lightRig rig="threePt" dir="t"/>
-    </dgm:scene3d>
-    <dgm:sp3d/>
-    <dgm:txPr/>
-    <dgm:style>
-      <a:lnRef idx="2">
-        <a:scrgbClr r="0" g="0" b="0"/>
-      </a:lnRef>
-      <a:fillRef idx="1">
-        <a:scrgbClr r="0" g="0" b="0"/>
-      </a:fillRef>
-      <a:effectRef idx="0">
-        <a:scrgbClr r="0" g="0" b="0"/>
-      </a:effectRef>
-      <a:fontRef idx="minor"/>
-    </dgm:style>
-  </dgm:styleLbl>
-  <dgm:styleLbl name="fgAcc2">
-    <dgm:scene3d>
-      <a:camera prst="orthographicFront"/>
-      <a:lightRig rig="threePt" dir="t"/>
-    </dgm:scene3d>
-    <dgm:sp3d/>
-    <dgm:txPr/>
-    <dgm:style>
-      <a:lnRef idx="2">
-        <a:scrgbClr r="0" g="0" b="0"/>
-      </a:lnRef>
-      <a:fillRef idx="1">
-        <a:scrgbClr r="0" g="0" b="0"/>
-      </a:fillRef>
-      <a:effectRef idx="0">
-        <a:scrgbClr r="0" g="0" b="0"/>
-      </a:effectRef>
-      <a:fontRef idx="minor"/>
-    </dgm:style>
-  </dgm:styleLbl>
-  <dgm:styleLbl name="fgAcc3">
-    <dgm:scene3d>
-      <a:camera prst="orthographicFront"/>
-      <a:lightRig rig="threePt" dir="t"/>
-    </dgm:scene3d>
-    <dgm:sp3d/>
-    <dgm:txPr/>
-    <dgm:style>
-      <a:lnRef idx="2">
-        <a:scrgbClr r="0" g="0" b="0"/>
-      </a:lnRef>
-      <a:fillRef idx="1">
-        <a:scrgbClr r="0" g="0" b="0"/>
-      </a:fillRef>
-      <a:effectRef idx="0">
-        <a:scrgbClr r="0" g="0" b="0"/>
-      </a:effectRef>
-      <a:fontRef idx="minor"/>
-    </dgm:style>
-  </dgm:styleLbl>
-  <dgm:styleLbl name="fgAcc4">
-    <dgm:scene3d>
-      <a:camera prst="orthographicFront"/>
-      <a:lightRig rig="threePt" dir="t"/>
-    </dgm:scene3d>
-    <dgm:sp3d/>
-    <dgm:txPr/>
-    <dgm:style>
-      <a:lnRef idx="2">
-        <a:scrgbClr r="0" g="0" b="0"/>
-      </a:lnRef>
-      <a:fillRef idx="1">
-        <a:scrgbClr r="0" g="0" b="0"/>
-      </a:fillRef>
-      <a:effectRef idx="0">
-        <a:scrgbClr r="0" g="0" b="0"/>
-      </a:effectRef>
-      <a:fontRef idx="minor"/>
-    </dgm:style>
-  </dgm:styleLbl>
-  <dgm:styleLbl name="bgShp">
-    <dgm:scene3d>
-      <a:camera prst="orthographicFront"/>
-      <a:lightRig rig="threePt" dir="t"/>
-    </dgm:scene3d>
-    <dgm:sp3d/>
-    <dgm:txPr/>
-    <dgm:style>
-      <a:lnRef idx="0">
-        <a:scrgbClr r="0" g="0" b="0"/>
-      </a:lnRef>
-      <a:fillRef idx="1">
-        <a:scrgbClr r="0" g="0" b="0"/>
-      </a:fillRef>
-      <a:effectRef idx="0">
-        <a:scrgbClr r="0" g="0" b="0"/>
-      </a:effectRef>
-      <a:fontRef idx="minor"/>
-    </dgm:style>
-  </dgm:styleLbl>
-  <dgm:styleLbl name="dkBgShp">
-    <dgm:scene3d>
-      <a:camera prst="orthographicFront"/>
-      <a:lightRig rig="threePt" dir="t"/>
-    </dgm:scene3d>
-    <dgm:sp3d/>
-    <dgm:txPr/>
-    <dgm:style>
-      <a:lnRef idx="0">
-        <a:scrgbClr r="0" g="0" b="0"/>
-      </a:lnRef>
-      <a:fillRef idx="1">
-        <a:scrgbClr r="0" g="0" b="0"/>
-      </a:fillRef>
-      <a:effectRef idx="0">
-        <a:scrgbClr r="0" g="0" b="0"/>
-      </a:effectRef>
-      <a:fontRef idx="minor"/>
-    </dgm:style>
-  </dgm:styleLbl>
-  <dgm:styleLbl name="trBgShp">
-    <dgm:scene3d>
-      <a:camera prst="orthographicFront"/>
-      <a:lightRig rig="threePt" dir="t"/>
-    </dgm:scene3d>
-    <dgm:sp3d/>
-    <dgm:txPr/>
-    <dgm:style>
-      <a:lnRef idx="0">
-        <a:scrgbClr r="0" g="0" b="0"/>
-      </a:lnRef>
-      <a:fillRef idx="1">
-        <a:scrgbClr r="0" g="0" b="0"/>
-      </a:fillRef>
-      <a:effectRef idx="0">
-        <a:scrgbClr r="0" g="0" b="0"/>
-      </a:effectRef>
-      <a:fontRef idx="minor"/>
-    </dgm:style>
-  </dgm:styleLbl>
-  <dgm:styleLbl name="fgShp">
-    <dgm:scene3d>
-      <a:camera prst="orthographicFront"/>
-      <a:lightRig rig="threePt" dir="t"/>
-    </dgm:scene3d>
-    <dgm:sp3d/>
-    <dgm:txPr/>
-    <dgm:style>
-      <a:lnRef idx="2">
-        <a:scrgbClr r="0" g="0" b="0"/>
-      </a:lnRef>
-      <a:fillRef idx="1">
-        <a:scrgbClr r="0" g="0" b="0"/>
-      </a:fillRef>
-      <a:effectRef idx="0">
-        <a:scrgbClr r="0" g="0" b="0"/>
-      </a:effectRef>
-      <a:fontRef idx="minor"/>
-    </dgm:style>
-  </dgm:styleLbl>
-  <dgm:styleLbl name="revTx">
-    <dgm:scene3d>
-      <a:camera prst="orthographicFront"/>
-      <a:lightRig rig="threePt" dir="t"/>
-    </dgm:scene3d>
-    <dgm:sp3d/>
-    <dgm:txPr/>
-    <dgm:style>
-      <a:lnRef idx="0">
-        <a:scrgbClr r="0" g="0" b="0"/>
-      </a:lnRef>
-      <a:fillRef idx="0">
-        <a:scrgbClr r="0" g="0" b="0"/>
-      </a:fillRef>
-      <a:effectRef idx="0">
-        <a:scrgbClr r="0" g="0" b="0"/>
-      </a:effectRef>
-      <a:fontRef idx="minor"/>
-    </dgm:style>
-  </dgm:styleLbl>
-</dgm:styleDef>
-</file>
-
 <file path=ppt/notesMasters/notesMaster1.xml><?xml version="1.0" encoding="utf-8"?>
 <p:notesMaster xmlns:a="http://schemas.openxmlformats.org/drawingml/2006/main" xmlns:r="http://schemas.openxmlformats.org/officeDocument/2006/relationships" xmlns:p="http://schemas.openxmlformats.org/presentationml/2006/main">
   <p:cSld>
@@ -2683,96 +466,6 @@
     </a:lvl9pPr>
   </p:notesStyle>
 </p:notesMaster>
-</file>
-
-<file path=ppt/notesSlides/notesSlide1.xml><?xml version="1.0" encoding="utf-8"?>
-<p:notes xmlns:a="http://schemas.openxmlformats.org/drawingml/2006/main" xmlns:r="http://schemas.openxmlformats.org/officeDocument/2006/relationships" xmlns:p="http://schemas.openxmlformats.org/presentationml/2006/main">
-  <p:cSld>
-    <p:spTree>
-      <p:nvGrpSpPr>
-        <p:cNvPr id="1" name=""/>
-        <p:cNvGrpSpPr/>
-        <p:nvPr/>
-      </p:nvGrpSpPr>
-      <p:grpSpPr>
-        <a:xfrm>
-          <a:off x="0" y="0"/>
-          <a:ext cx="0" cy="0"/>
-          <a:chOff x="0" y="0"/>
-          <a:chExt cx="0" cy="0"/>
-        </a:xfrm>
-      </p:grpSpPr>
-      <p:sp>
-        <p:nvSpPr>
-          <p:cNvPr id="2" name="Espace réservé de l'image des diapositives 1"/>
-          <p:cNvSpPr>
-            <a:spLocks noGrp="1" noRot="1" noChangeAspect="1"/>
-          </p:cNvSpPr>
-          <p:nvPr>
-            <p:ph type="sldImg"/>
-          </p:nvPr>
-        </p:nvSpPr>
-        <p:spPr/>
-      </p:sp>
-      <p:sp>
-        <p:nvSpPr>
-          <p:cNvPr id="3" name="Espace réservé des commentaires 2"/>
-          <p:cNvSpPr>
-            <a:spLocks noGrp="1"/>
-          </p:cNvSpPr>
-          <p:nvPr>
-            <p:ph type="body" idx="1"/>
-          </p:nvPr>
-        </p:nvSpPr>
-        <p:spPr/>
-        <p:txBody>
-          <a:bodyPr/>
-          <a:lstStyle/>
-          <a:p>
-            <a:r>
-              <a:rPr lang="fr-FR" dirty="0" smtClean="0"/>
-              <a:t>Budget</a:t>
-            </a:r>
-          </a:p>
-          <a:p>
-            <a:endParaRPr lang="fr-FR" dirty="0"/>
-          </a:p>
-        </p:txBody>
-      </p:sp>
-      <p:sp>
-        <p:nvSpPr>
-          <p:cNvPr id="4" name="Espace réservé du numéro de diapositive 3"/>
-          <p:cNvSpPr>
-            <a:spLocks noGrp="1"/>
-          </p:cNvSpPr>
-          <p:nvPr>
-            <p:ph type="sldNum" sz="quarter" idx="10"/>
-          </p:nvPr>
-        </p:nvSpPr>
-        <p:spPr/>
-        <p:txBody>
-          <a:bodyPr/>
-          <a:lstStyle/>
-          <a:p>
-            <a:fld id="{60F6F40F-0EB8-4F52-BC82-C12EA14407A3}" type="slidenum">
-              <a:rPr lang="fr-FR" smtClean="0"/>
-              <a:t>5</a:t>
-            </a:fld>
-            <a:endParaRPr lang="fr-FR"/>
-          </a:p>
-        </p:txBody>
-      </p:sp>
-    </p:spTree>
-    <p:extLst>
-      <p:ext uri="{BB962C8B-B14F-4D97-AF65-F5344CB8AC3E}">
-        <p14:creationId xmlns:p14="http://schemas.microsoft.com/office/powerpoint/2010/main" val="2134973334"/>
-      </p:ext>
-    </p:extLst>
-  </p:cSld>
-  <p:clrMapOvr>
-    <a:masterClrMapping/>
-  </p:clrMapOvr>
-</p:notes>
 </file>
 
 <file path=ppt/slideLayouts/slideLayout1.xml><?xml version="1.0" encoding="utf-8"?>
@@ -7721,6 +5414,476 @@
                 </p:cond>
               </p:nextCondLst>
             </p:seq>
+            <p:seq concurrent="1" nextAc="seek">
+              <p:cTn id="42" restart="whenNotActive" fill="hold" evtFilter="cancelBubble" nodeType="interactiveSeq">
+                <p:stCondLst>
+                  <p:cond evt="onClick" delay="0">
+                    <p:tgtEl>
+                      <p:spTgt spid="17"/>
+                    </p:tgtEl>
+                  </p:cond>
+                </p:stCondLst>
+                <p:endSync evt="end" delay="0">
+                  <p:rtn val="all"/>
+                </p:endSync>
+                <p:childTnLst>
+                  <p:par>
+                    <p:cTn id="43" fill="hold">
+                      <p:stCondLst>
+                        <p:cond delay="0"/>
+                      </p:stCondLst>
+                      <p:childTnLst>
+                        <p:par>
+                          <p:cTn id="44" fill="hold">
+                            <p:stCondLst>
+                              <p:cond delay="0"/>
+                            </p:stCondLst>
+                            <p:childTnLst>
+                              <p:par>
+                                <p:cTn id="45" presetID="53" presetClass="entr" presetSubtype="16" fill="hold" nodeType="clickEffect">
+                                  <p:stCondLst>
+                                    <p:cond delay="0"/>
+                                  </p:stCondLst>
+                                  <p:childTnLst>
+                                    <p:set>
+                                      <p:cBhvr>
+                                        <p:cTn id="46" dur="1" fill="hold">
+                                          <p:stCondLst>
+                                            <p:cond delay="0"/>
+                                          </p:stCondLst>
+                                        </p:cTn>
+                                        <p:tgtEl>
+                                          <p:spTgt spid="3">
+                                            <p:txEl>
+                                              <p:pRg st="0" end="0"/>
+                                            </p:txEl>
+                                          </p:spTgt>
+                                        </p:tgtEl>
+                                        <p:attrNameLst>
+                                          <p:attrName>style.visibility</p:attrName>
+                                        </p:attrNameLst>
+                                      </p:cBhvr>
+                                      <p:to>
+                                        <p:strVal val="visible"/>
+                                      </p:to>
+                                    </p:set>
+                                    <p:anim calcmode="lin" valueType="num">
+                                      <p:cBhvr>
+                                        <p:cTn id="47" dur="500" fill="hold"/>
+                                        <p:tgtEl>
+                                          <p:spTgt spid="3">
+                                            <p:txEl>
+                                              <p:pRg st="0" end="0"/>
+                                            </p:txEl>
+                                          </p:spTgt>
+                                        </p:tgtEl>
+                                        <p:attrNameLst>
+                                          <p:attrName>ppt_w</p:attrName>
+                                        </p:attrNameLst>
+                                      </p:cBhvr>
+                                      <p:tavLst>
+                                        <p:tav tm="0">
+                                          <p:val>
+                                            <p:fltVal val="0"/>
+                                          </p:val>
+                                        </p:tav>
+                                        <p:tav tm="100000">
+                                          <p:val>
+                                            <p:strVal val="#ppt_w"/>
+                                          </p:val>
+                                        </p:tav>
+                                      </p:tavLst>
+                                    </p:anim>
+                                    <p:anim calcmode="lin" valueType="num">
+                                      <p:cBhvr>
+                                        <p:cTn id="48" dur="500" fill="hold"/>
+                                        <p:tgtEl>
+                                          <p:spTgt spid="3">
+                                            <p:txEl>
+                                              <p:pRg st="0" end="0"/>
+                                            </p:txEl>
+                                          </p:spTgt>
+                                        </p:tgtEl>
+                                        <p:attrNameLst>
+                                          <p:attrName>ppt_h</p:attrName>
+                                        </p:attrNameLst>
+                                      </p:cBhvr>
+                                      <p:tavLst>
+                                        <p:tav tm="0">
+                                          <p:val>
+                                            <p:fltVal val="0"/>
+                                          </p:val>
+                                        </p:tav>
+                                        <p:tav tm="100000">
+                                          <p:val>
+                                            <p:strVal val="#ppt_h"/>
+                                          </p:val>
+                                        </p:tav>
+                                      </p:tavLst>
+                                    </p:anim>
+                                    <p:animEffect transition="in" filter="fade">
+                                      <p:cBhvr>
+                                        <p:cTn id="49" dur="500"/>
+                                        <p:tgtEl>
+                                          <p:spTgt spid="3">
+                                            <p:txEl>
+                                              <p:pRg st="0" end="0"/>
+                                            </p:txEl>
+                                          </p:spTgt>
+                                        </p:tgtEl>
+                                      </p:cBhvr>
+                                    </p:animEffect>
+                                  </p:childTnLst>
+                                </p:cTn>
+                              </p:par>
+                              <p:par>
+                                <p:cTn id="50" presetID="53" presetClass="entr" presetSubtype="16" fill="hold" nodeType="withEffect">
+                                  <p:stCondLst>
+                                    <p:cond delay="0"/>
+                                  </p:stCondLst>
+                                  <p:childTnLst>
+                                    <p:set>
+                                      <p:cBhvr>
+                                        <p:cTn id="51" dur="1" fill="hold">
+                                          <p:stCondLst>
+                                            <p:cond delay="0"/>
+                                          </p:stCondLst>
+                                        </p:cTn>
+                                        <p:tgtEl>
+                                          <p:spTgt spid="3">
+                                            <p:txEl>
+                                              <p:pRg st="1" end="1"/>
+                                            </p:txEl>
+                                          </p:spTgt>
+                                        </p:tgtEl>
+                                        <p:attrNameLst>
+                                          <p:attrName>style.visibility</p:attrName>
+                                        </p:attrNameLst>
+                                      </p:cBhvr>
+                                      <p:to>
+                                        <p:strVal val="visible"/>
+                                      </p:to>
+                                    </p:set>
+                                    <p:anim calcmode="lin" valueType="num">
+                                      <p:cBhvr>
+                                        <p:cTn id="52" dur="500" fill="hold"/>
+                                        <p:tgtEl>
+                                          <p:spTgt spid="3">
+                                            <p:txEl>
+                                              <p:pRg st="1" end="1"/>
+                                            </p:txEl>
+                                          </p:spTgt>
+                                        </p:tgtEl>
+                                        <p:attrNameLst>
+                                          <p:attrName>ppt_w</p:attrName>
+                                        </p:attrNameLst>
+                                      </p:cBhvr>
+                                      <p:tavLst>
+                                        <p:tav tm="0">
+                                          <p:val>
+                                            <p:fltVal val="0"/>
+                                          </p:val>
+                                        </p:tav>
+                                        <p:tav tm="100000">
+                                          <p:val>
+                                            <p:strVal val="#ppt_w"/>
+                                          </p:val>
+                                        </p:tav>
+                                      </p:tavLst>
+                                    </p:anim>
+                                    <p:anim calcmode="lin" valueType="num">
+                                      <p:cBhvr>
+                                        <p:cTn id="53" dur="500" fill="hold"/>
+                                        <p:tgtEl>
+                                          <p:spTgt spid="3">
+                                            <p:txEl>
+                                              <p:pRg st="1" end="1"/>
+                                            </p:txEl>
+                                          </p:spTgt>
+                                        </p:tgtEl>
+                                        <p:attrNameLst>
+                                          <p:attrName>ppt_h</p:attrName>
+                                        </p:attrNameLst>
+                                      </p:cBhvr>
+                                      <p:tavLst>
+                                        <p:tav tm="0">
+                                          <p:val>
+                                            <p:fltVal val="0"/>
+                                          </p:val>
+                                        </p:tav>
+                                        <p:tav tm="100000">
+                                          <p:val>
+                                            <p:strVal val="#ppt_h"/>
+                                          </p:val>
+                                        </p:tav>
+                                      </p:tavLst>
+                                    </p:anim>
+                                    <p:animEffect transition="in" filter="fade">
+                                      <p:cBhvr>
+                                        <p:cTn id="54" dur="500"/>
+                                        <p:tgtEl>
+                                          <p:spTgt spid="3">
+                                            <p:txEl>
+                                              <p:pRg st="1" end="1"/>
+                                            </p:txEl>
+                                          </p:spTgt>
+                                        </p:tgtEl>
+                                      </p:cBhvr>
+                                    </p:animEffect>
+                                  </p:childTnLst>
+                                </p:cTn>
+                              </p:par>
+                            </p:childTnLst>
+                          </p:cTn>
+                        </p:par>
+                      </p:childTnLst>
+                    </p:cTn>
+                  </p:par>
+                </p:childTnLst>
+              </p:cTn>
+              <p:nextCondLst>
+                <p:cond evt="onClick" delay="0">
+                  <p:tgtEl>
+                    <p:spTgt spid="17"/>
+                  </p:tgtEl>
+                </p:cond>
+              </p:nextCondLst>
+            </p:seq>
+            <p:seq concurrent="1" nextAc="seek">
+              <p:cTn id="55" restart="whenNotActive" fill="hold" evtFilter="cancelBubble" nodeType="interactiveSeq">
+                <p:stCondLst>
+                  <p:cond evt="onClick" delay="0">
+                    <p:tgtEl>
+                      <p:spTgt spid="18"/>
+                    </p:tgtEl>
+                  </p:cond>
+                </p:stCondLst>
+                <p:endSync evt="end" delay="0">
+                  <p:rtn val="all"/>
+                </p:endSync>
+                <p:childTnLst>
+                  <p:par>
+                    <p:cTn id="56" fill="hold">
+                      <p:stCondLst>
+                        <p:cond delay="0"/>
+                      </p:stCondLst>
+                      <p:childTnLst>
+                        <p:par>
+                          <p:cTn id="57" fill="hold">
+                            <p:stCondLst>
+                              <p:cond delay="0"/>
+                            </p:stCondLst>
+                            <p:childTnLst>
+                              <p:par>
+                                <p:cTn id="58" presetID="53" presetClass="entr" presetSubtype="16" fill="hold" nodeType="clickEffect">
+                                  <p:stCondLst>
+                                    <p:cond delay="0"/>
+                                  </p:stCondLst>
+                                  <p:childTnLst>
+                                    <p:set>
+                                      <p:cBhvr>
+                                        <p:cTn id="59" dur="1" fill="hold">
+                                          <p:stCondLst>
+                                            <p:cond delay="0"/>
+                                          </p:stCondLst>
+                                        </p:cTn>
+                                        <p:tgtEl>
+                                          <p:spTgt spid="4">
+                                            <p:txEl>
+                                              <p:pRg st="0" end="0"/>
+                                            </p:txEl>
+                                          </p:spTgt>
+                                        </p:tgtEl>
+                                        <p:attrNameLst>
+                                          <p:attrName>style.visibility</p:attrName>
+                                        </p:attrNameLst>
+                                      </p:cBhvr>
+                                      <p:to>
+                                        <p:strVal val="visible"/>
+                                      </p:to>
+                                    </p:set>
+                                    <p:anim calcmode="lin" valueType="num">
+                                      <p:cBhvr>
+                                        <p:cTn id="60" dur="500" fill="hold"/>
+                                        <p:tgtEl>
+                                          <p:spTgt spid="4">
+                                            <p:txEl>
+                                              <p:pRg st="0" end="0"/>
+                                            </p:txEl>
+                                          </p:spTgt>
+                                        </p:tgtEl>
+                                        <p:attrNameLst>
+                                          <p:attrName>ppt_w</p:attrName>
+                                        </p:attrNameLst>
+                                      </p:cBhvr>
+                                      <p:tavLst>
+                                        <p:tav tm="0">
+                                          <p:val>
+                                            <p:fltVal val="0"/>
+                                          </p:val>
+                                        </p:tav>
+                                        <p:tav tm="100000">
+                                          <p:val>
+                                            <p:strVal val="#ppt_w"/>
+                                          </p:val>
+                                        </p:tav>
+                                      </p:tavLst>
+                                    </p:anim>
+                                    <p:anim calcmode="lin" valueType="num">
+                                      <p:cBhvr>
+                                        <p:cTn id="61" dur="500" fill="hold"/>
+                                        <p:tgtEl>
+                                          <p:spTgt spid="4">
+                                            <p:txEl>
+                                              <p:pRg st="0" end="0"/>
+                                            </p:txEl>
+                                          </p:spTgt>
+                                        </p:tgtEl>
+                                        <p:attrNameLst>
+                                          <p:attrName>ppt_h</p:attrName>
+                                        </p:attrNameLst>
+                                      </p:cBhvr>
+                                      <p:tavLst>
+                                        <p:tav tm="0">
+                                          <p:val>
+                                            <p:fltVal val="0"/>
+                                          </p:val>
+                                        </p:tav>
+                                        <p:tav tm="100000">
+                                          <p:val>
+                                            <p:strVal val="#ppt_h"/>
+                                          </p:val>
+                                        </p:tav>
+                                      </p:tavLst>
+                                    </p:anim>
+                                    <p:animEffect transition="in" filter="fade">
+                                      <p:cBhvr>
+                                        <p:cTn id="62" dur="500"/>
+                                        <p:tgtEl>
+                                          <p:spTgt spid="4">
+                                            <p:txEl>
+                                              <p:pRg st="0" end="0"/>
+                                            </p:txEl>
+                                          </p:spTgt>
+                                        </p:tgtEl>
+                                      </p:cBhvr>
+                                    </p:animEffect>
+                                  </p:childTnLst>
+                                </p:cTn>
+                              </p:par>
+                              <p:par>
+                                <p:cTn id="63" presetID="53" presetClass="entr" presetSubtype="16" fill="hold" nodeType="withEffect">
+                                  <p:stCondLst>
+                                    <p:cond delay="0"/>
+                                  </p:stCondLst>
+                                  <p:childTnLst>
+                                    <p:set>
+                                      <p:cBhvr>
+                                        <p:cTn id="64" dur="1" fill="hold">
+                                          <p:stCondLst>
+                                            <p:cond delay="0"/>
+                                          </p:stCondLst>
+                                        </p:cTn>
+                                        <p:tgtEl>
+                                          <p:spTgt spid="4">
+                                            <p:txEl>
+                                              <p:pRg st="1" end="1"/>
+                                            </p:txEl>
+                                          </p:spTgt>
+                                        </p:tgtEl>
+                                        <p:attrNameLst>
+                                          <p:attrName>style.visibility</p:attrName>
+                                        </p:attrNameLst>
+                                      </p:cBhvr>
+                                      <p:to>
+                                        <p:strVal val="visible"/>
+                                      </p:to>
+                                    </p:set>
+                                    <p:anim calcmode="lin" valueType="num">
+                                      <p:cBhvr>
+                                        <p:cTn id="65" dur="500" fill="hold"/>
+                                        <p:tgtEl>
+                                          <p:spTgt spid="4">
+                                            <p:txEl>
+                                              <p:pRg st="1" end="1"/>
+                                            </p:txEl>
+                                          </p:spTgt>
+                                        </p:tgtEl>
+                                        <p:attrNameLst>
+                                          <p:attrName>ppt_w</p:attrName>
+                                        </p:attrNameLst>
+                                      </p:cBhvr>
+                                      <p:tavLst>
+                                        <p:tav tm="0">
+                                          <p:val>
+                                            <p:fltVal val="0"/>
+                                          </p:val>
+                                        </p:tav>
+                                        <p:tav tm="100000">
+                                          <p:val>
+                                            <p:strVal val="#ppt_w"/>
+                                          </p:val>
+                                        </p:tav>
+                                      </p:tavLst>
+                                    </p:anim>
+                                    <p:anim calcmode="lin" valueType="num">
+                                      <p:cBhvr>
+                                        <p:cTn id="66" dur="500" fill="hold"/>
+                                        <p:tgtEl>
+                                          <p:spTgt spid="4">
+                                            <p:txEl>
+                                              <p:pRg st="1" end="1"/>
+                                            </p:txEl>
+                                          </p:spTgt>
+                                        </p:tgtEl>
+                                        <p:attrNameLst>
+                                          <p:attrName>ppt_h</p:attrName>
+                                        </p:attrNameLst>
+                                      </p:cBhvr>
+                                      <p:tavLst>
+                                        <p:tav tm="0">
+                                          <p:val>
+                                            <p:fltVal val="0"/>
+                                          </p:val>
+                                        </p:tav>
+                                        <p:tav tm="100000">
+                                          <p:val>
+                                            <p:strVal val="#ppt_h"/>
+                                          </p:val>
+                                        </p:tav>
+                                      </p:tavLst>
+                                    </p:anim>
+                                    <p:animEffect transition="in" filter="fade">
+                                      <p:cBhvr>
+                                        <p:cTn id="67" dur="500"/>
+                                        <p:tgtEl>
+                                          <p:spTgt spid="4">
+                                            <p:txEl>
+                                              <p:pRg st="1" end="1"/>
+                                            </p:txEl>
+                                          </p:spTgt>
+                                        </p:tgtEl>
+                                      </p:cBhvr>
+                                    </p:animEffect>
+                                  </p:childTnLst>
+                                </p:cTn>
+                              </p:par>
+                            </p:childTnLst>
+                          </p:cTn>
+                        </p:par>
+                      </p:childTnLst>
+                    </p:cTn>
+                  </p:par>
+                </p:childTnLst>
+              </p:cTn>
+              <p:nextCondLst>
+                <p:cond evt="onClick" delay="0">
+                  <p:tgtEl>
+                    <p:spTgt spid="18"/>
+                  </p:tgtEl>
+                </p:cond>
+              </p:nextCondLst>
+            </p:seq>
           </p:childTnLst>
         </p:cTn>
       </p:par>
@@ -7806,7 +5969,7 @@
         <p:spPr>
           <a:xfrm>
             <a:off x="1062788" y="1103465"/>
-            <a:ext cx="2448272" cy="369332"/>
+            <a:ext cx="2448272" cy="461665"/>
           </a:xfrm>
           <a:prstGeom prst="rect">
             <a:avLst/>
@@ -7834,6 +5997,54 @@
           <a:lstStyle/>
           <a:p>
             <a:pPr algn="ctr"/>
+            <a:r>
+              <a:rPr lang="fr-FR" sz="2400" b="1" dirty="0" smtClean="0">
+                <a:ln w="11430"/>
+                <a:gradFill>
+                  <a:gsLst>
+                    <a:gs pos="0">
+                      <a:schemeClr val="accent6">
+                        <a:tint val="90000"/>
+                        <a:satMod val="120000"/>
+                      </a:schemeClr>
+                    </a:gs>
+                    <a:gs pos="25000">
+                      <a:schemeClr val="accent6">
+                        <a:tint val="93000"/>
+                        <a:satMod val="120000"/>
+                      </a:schemeClr>
+                    </a:gs>
+                    <a:gs pos="50000">
+                      <a:schemeClr val="accent6">
+                        <a:shade val="89000"/>
+                        <a:satMod val="110000"/>
+                      </a:schemeClr>
+                    </a:gs>
+                    <a:gs pos="75000">
+                      <a:schemeClr val="accent6">
+                        <a:tint val="93000"/>
+                        <a:satMod val="120000"/>
+                      </a:schemeClr>
+                    </a:gs>
+                    <a:gs pos="100000">
+                      <a:schemeClr val="accent6">
+                        <a:tint val="90000"/>
+                        <a:satMod val="120000"/>
+                      </a:schemeClr>
+                    </a:gs>
+                  </a:gsLst>
+                  <a:lin ang="5400000"/>
+                </a:gradFill>
+                <a:effectLst>
+                  <a:outerShdw blurRad="80000" dist="40000" dir="5040000" algn="tl">
+                    <a:srgbClr val="000000">
+                      <a:alpha val="30000"/>
+                    </a:srgbClr>
+                  </a:outerShdw>
+                </a:effectLst>
+              </a:rPr>
+              <a:t>Pong</a:t>
+            </a:r>
             <a:r>
               <a:rPr lang="fr-FR" b="1" dirty="0" smtClean="0">
                 <a:ln w="11430"/>
@@ -7880,7 +6091,7 @@
                   </a:outerShdw>
                 </a:effectLst>
               </a:rPr>
-              <a:t>Pong 1972</a:t>
+              <a:t> 1972</a:t>
             </a:r>
             <a:endParaRPr lang="fr-FR" b="1" dirty="0">
               <a:ln w="11430"/>
@@ -7939,7 +6150,7 @@
         <p:spPr>
           <a:xfrm>
             <a:off x="4572000" y="2204864"/>
-            <a:ext cx="4572000" cy="646331"/>
+            <a:ext cx="4572000" cy="1200329"/>
           </a:xfrm>
           <a:prstGeom prst="rect">
             <a:avLst/>
@@ -7952,7 +6163,7 @@
           <a:lstStyle/>
           <a:p>
             <a:r>
-              <a:rPr lang="fr-FR" b="1" dirty="0">
+              <a:rPr lang="fr-FR" sz="2400" b="1" dirty="0">
                 <a:ln w="18000">
                   <a:solidFill>
                     <a:schemeClr val="accent2">
@@ -7974,7 +6185,7 @@
               <a:t> </a:t>
             </a:r>
             <a:r>
-              <a:rPr lang="fr-FR" b="1" dirty="0" smtClean="0">
+              <a:rPr lang="fr-FR" sz="2400" b="1" dirty="0" smtClean="0">
                 <a:ln w="18000">
                   <a:solidFill>
                     <a:schemeClr val="accent2">
@@ -7996,7 +6207,7 @@
               <a:t>Le </a:t>
             </a:r>
             <a:r>
-              <a:rPr lang="fr-FR" b="1" dirty="0">
+              <a:rPr lang="fr-FR" sz="2400" b="1" dirty="0">
                 <a:ln w="18000">
                   <a:solidFill>
                     <a:schemeClr val="accent2">
@@ -8018,7 +6229,7 @@
               <a:t>tout premier jeu vidéo à rencontrer un véritable succès </a:t>
             </a:r>
             <a:r>
-              <a:rPr lang="fr-FR" b="1" dirty="0" smtClean="0">
+              <a:rPr lang="fr-FR" sz="2400" b="1" dirty="0" smtClean="0">
                 <a:ln w="18000">
                   <a:solidFill>
                     <a:schemeClr val="accent2">
@@ -8039,7 +6250,7 @@
               </a:rPr>
               <a:t>commercial.</a:t>
             </a:r>
-            <a:endParaRPr lang="fr-FR" b="1" dirty="0">
+            <a:endParaRPr lang="fr-FR" sz="2400" b="1" dirty="0">
               <a:ln w="18000">
                 <a:solidFill>
                   <a:schemeClr val="accent2">
@@ -8069,8 +6280,8 @@
         </p:nvSpPr>
         <p:spPr>
           <a:xfrm>
-            <a:off x="2123728" y="6021288"/>
-            <a:ext cx="5293067" cy="369332"/>
+            <a:off x="1040405" y="5445224"/>
+            <a:ext cx="5293067" cy="461665"/>
           </a:xfrm>
           <a:prstGeom prst="rect">
             <a:avLst/>
@@ -8084,7 +6295,7 @@
           <a:lstStyle/>
           <a:p>
             <a:r>
-              <a:rPr lang="fr-FR" b="1" dirty="0" smtClean="0">
+              <a:rPr lang="fr-FR" sz="2400" b="1" dirty="0" smtClean="0">
                 <a:ln w="18000">
                   <a:solidFill>
                     <a:schemeClr val="accent2">
@@ -8103,9 +6314,9 @@
                   </a:outerShdw>
                 </a:effectLst>
               </a:rPr>
-              <a:t>Pong est développé en Binaire en utilisant le TTL.</a:t>
-            </a:r>
-            <a:endParaRPr lang="fr-FR" b="1" dirty="0">
+              <a:t>Binaire ,TTL</a:t>
+            </a:r>
+            <a:endParaRPr lang="fr-FR" sz="2400" b="1" dirty="0">
               <a:ln w="18000">
                 <a:solidFill>
                   <a:schemeClr val="accent2">
@@ -8140,7 +6351,94 @@
   <p:timing>
     <p:tnLst>
       <p:par>
-        <p:cTn id="1" dur="indefinite" restart="never" nodeType="tmRoot"/>
+        <p:cTn id="1" dur="indefinite" restart="never" nodeType="tmRoot">
+          <p:childTnLst>
+            <p:seq concurrent="1" nextAc="seek">
+              <p:cTn id="2" restart="whenNotActive" fill="hold" evtFilter="cancelBubble" nodeType="interactiveSeq">
+                <p:stCondLst>
+                  <p:cond evt="onClick" delay="0">
+                    <p:tgtEl>
+                      <p:spTgt spid="5"/>
+                    </p:tgtEl>
+                  </p:cond>
+                </p:stCondLst>
+                <p:endSync evt="end" delay="0">
+                  <p:rtn val="all"/>
+                </p:endSync>
+                <p:childTnLst>
+                  <p:par>
+                    <p:cTn id="3" fill="hold">
+                      <p:stCondLst>
+                        <p:cond delay="0"/>
+                      </p:stCondLst>
+                      <p:childTnLst>
+                        <p:par>
+                          <p:cTn id="4" fill="hold">
+                            <p:stCondLst>
+                              <p:cond delay="0"/>
+                            </p:stCondLst>
+                            <p:childTnLst>
+                              <p:par>
+                                <p:cTn id="5" presetID="14" presetClass="entr" presetSubtype="10" fill="hold" nodeType="clickEffect">
+                                  <p:stCondLst>
+                                    <p:cond delay="0"/>
+                                  </p:stCondLst>
+                                  <p:childTnLst>
+                                    <p:set>
+                                      <p:cBhvr>
+                                        <p:cTn id="6" dur="1" fill="hold">
+                                          <p:stCondLst>
+                                            <p:cond delay="0"/>
+                                          </p:stCondLst>
+                                        </p:cTn>
+                                        <p:tgtEl>
+                                          <p:spTgt spid="6">
+                                            <p:txEl>
+                                              <p:pRg st="0" end="0"/>
+                                            </p:txEl>
+                                          </p:spTgt>
+                                        </p:tgtEl>
+                                        <p:attrNameLst>
+                                          <p:attrName>style.visibility</p:attrName>
+                                        </p:attrNameLst>
+                                      </p:cBhvr>
+                                      <p:to>
+                                        <p:strVal val="visible"/>
+                                      </p:to>
+                                    </p:set>
+                                    <p:animEffect transition="in" filter="randombar(horizontal)">
+                                      <p:cBhvr>
+                                        <p:cTn id="7" dur="500"/>
+                                        <p:tgtEl>
+                                          <p:spTgt spid="6">
+                                            <p:txEl>
+                                              <p:pRg st="0" end="0"/>
+                                            </p:txEl>
+                                          </p:spTgt>
+                                        </p:tgtEl>
+                                      </p:cBhvr>
+                                    </p:animEffect>
+                                  </p:childTnLst>
+                                </p:cTn>
+                              </p:par>
+                            </p:childTnLst>
+                          </p:cTn>
+                        </p:par>
+                      </p:childTnLst>
+                    </p:cTn>
+                  </p:par>
+                </p:childTnLst>
+              </p:cTn>
+              <p:nextCondLst>
+                <p:cond evt="onClick" delay="0">
+                  <p:tgtEl>
+                    <p:spTgt spid="5"/>
+                  </p:tgtEl>
+                </p:cond>
+              </p:nextCondLst>
+            </p:seq>
+          </p:childTnLst>
+        </p:cTn>
       </p:par>
     </p:tnLst>
   </p:timing>
@@ -8186,8 +6484,8 @@
         </p:nvSpPr>
         <p:spPr>
           <a:xfrm>
-            <a:off x="1115616" y="1628800"/>
-            <a:ext cx="8604448" cy="923330"/>
+            <a:off x="656740" y="1628798"/>
+            <a:ext cx="8022605" cy="1015663"/>
           </a:xfrm>
           <a:prstGeom prst="rect">
             <a:avLst/>
@@ -8201,7 +6499,7 @@
           <a:lstStyle/>
           <a:p>
             <a:r>
-              <a:rPr lang="fr-FR" sz="5400" b="1" dirty="0" smtClean="0">
+              <a:rPr lang="fr-FR" sz="6000" b="1" dirty="0" smtClean="0">
                 <a:ln w="31550" cmpd="sng">
                   <a:gradFill>
                     <a:gsLst>
@@ -8236,7 +6534,7 @@
               <a:t>Concevoir un </a:t>
             </a:r>
             <a:r>
-              <a:rPr lang="fr-FR" sz="5400" b="1" dirty="0">
+              <a:rPr lang="fr-FR" sz="6000" b="1" dirty="0">
                 <a:ln w="31550" cmpd="sng">
                   <a:gradFill>
                     <a:gsLst>
@@ -8271,7 +6569,7 @@
               <a:t>jeu </a:t>
             </a:r>
             <a:r>
-              <a:rPr lang="fr-FR" sz="5400" b="1" dirty="0" smtClean="0">
+              <a:rPr lang="fr-FR" sz="6000" b="1" dirty="0" smtClean="0">
                 <a:ln w="31550" cmpd="sng">
                   <a:gradFill>
                     <a:gsLst>
@@ -8305,7 +6603,7 @@
               </a:rPr>
               <a:t>vidéo ?</a:t>
             </a:r>
-            <a:endParaRPr lang="fr-FR" sz="5400" b="1" dirty="0">
+            <a:endParaRPr lang="fr-FR" sz="6000" b="1" dirty="0">
               <a:ln w="31550" cmpd="sng">
                 <a:gradFill>
                   <a:gsLst>
@@ -8340,28 +6638,959 @@
           </a:p>
         </p:txBody>
       </p:sp>
-      <p:graphicFrame>
-        <p:nvGraphicFramePr>
-          <p:cNvPr id="4" name="Diagramme 3"/>
-          <p:cNvGraphicFramePr/>
-          <p:nvPr>
-            <p:extLst>
-              <p:ext uri="{D42A27DB-BD31-4B8C-83A1-F6EECF244321}">
-                <p14:modId xmlns:p14="http://schemas.microsoft.com/office/powerpoint/2010/main" val="3078110273"/>
-              </p:ext>
-            </p:extLst>
-          </p:nvPr>
-        </p:nvGraphicFramePr>
-        <p:xfrm>
-          <a:off x="5508104" y="4725144"/>
-          <a:ext cx="3528392" cy="830997"/>
-        </p:xfrm>
-        <a:graphic>
-          <a:graphicData uri="http://schemas.openxmlformats.org/drawingml/2006/diagram">
-            <dgm:relIds xmlns:dgm="http://schemas.openxmlformats.org/drawingml/2006/diagram" xmlns:r="http://schemas.openxmlformats.org/officeDocument/2006/relationships" r:dm="rId3" r:lo="rId4" r:qs="rId5" r:cs="rId6"/>
-          </a:graphicData>
-        </a:graphic>
-      </p:graphicFrame>
+      <p:sp>
+        <p:nvSpPr>
+          <p:cNvPr id="5" name="Rectangle 4"/>
+          <p:cNvSpPr/>
+          <p:nvPr/>
+        </p:nvSpPr>
+        <p:spPr>
+          <a:xfrm>
+            <a:off x="1043608" y="3412224"/>
+            <a:ext cx="72008" cy="72008"/>
+          </a:xfrm>
+          <a:prstGeom prst="rect">
+            <a:avLst/>
+          </a:prstGeom>
+          <a:solidFill>
+            <a:srgbClr val="4F81BD">
+              <a:alpha val="0"/>
+            </a:srgbClr>
+          </a:solidFill>
+          <a:ln>
+            <a:solidFill>
+              <a:srgbClr val="FFFF00"/>
+            </a:solidFill>
+          </a:ln>
+        </p:spPr>
+        <p:style>
+          <a:lnRef idx="2">
+            <a:schemeClr val="accent1">
+              <a:shade val="50000"/>
+            </a:schemeClr>
+          </a:lnRef>
+          <a:fillRef idx="1">
+            <a:schemeClr val="accent1"/>
+          </a:fillRef>
+          <a:effectRef idx="0">
+            <a:schemeClr val="accent1"/>
+          </a:effectRef>
+          <a:fontRef idx="minor">
+            <a:schemeClr val="lt1"/>
+          </a:fontRef>
+        </p:style>
+        <p:txBody>
+          <a:bodyPr rtlCol="0" anchor="ctr"/>
+          <a:lstStyle/>
+          <a:p>
+            <a:pPr algn="ctr"/>
+            <a:endParaRPr lang="fr-FR" dirty="0">
+              <a:solidFill>
+                <a:srgbClr val="FF0000"/>
+              </a:solidFill>
+            </a:endParaRPr>
+          </a:p>
+        </p:txBody>
+      </p:sp>
+      <p:sp>
+        <p:nvSpPr>
+          <p:cNvPr id="3" name="ZoneTexte 2"/>
+          <p:cNvSpPr txBox="1"/>
+          <p:nvPr/>
+        </p:nvSpPr>
+        <p:spPr>
+          <a:xfrm>
+            <a:off x="1187237" y="3217395"/>
+            <a:ext cx="1152128" cy="461665"/>
+          </a:xfrm>
+          <a:prstGeom prst="rect">
+            <a:avLst/>
+          </a:prstGeom>
+          <a:noFill/>
+        </p:spPr>
+        <p:txBody>
+          <a:bodyPr wrap="square" rtlCol="0">
+            <a:spAutoFit/>
+          </a:bodyPr>
+          <a:lstStyle/>
+          <a:p>
+            <a:r>
+              <a:rPr lang="fr-FR" sz="2400" b="1" spc="50" dirty="0" smtClean="0">
+                <a:ln w="12700" cmpd="sng">
+                  <a:solidFill>
+                    <a:schemeClr val="accent6">
+                      <a:satMod val="120000"/>
+                      <a:shade val="80000"/>
+                    </a:schemeClr>
+                  </a:solidFill>
+                  <a:prstDash val="solid"/>
+                </a:ln>
+                <a:solidFill>
+                  <a:schemeClr val="accent6">
+                    <a:tint val="1000"/>
+                  </a:schemeClr>
+                </a:solidFill>
+                <a:effectLst>
+                  <a:glow rad="53100">
+                    <a:schemeClr val="accent6">
+                      <a:satMod val="180000"/>
+                      <a:alpha val="30000"/>
+                    </a:schemeClr>
+                  </a:glow>
+                  <a:outerShdw blurRad="38100" dist="38100" dir="2700000" algn="tl">
+                    <a:srgbClr val="000000">
+                      <a:alpha val="43137"/>
+                    </a:srgbClr>
+                  </a:outerShdw>
+                </a:effectLst>
+              </a:rPr>
+              <a:t>Budget</a:t>
+            </a:r>
+            <a:endParaRPr lang="fr-FR" sz="2400" b="1" spc="50" dirty="0">
+              <a:ln w="12700" cmpd="sng">
+                <a:solidFill>
+                  <a:schemeClr val="accent6">
+                    <a:satMod val="120000"/>
+                    <a:shade val="80000"/>
+                  </a:schemeClr>
+                </a:solidFill>
+                <a:prstDash val="solid"/>
+              </a:ln>
+              <a:solidFill>
+                <a:schemeClr val="accent6">
+                  <a:tint val="1000"/>
+                </a:schemeClr>
+              </a:solidFill>
+              <a:effectLst>
+                <a:glow rad="53100">
+                  <a:schemeClr val="accent6">
+                    <a:satMod val="180000"/>
+                    <a:alpha val="30000"/>
+                  </a:schemeClr>
+                </a:glow>
+                <a:outerShdw blurRad="38100" dist="38100" dir="2700000" algn="tl">
+                  <a:srgbClr val="000000">
+                    <a:alpha val="43137"/>
+                  </a:srgbClr>
+                </a:outerShdw>
+              </a:effectLst>
+            </a:endParaRPr>
+          </a:p>
+        </p:txBody>
+      </p:sp>
+      <p:pic>
+        <p:nvPicPr>
+          <p:cNvPr id="1026" name="Picture 2">
+            <a:hlinkClick r:id="rId3" action="ppaction://hlinksldjump"/>
+          </p:cNvPr>
+          <p:cNvPicPr>
+            <a:picLocks noChangeAspect="1" noChangeArrowheads="1"/>
+          </p:cNvPicPr>
+          <p:nvPr/>
+        </p:nvPicPr>
+        <p:blipFill>
+          <a:blip r:embed="rId4">
+            <a:extLst>
+              <a:ext uri="{28A0092B-C50C-407E-A947-70E740481C1C}">
+                <a14:useLocalDpi xmlns:a14="http://schemas.microsoft.com/office/drawing/2010/main" val="0"/>
+              </a:ext>
+            </a:extLst>
+          </a:blip>
+          <a:srcRect/>
+          <a:stretch>
+            <a:fillRect/>
+          </a:stretch>
+        </p:blipFill>
+        <p:spPr bwMode="auto">
+          <a:xfrm>
+            <a:off x="2339365" y="3412224"/>
+            <a:ext cx="96837" cy="96837"/>
+          </a:xfrm>
+          <a:prstGeom prst="rect">
+            <a:avLst/>
+          </a:prstGeom>
+          <a:noFill/>
+          <a:ln>
+            <a:noFill/>
+          </a:ln>
+          <a:effectLst/>
+          <a:extLst>
+            <a:ext uri="{909E8E84-426E-40DD-AFC4-6F175D3DCCD1}">
+              <a14:hiddenFill xmlns:a14="http://schemas.microsoft.com/office/drawing/2010/main">
+                <a:solidFill>
+                  <a:schemeClr val="accent1"/>
+                </a:solidFill>
+              </a14:hiddenFill>
+            </a:ext>
+            <a:ext uri="{91240B29-F687-4F45-9708-019B960494DF}">
+              <a14:hiddenLine xmlns:a14="http://schemas.microsoft.com/office/drawing/2010/main" w="9525">
+                <a:solidFill>
+                  <a:schemeClr val="tx1"/>
+                </a:solidFill>
+                <a:miter lim="800000"/>
+                <a:headEnd/>
+                <a:tailEnd/>
+              </a14:hiddenLine>
+            </a:ext>
+            <a:ext uri="{AF507438-7753-43E0-B8FC-AC1667EBCBE1}">
+              <a14:hiddenEffects xmlns:a14="http://schemas.microsoft.com/office/drawing/2010/main">
+                <a:effectLst>
+                  <a:outerShdw dist="35921" dir="2700000" algn="ctr" rotWithShape="0">
+                    <a:schemeClr val="bg2"/>
+                  </a:outerShdw>
+                </a:effectLst>
+              </a14:hiddenEffects>
+            </a:ext>
+          </a:extLst>
+        </p:spPr>
+      </p:pic>
+      <p:pic>
+        <p:nvPicPr>
+          <p:cNvPr id="1027" name="Picture 3"/>
+          <p:cNvPicPr>
+            <a:picLocks noChangeAspect="1" noChangeArrowheads="1"/>
+          </p:cNvPicPr>
+          <p:nvPr/>
+        </p:nvPicPr>
+        <p:blipFill>
+          <a:blip r:embed="rId4">
+            <a:extLst>
+              <a:ext uri="{28A0092B-C50C-407E-A947-70E740481C1C}">
+                <a14:useLocalDpi xmlns:a14="http://schemas.microsoft.com/office/drawing/2010/main" val="0"/>
+              </a:ext>
+            </a:extLst>
+          </a:blip>
+          <a:srcRect/>
+          <a:stretch>
+            <a:fillRect/>
+          </a:stretch>
+        </p:blipFill>
+        <p:spPr bwMode="auto">
+          <a:xfrm>
+            <a:off x="4619625" y="3412627"/>
+            <a:ext cx="96837" cy="96837"/>
+          </a:xfrm>
+          <a:prstGeom prst="rect">
+            <a:avLst/>
+          </a:prstGeom>
+          <a:noFill/>
+          <a:ln>
+            <a:noFill/>
+          </a:ln>
+          <a:effectLst/>
+          <a:extLst>
+            <a:ext uri="{909E8E84-426E-40DD-AFC4-6F175D3DCCD1}">
+              <a14:hiddenFill xmlns:a14="http://schemas.microsoft.com/office/drawing/2010/main">
+                <a:solidFill>
+                  <a:schemeClr val="accent1"/>
+                </a:solidFill>
+              </a14:hiddenFill>
+            </a:ext>
+            <a:ext uri="{91240B29-F687-4F45-9708-019B960494DF}">
+              <a14:hiddenLine xmlns:a14="http://schemas.microsoft.com/office/drawing/2010/main" w="9525">
+                <a:solidFill>
+                  <a:schemeClr val="tx1"/>
+                </a:solidFill>
+                <a:miter lim="800000"/>
+                <a:headEnd/>
+                <a:tailEnd/>
+              </a14:hiddenLine>
+            </a:ext>
+            <a:ext uri="{AF507438-7753-43E0-B8FC-AC1667EBCBE1}">
+              <a14:hiddenEffects xmlns:a14="http://schemas.microsoft.com/office/drawing/2010/main">
+                <a:effectLst>
+                  <a:outerShdw dist="35921" dir="2700000" algn="ctr" rotWithShape="0">
+                    <a:schemeClr val="bg2"/>
+                  </a:outerShdw>
+                </a:effectLst>
+              </a14:hiddenEffects>
+            </a:ext>
+          </a:extLst>
+        </p:spPr>
+      </p:pic>
+      <p:sp>
+        <p:nvSpPr>
+          <p:cNvPr id="8" name="Rectangle 7"/>
+          <p:cNvSpPr/>
+          <p:nvPr/>
+        </p:nvSpPr>
+        <p:spPr>
+          <a:xfrm>
+            <a:off x="4738166" y="3217394"/>
+            <a:ext cx="2608406" cy="461665"/>
+          </a:xfrm>
+          <a:prstGeom prst="rect">
+            <a:avLst/>
+          </a:prstGeom>
+        </p:spPr>
+        <p:txBody>
+          <a:bodyPr wrap="none">
+            <a:spAutoFit/>
+          </a:bodyPr>
+          <a:lstStyle/>
+          <a:p>
+            <a:pPr lvl="0"/>
+            <a:r>
+              <a:rPr lang="fr-FR" sz="2400" b="1" spc="50" dirty="0" smtClean="0">
+                <a:ln w="12700" cmpd="sng">
+                  <a:solidFill>
+                    <a:srgbClr val="F79646">
+                      <a:satMod val="120000"/>
+                      <a:shade val="80000"/>
+                    </a:srgbClr>
+                  </a:solidFill>
+                  <a:prstDash val="solid"/>
+                </a:ln>
+                <a:solidFill>
+                  <a:srgbClr val="F79646">
+                    <a:tint val="1000"/>
+                  </a:srgbClr>
+                </a:solidFill>
+                <a:effectLst>
+                  <a:glow rad="53100">
+                    <a:srgbClr val="F79646">
+                      <a:satMod val="180000"/>
+                      <a:alpha val="30000"/>
+                    </a:srgbClr>
+                  </a:glow>
+                  <a:outerShdw blurRad="38100" dist="38100" dir="2700000" algn="tl">
+                    <a:srgbClr val="000000">
+                      <a:alpha val="43137"/>
+                    </a:srgbClr>
+                  </a:outerShdw>
+                </a:effectLst>
+              </a:rPr>
+              <a:t>Différents métiers</a:t>
+            </a:r>
+            <a:endParaRPr lang="fr-FR" sz="2400" b="1" spc="50" dirty="0">
+              <a:ln w="12700" cmpd="sng">
+                <a:solidFill>
+                  <a:srgbClr val="F79646">
+                    <a:satMod val="120000"/>
+                    <a:shade val="80000"/>
+                  </a:srgbClr>
+                </a:solidFill>
+                <a:prstDash val="solid"/>
+              </a:ln>
+              <a:solidFill>
+                <a:srgbClr val="F79646">
+                  <a:tint val="1000"/>
+                </a:srgbClr>
+              </a:solidFill>
+              <a:effectLst>
+                <a:glow rad="53100">
+                  <a:srgbClr val="F79646">
+                    <a:satMod val="180000"/>
+                    <a:alpha val="30000"/>
+                  </a:srgbClr>
+                </a:glow>
+                <a:outerShdw blurRad="38100" dist="38100" dir="2700000" algn="tl">
+                  <a:srgbClr val="000000">
+                    <a:alpha val="43137"/>
+                  </a:srgbClr>
+                </a:outerShdw>
+              </a:effectLst>
+            </a:endParaRPr>
+          </a:p>
+        </p:txBody>
+      </p:sp>
+      <p:pic>
+        <p:nvPicPr>
+          <p:cNvPr id="11" name="Picture 3">
+            <a:hlinkClick r:id="rId5" action="ppaction://hlinksldjump"/>
+          </p:cNvPr>
+          <p:cNvPicPr>
+            <a:picLocks noChangeAspect="1" noChangeArrowheads="1"/>
+          </p:cNvPicPr>
+          <p:nvPr/>
+        </p:nvPicPr>
+        <p:blipFill>
+          <a:blip r:embed="rId4">
+            <a:extLst>
+              <a:ext uri="{28A0092B-C50C-407E-A947-70E740481C1C}">
+                <a14:useLocalDpi xmlns:a14="http://schemas.microsoft.com/office/drawing/2010/main" val="0"/>
+              </a:ext>
+            </a:extLst>
+          </a:blip>
+          <a:srcRect/>
+          <a:stretch>
+            <a:fillRect/>
+          </a:stretch>
+        </p:blipFill>
+        <p:spPr bwMode="auto">
+          <a:xfrm>
+            <a:off x="7355733" y="3435813"/>
+            <a:ext cx="96837" cy="96837"/>
+          </a:xfrm>
+          <a:prstGeom prst="rect">
+            <a:avLst/>
+          </a:prstGeom>
+          <a:noFill/>
+          <a:ln>
+            <a:noFill/>
+          </a:ln>
+          <a:effectLst/>
+          <a:extLst>
+            <a:ext uri="{909E8E84-426E-40DD-AFC4-6F175D3DCCD1}">
+              <a14:hiddenFill xmlns:a14="http://schemas.microsoft.com/office/drawing/2010/main">
+                <a:solidFill>
+                  <a:schemeClr val="accent1"/>
+                </a:solidFill>
+              </a14:hiddenFill>
+            </a:ext>
+            <a:ext uri="{91240B29-F687-4F45-9708-019B960494DF}">
+              <a14:hiddenLine xmlns:a14="http://schemas.microsoft.com/office/drawing/2010/main" w="9525">
+                <a:solidFill>
+                  <a:schemeClr val="tx1"/>
+                </a:solidFill>
+                <a:miter lim="800000"/>
+                <a:headEnd/>
+                <a:tailEnd/>
+              </a14:hiddenLine>
+            </a:ext>
+            <a:ext uri="{AF507438-7753-43E0-B8FC-AC1667EBCBE1}">
+              <a14:hiddenEffects xmlns:a14="http://schemas.microsoft.com/office/drawing/2010/main">
+                <a:effectLst>
+                  <a:outerShdw dist="35921" dir="2700000" algn="ctr" rotWithShape="0">
+                    <a:schemeClr val="bg2"/>
+                  </a:outerShdw>
+                </a:effectLst>
+              </a14:hiddenEffects>
+            </a:ext>
+          </a:extLst>
+        </p:spPr>
+      </p:pic>
+      <p:sp>
+        <p:nvSpPr>
+          <p:cNvPr id="12" name="Rectangle 11"/>
+          <p:cNvSpPr/>
+          <p:nvPr/>
+        </p:nvSpPr>
+        <p:spPr>
+          <a:xfrm>
+            <a:off x="1115616" y="5467886"/>
+            <a:ext cx="72008" cy="72008"/>
+          </a:xfrm>
+          <a:prstGeom prst="rect">
+            <a:avLst/>
+          </a:prstGeom>
+          <a:solidFill>
+            <a:srgbClr val="4F81BD">
+              <a:alpha val="0"/>
+            </a:srgbClr>
+          </a:solidFill>
+          <a:ln>
+            <a:solidFill>
+              <a:srgbClr val="FFFF00"/>
+            </a:solidFill>
+          </a:ln>
+        </p:spPr>
+        <p:style>
+          <a:lnRef idx="2">
+            <a:schemeClr val="accent1">
+              <a:shade val="50000"/>
+            </a:schemeClr>
+          </a:lnRef>
+          <a:fillRef idx="1">
+            <a:schemeClr val="accent1"/>
+          </a:fillRef>
+          <a:effectRef idx="0">
+            <a:schemeClr val="accent1"/>
+          </a:effectRef>
+          <a:fontRef idx="minor">
+            <a:schemeClr val="lt1"/>
+          </a:fontRef>
+        </p:style>
+        <p:txBody>
+          <a:bodyPr rtlCol="0" anchor="ctr"/>
+          <a:lstStyle/>
+          <a:p>
+            <a:pPr algn="ctr"/>
+            <a:endParaRPr lang="fr-FR" dirty="0">
+              <a:solidFill>
+                <a:srgbClr val="FF0000"/>
+              </a:solidFill>
+            </a:endParaRPr>
+          </a:p>
+        </p:txBody>
+      </p:sp>
+      <p:sp>
+        <p:nvSpPr>
+          <p:cNvPr id="9" name="Rectangle 8"/>
+          <p:cNvSpPr/>
+          <p:nvPr/>
+        </p:nvSpPr>
+        <p:spPr>
+          <a:xfrm>
+            <a:off x="1246316" y="5237053"/>
+            <a:ext cx="2282933" cy="461665"/>
+          </a:xfrm>
+          <a:prstGeom prst="rect">
+            <a:avLst/>
+          </a:prstGeom>
+        </p:spPr>
+        <p:txBody>
+          <a:bodyPr wrap="none">
+            <a:spAutoFit/>
+          </a:bodyPr>
+          <a:lstStyle/>
+          <a:p>
+            <a:r>
+              <a:rPr lang="fr-FR" sz="2400" b="1" spc="50" dirty="0" smtClean="0">
+                <a:ln w="12700" cmpd="sng">
+                  <a:solidFill>
+                    <a:schemeClr val="accent6">
+                      <a:satMod val="120000"/>
+                      <a:shade val="80000"/>
+                    </a:schemeClr>
+                  </a:solidFill>
+                  <a:prstDash val="solid"/>
+                </a:ln>
+                <a:solidFill>
+                  <a:schemeClr val="accent6">
+                    <a:tint val="1000"/>
+                  </a:schemeClr>
+                </a:solidFill>
+                <a:effectLst>
+                  <a:glow rad="53100">
+                    <a:schemeClr val="accent6">
+                      <a:satMod val="180000"/>
+                      <a:alpha val="30000"/>
+                    </a:schemeClr>
+                  </a:glow>
+                  <a:outerShdw blurRad="38100" dist="38100" dir="2700000" algn="tl">
+                    <a:srgbClr val="000000">
+                      <a:alpha val="43137"/>
+                    </a:srgbClr>
+                  </a:outerShdw>
+                </a:effectLst>
+              </a:rPr>
+              <a:t>Un code adapté</a:t>
+            </a:r>
+            <a:endParaRPr lang="fr-FR" sz="2400" dirty="0"/>
+          </a:p>
+        </p:txBody>
+      </p:sp>
+      <p:pic>
+        <p:nvPicPr>
+          <p:cNvPr id="14" name="Picture 2">
+            <a:hlinkClick r:id="rId6" action="ppaction://hlinksldjump"/>
+          </p:cNvPr>
+          <p:cNvPicPr>
+            <a:picLocks noChangeAspect="1" noChangeArrowheads="1"/>
+          </p:cNvPicPr>
+          <p:nvPr/>
+        </p:nvPicPr>
+        <p:blipFill>
+          <a:blip r:embed="rId4">
+            <a:extLst>
+              <a:ext uri="{28A0092B-C50C-407E-A947-70E740481C1C}">
+                <a14:useLocalDpi xmlns:a14="http://schemas.microsoft.com/office/drawing/2010/main" val="0"/>
+              </a:ext>
+            </a:extLst>
+          </a:blip>
+          <a:srcRect/>
+          <a:stretch>
+            <a:fillRect/>
+          </a:stretch>
+        </p:blipFill>
+        <p:spPr bwMode="auto">
+          <a:xfrm>
+            <a:off x="3534774" y="5443057"/>
+            <a:ext cx="96837" cy="96837"/>
+          </a:xfrm>
+          <a:prstGeom prst="rect">
+            <a:avLst/>
+          </a:prstGeom>
+          <a:noFill/>
+          <a:ln>
+            <a:noFill/>
+          </a:ln>
+          <a:effectLst/>
+          <a:extLst>
+            <a:ext uri="{909E8E84-426E-40DD-AFC4-6F175D3DCCD1}">
+              <a14:hiddenFill xmlns:a14="http://schemas.microsoft.com/office/drawing/2010/main">
+                <a:solidFill>
+                  <a:schemeClr val="accent1"/>
+                </a:solidFill>
+              </a14:hiddenFill>
+            </a:ext>
+            <a:ext uri="{91240B29-F687-4F45-9708-019B960494DF}">
+              <a14:hiddenLine xmlns:a14="http://schemas.microsoft.com/office/drawing/2010/main" w="9525">
+                <a:solidFill>
+                  <a:schemeClr val="tx1"/>
+                </a:solidFill>
+                <a:miter lim="800000"/>
+                <a:headEnd/>
+                <a:tailEnd/>
+              </a14:hiddenLine>
+            </a:ext>
+            <a:ext uri="{AF507438-7753-43E0-B8FC-AC1667EBCBE1}">
+              <a14:hiddenEffects xmlns:a14="http://schemas.microsoft.com/office/drawing/2010/main">
+                <a:effectLst>
+                  <a:outerShdw dist="35921" dir="2700000" algn="ctr" rotWithShape="0">
+                    <a:schemeClr val="bg2"/>
+                  </a:outerShdw>
+                </a:effectLst>
+              </a14:hiddenEffects>
+            </a:ext>
+          </a:extLst>
+        </p:spPr>
+      </p:pic>
+      <p:sp>
+        <p:nvSpPr>
+          <p:cNvPr id="15" name="Rectangle 14"/>
+          <p:cNvSpPr/>
+          <p:nvPr/>
+        </p:nvSpPr>
+        <p:spPr>
+          <a:xfrm>
+            <a:off x="2351778" y="4509120"/>
+            <a:ext cx="72008" cy="72008"/>
+          </a:xfrm>
+          <a:prstGeom prst="rect">
+            <a:avLst/>
+          </a:prstGeom>
+          <a:solidFill>
+            <a:srgbClr val="4F81BD">
+              <a:alpha val="0"/>
+            </a:srgbClr>
+          </a:solidFill>
+          <a:ln>
+            <a:solidFill>
+              <a:srgbClr val="FFFF00"/>
+            </a:solidFill>
+          </a:ln>
+        </p:spPr>
+        <p:style>
+          <a:lnRef idx="2">
+            <a:schemeClr val="accent1">
+              <a:shade val="50000"/>
+            </a:schemeClr>
+          </a:lnRef>
+          <a:fillRef idx="1">
+            <a:schemeClr val="accent1"/>
+          </a:fillRef>
+          <a:effectRef idx="0">
+            <a:schemeClr val="accent1"/>
+          </a:effectRef>
+          <a:fontRef idx="minor">
+            <a:schemeClr val="lt1"/>
+          </a:fontRef>
+        </p:style>
+        <p:txBody>
+          <a:bodyPr rtlCol="0" anchor="ctr"/>
+          <a:lstStyle/>
+          <a:p>
+            <a:pPr algn="ctr"/>
+            <a:endParaRPr lang="fr-FR" dirty="0">
+              <a:solidFill>
+                <a:srgbClr val="FF0000"/>
+              </a:solidFill>
+            </a:endParaRPr>
+          </a:p>
+        </p:txBody>
+      </p:sp>
+      <p:sp>
+        <p:nvSpPr>
+          <p:cNvPr id="16" name="Rectangle 15">
+            <a:hlinkClick r:id="rId7" action="ppaction://hlinksldjump"/>
+          </p:cNvPr>
+          <p:cNvSpPr/>
+          <p:nvPr/>
+        </p:nvSpPr>
+        <p:spPr>
+          <a:xfrm>
+            <a:off x="6416825" y="4518248"/>
+            <a:ext cx="72008" cy="72008"/>
+          </a:xfrm>
+          <a:prstGeom prst="rect">
+            <a:avLst/>
+          </a:prstGeom>
+          <a:solidFill>
+            <a:srgbClr val="4F81BD">
+              <a:alpha val="0"/>
+            </a:srgbClr>
+          </a:solidFill>
+          <a:ln>
+            <a:solidFill>
+              <a:srgbClr val="FFFF00"/>
+            </a:solidFill>
+          </a:ln>
+        </p:spPr>
+        <p:style>
+          <a:lnRef idx="2">
+            <a:schemeClr val="accent1">
+              <a:shade val="50000"/>
+            </a:schemeClr>
+          </a:lnRef>
+          <a:fillRef idx="1">
+            <a:schemeClr val="accent1"/>
+          </a:fillRef>
+          <a:effectRef idx="0">
+            <a:schemeClr val="accent1"/>
+          </a:effectRef>
+          <a:fontRef idx="minor">
+            <a:schemeClr val="lt1"/>
+          </a:fontRef>
+        </p:style>
+        <p:txBody>
+          <a:bodyPr rtlCol="0" anchor="ctr"/>
+          <a:lstStyle/>
+          <a:p>
+            <a:pPr algn="ctr"/>
+            <a:endParaRPr lang="fr-FR" dirty="0">
+              <a:solidFill>
+                <a:srgbClr val="FF0000"/>
+              </a:solidFill>
+            </a:endParaRPr>
+          </a:p>
+        </p:txBody>
+      </p:sp>
+      <p:sp>
+        <p:nvSpPr>
+          <p:cNvPr id="10" name="Rectangle 9"/>
+          <p:cNvSpPr/>
+          <p:nvPr/>
+        </p:nvSpPr>
+        <p:spPr>
+          <a:xfrm>
+            <a:off x="2462277" y="4314291"/>
+            <a:ext cx="3959354" cy="461665"/>
+          </a:xfrm>
+          <a:prstGeom prst="rect">
+            <a:avLst/>
+          </a:prstGeom>
+        </p:spPr>
+        <p:txBody>
+          <a:bodyPr wrap="none">
+            <a:spAutoFit/>
+          </a:bodyPr>
+          <a:lstStyle/>
+          <a:p>
+            <a:r>
+              <a:rPr lang="fr-FR" sz="2400" b="1" spc="50" dirty="0" smtClean="0">
+                <a:ln w="12700" cmpd="sng">
+                  <a:solidFill>
+                    <a:schemeClr val="accent6">
+                      <a:satMod val="120000"/>
+                      <a:shade val="80000"/>
+                    </a:schemeClr>
+                  </a:solidFill>
+                  <a:prstDash val="solid"/>
+                </a:ln>
+                <a:solidFill>
+                  <a:schemeClr val="accent6">
+                    <a:tint val="1000"/>
+                  </a:schemeClr>
+                </a:solidFill>
+                <a:effectLst>
+                  <a:glow rad="53100">
+                    <a:schemeClr val="accent6">
+                      <a:satMod val="180000"/>
+                      <a:alpha val="30000"/>
+                    </a:schemeClr>
+                  </a:glow>
+                  <a:outerShdw blurRad="38100" dist="38100" dir="2700000" algn="tl">
+                    <a:srgbClr val="000000">
+                      <a:alpha val="43137"/>
+                    </a:srgbClr>
+                  </a:outerShdw>
+                </a:effectLst>
+              </a:rPr>
+              <a:t>Moteur graphique/physique</a:t>
+            </a:r>
+            <a:endParaRPr lang="fr-FR" sz="2400" dirty="0"/>
+          </a:p>
+        </p:txBody>
+      </p:sp>
+      <p:pic>
+        <p:nvPicPr>
+          <p:cNvPr id="18" name="Picture 2"/>
+          <p:cNvPicPr>
+            <a:picLocks noChangeAspect="1" noChangeArrowheads="1"/>
+          </p:cNvPicPr>
+          <p:nvPr/>
+        </p:nvPicPr>
+        <p:blipFill>
+          <a:blip r:embed="rId4">
+            <a:extLst>
+              <a:ext uri="{28A0092B-C50C-407E-A947-70E740481C1C}">
+                <a14:useLocalDpi xmlns:a14="http://schemas.microsoft.com/office/drawing/2010/main" val="0"/>
+              </a:ext>
+            </a:extLst>
+          </a:blip>
+          <a:srcRect/>
+          <a:stretch>
+            <a:fillRect/>
+          </a:stretch>
+        </p:blipFill>
+        <p:spPr bwMode="auto">
+          <a:xfrm>
+            <a:off x="4738165" y="5467886"/>
+            <a:ext cx="96837" cy="96837"/>
+          </a:xfrm>
+          <a:prstGeom prst="rect">
+            <a:avLst/>
+          </a:prstGeom>
+          <a:noFill/>
+          <a:ln>
+            <a:noFill/>
+          </a:ln>
+          <a:effectLst/>
+          <a:extLst>
+            <a:ext uri="{909E8E84-426E-40DD-AFC4-6F175D3DCCD1}">
+              <a14:hiddenFill xmlns:a14="http://schemas.microsoft.com/office/drawing/2010/main">
+                <a:solidFill>
+                  <a:schemeClr val="accent1"/>
+                </a:solidFill>
+              </a14:hiddenFill>
+            </a:ext>
+            <a:ext uri="{91240B29-F687-4F45-9708-019B960494DF}">
+              <a14:hiddenLine xmlns:a14="http://schemas.microsoft.com/office/drawing/2010/main" w="9525">
+                <a:solidFill>
+                  <a:schemeClr val="tx1"/>
+                </a:solidFill>
+                <a:miter lim="800000"/>
+                <a:headEnd/>
+                <a:tailEnd/>
+              </a14:hiddenLine>
+            </a:ext>
+            <a:ext uri="{AF507438-7753-43E0-B8FC-AC1667EBCBE1}">
+              <a14:hiddenEffects xmlns:a14="http://schemas.microsoft.com/office/drawing/2010/main">
+                <a:effectLst>
+                  <a:outerShdw dist="35921" dir="2700000" algn="ctr" rotWithShape="0">
+                    <a:schemeClr val="bg2"/>
+                  </a:outerShdw>
+                </a:effectLst>
+              </a14:hiddenEffects>
+            </a:ext>
+          </a:extLst>
+        </p:spPr>
+      </p:pic>
+      <p:sp>
+        <p:nvSpPr>
+          <p:cNvPr id="13" name="Rectangle 12"/>
+          <p:cNvSpPr/>
+          <p:nvPr/>
+        </p:nvSpPr>
+        <p:spPr>
+          <a:xfrm>
+            <a:off x="4894164" y="5258391"/>
+            <a:ext cx="1591782" cy="461665"/>
+          </a:xfrm>
+          <a:prstGeom prst="rect">
+            <a:avLst/>
+          </a:prstGeom>
+        </p:spPr>
+        <p:txBody>
+          <a:bodyPr wrap="none">
+            <a:spAutoFit/>
+          </a:bodyPr>
+          <a:lstStyle/>
+          <a:p>
+            <a:r>
+              <a:rPr lang="fr-FR" sz="2400" b="1" spc="50" dirty="0" smtClean="0">
+                <a:ln w="12700" cmpd="sng">
+                  <a:solidFill>
+                    <a:schemeClr val="accent6">
+                      <a:satMod val="120000"/>
+                      <a:shade val="80000"/>
+                    </a:schemeClr>
+                  </a:solidFill>
+                  <a:prstDash val="solid"/>
+                </a:ln>
+                <a:solidFill>
+                  <a:schemeClr val="accent6">
+                    <a:tint val="1000"/>
+                  </a:schemeClr>
+                </a:solidFill>
+                <a:effectLst>
+                  <a:glow rad="53100">
+                    <a:schemeClr val="accent6">
+                      <a:satMod val="180000"/>
+                      <a:alpha val="30000"/>
+                    </a:schemeClr>
+                  </a:glow>
+                  <a:outerShdw blurRad="38100" dist="38100" dir="2700000" algn="tl">
+                    <a:srgbClr val="000000">
+                      <a:alpha val="43137"/>
+                    </a:srgbClr>
+                  </a:outerShdw>
+                </a:effectLst>
+              </a:rPr>
+              <a:t>Versioning</a:t>
+            </a:r>
+            <a:endParaRPr lang="fr-FR" sz="2400" dirty="0"/>
+          </a:p>
+        </p:txBody>
+      </p:sp>
+      <p:pic>
+        <p:nvPicPr>
+          <p:cNvPr id="20" name="Picture 2">
+            <a:hlinkClick r:id="rId8" action="ppaction://hlinksldjump"/>
+          </p:cNvPr>
+          <p:cNvPicPr>
+            <a:picLocks noChangeAspect="1" noChangeArrowheads="1"/>
+          </p:cNvPicPr>
+          <p:nvPr/>
+        </p:nvPicPr>
+        <p:blipFill>
+          <a:blip r:embed="rId4">
+            <a:extLst>
+              <a:ext uri="{28A0092B-C50C-407E-A947-70E740481C1C}">
+                <a14:useLocalDpi xmlns:a14="http://schemas.microsoft.com/office/drawing/2010/main" val="0"/>
+              </a:ext>
+            </a:extLst>
+          </a:blip>
+          <a:srcRect/>
+          <a:stretch>
+            <a:fillRect/>
+          </a:stretch>
+        </p:blipFill>
+        <p:spPr bwMode="auto">
+          <a:xfrm>
+            <a:off x="6491204" y="5485771"/>
+            <a:ext cx="96837" cy="96837"/>
+          </a:xfrm>
+          <a:prstGeom prst="rect">
+            <a:avLst/>
+          </a:prstGeom>
+          <a:noFill/>
+          <a:ln>
+            <a:noFill/>
+          </a:ln>
+          <a:effectLst/>
+          <a:extLst>
+            <a:ext uri="{909E8E84-426E-40DD-AFC4-6F175D3DCCD1}">
+              <a14:hiddenFill xmlns:a14="http://schemas.microsoft.com/office/drawing/2010/main">
+                <a:solidFill>
+                  <a:schemeClr val="accent1"/>
+                </a:solidFill>
+              </a14:hiddenFill>
+            </a:ext>
+            <a:ext uri="{91240B29-F687-4F45-9708-019B960494DF}">
+              <a14:hiddenLine xmlns:a14="http://schemas.microsoft.com/office/drawing/2010/main" w="9525">
+                <a:solidFill>
+                  <a:schemeClr val="tx1"/>
+                </a:solidFill>
+                <a:miter lim="800000"/>
+                <a:headEnd/>
+                <a:tailEnd/>
+              </a14:hiddenLine>
+            </a:ext>
+            <a:ext uri="{AF507438-7753-43E0-B8FC-AC1667EBCBE1}">
+              <a14:hiddenEffects xmlns:a14="http://schemas.microsoft.com/office/drawing/2010/main">
+                <a:effectLst>
+                  <a:outerShdw dist="35921" dir="2700000" algn="ctr" rotWithShape="0">
+                    <a:schemeClr val="bg2"/>
+                  </a:outerShdw>
+                </a:effectLst>
+              </a14:hiddenEffects>
+            </a:ext>
+          </a:extLst>
+        </p:spPr>
+      </p:pic>
     </p:spTree>
     <p:extLst>
       <p:ext uri="{BB962C8B-B14F-4D97-AF65-F5344CB8AC3E}">
@@ -8375,9 +7604,420 @@
   <p:timing>
     <p:tnLst>
       <p:par>
-        <p:cTn id="1" dur="indefinite" restart="never" nodeType="tmRoot"/>
+        <p:cTn id="1" dur="indefinite" restart="never" nodeType="tmRoot">
+          <p:childTnLst>
+            <p:seq concurrent="1" nextAc="seek">
+              <p:cTn id="2" restart="whenNotActive" fill="hold" evtFilter="cancelBubble" nodeType="interactiveSeq">
+                <p:stCondLst>
+                  <p:cond evt="onClick" delay="0">
+                    <p:tgtEl>
+                      <p:spTgt spid="5"/>
+                    </p:tgtEl>
+                  </p:cond>
+                </p:stCondLst>
+                <p:endSync evt="end" delay="0">
+                  <p:rtn val="all"/>
+                </p:endSync>
+                <p:childTnLst>
+                  <p:par>
+                    <p:cTn id="3" fill="hold">
+                      <p:stCondLst>
+                        <p:cond delay="0"/>
+                      </p:stCondLst>
+                      <p:childTnLst>
+                        <p:par>
+                          <p:cTn id="4" fill="hold">
+                            <p:stCondLst>
+                              <p:cond delay="0"/>
+                            </p:stCondLst>
+                            <p:childTnLst>
+                              <p:par>
+                                <p:cTn id="5" presetID="16" presetClass="entr" presetSubtype="21" fill="hold" nodeType="clickEffect">
+                                  <p:stCondLst>
+                                    <p:cond delay="0"/>
+                                  </p:stCondLst>
+                                  <p:childTnLst>
+                                    <p:set>
+                                      <p:cBhvr>
+                                        <p:cTn id="6" dur="1" fill="hold">
+                                          <p:stCondLst>
+                                            <p:cond delay="0"/>
+                                          </p:stCondLst>
+                                        </p:cTn>
+                                        <p:tgtEl>
+                                          <p:spTgt spid="3">
+                                            <p:txEl>
+                                              <p:pRg st="0" end="0"/>
+                                            </p:txEl>
+                                          </p:spTgt>
+                                        </p:tgtEl>
+                                        <p:attrNameLst>
+                                          <p:attrName>style.visibility</p:attrName>
+                                        </p:attrNameLst>
+                                      </p:cBhvr>
+                                      <p:to>
+                                        <p:strVal val="visible"/>
+                                      </p:to>
+                                    </p:set>
+                                    <p:animEffect transition="in" filter="barn(inVertical)">
+                                      <p:cBhvr>
+                                        <p:cTn id="7" dur="500"/>
+                                        <p:tgtEl>
+                                          <p:spTgt spid="3">
+                                            <p:txEl>
+                                              <p:pRg st="0" end="0"/>
+                                            </p:txEl>
+                                          </p:spTgt>
+                                        </p:tgtEl>
+                                      </p:cBhvr>
+                                    </p:animEffect>
+                                  </p:childTnLst>
+                                </p:cTn>
+                              </p:par>
+                            </p:childTnLst>
+                          </p:cTn>
+                        </p:par>
+                      </p:childTnLst>
+                    </p:cTn>
+                  </p:par>
+                </p:childTnLst>
+              </p:cTn>
+              <p:nextCondLst>
+                <p:cond evt="onClick" delay="0">
+                  <p:tgtEl>
+                    <p:spTgt spid="5"/>
+                  </p:tgtEl>
+                </p:cond>
+              </p:nextCondLst>
+            </p:seq>
+            <p:seq concurrent="1" nextAc="seek">
+              <p:cTn id="8" restart="whenNotActive" fill="hold" evtFilter="cancelBubble" nodeType="interactiveSeq">
+                <p:stCondLst>
+                  <p:cond evt="onClick" delay="0">
+                    <p:tgtEl>
+                      <p:spTgt spid="1027"/>
+                    </p:tgtEl>
+                  </p:cond>
+                </p:stCondLst>
+                <p:endSync evt="end" delay="0">
+                  <p:rtn val="all"/>
+                </p:endSync>
+                <p:childTnLst>
+                  <p:par>
+                    <p:cTn id="9" fill="hold">
+                      <p:stCondLst>
+                        <p:cond delay="0"/>
+                      </p:stCondLst>
+                      <p:childTnLst>
+                        <p:par>
+                          <p:cTn id="10" fill="hold">
+                            <p:stCondLst>
+                              <p:cond delay="0"/>
+                            </p:stCondLst>
+                            <p:childTnLst>
+                              <p:par>
+                                <p:cTn id="11" presetID="16" presetClass="entr" presetSubtype="21" fill="hold" nodeType="clickEffect">
+                                  <p:stCondLst>
+                                    <p:cond delay="0"/>
+                                  </p:stCondLst>
+                                  <p:childTnLst>
+                                    <p:set>
+                                      <p:cBhvr>
+                                        <p:cTn id="12" dur="1" fill="hold">
+                                          <p:stCondLst>
+                                            <p:cond delay="0"/>
+                                          </p:stCondLst>
+                                        </p:cTn>
+                                        <p:tgtEl>
+                                          <p:spTgt spid="8">
+                                            <p:txEl>
+                                              <p:pRg st="0" end="0"/>
+                                            </p:txEl>
+                                          </p:spTgt>
+                                        </p:tgtEl>
+                                        <p:attrNameLst>
+                                          <p:attrName>style.visibility</p:attrName>
+                                        </p:attrNameLst>
+                                      </p:cBhvr>
+                                      <p:to>
+                                        <p:strVal val="visible"/>
+                                      </p:to>
+                                    </p:set>
+                                    <p:animEffect transition="in" filter="barn(inVertical)">
+                                      <p:cBhvr>
+                                        <p:cTn id="13" dur="500"/>
+                                        <p:tgtEl>
+                                          <p:spTgt spid="8">
+                                            <p:txEl>
+                                              <p:pRg st="0" end="0"/>
+                                            </p:txEl>
+                                          </p:spTgt>
+                                        </p:tgtEl>
+                                      </p:cBhvr>
+                                    </p:animEffect>
+                                  </p:childTnLst>
+                                </p:cTn>
+                              </p:par>
+                            </p:childTnLst>
+                          </p:cTn>
+                        </p:par>
+                      </p:childTnLst>
+                    </p:cTn>
+                  </p:par>
+                </p:childTnLst>
+              </p:cTn>
+              <p:nextCondLst>
+                <p:cond evt="onClick" delay="0">
+                  <p:tgtEl>
+                    <p:spTgt spid="1027"/>
+                  </p:tgtEl>
+                </p:cond>
+              </p:nextCondLst>
+            </p:seq>
+            <p:seq concurrent="1" nextAc="seek">
+              <p:cTn id="14" restart="whenNotActive" fill="hold" evtFilter="cancelBubble" nodeType="interactiveSeq">
+                <p:stCondLst>
+                  <p:cond evt="onClick" delay="0">
+                    <p:tgtEl>
+                      <p:spTgt spid="12"/>
+                    </p:tgtEl>
+                  </p:cond>
+                </p:stCondLst>
+                <p:endSync evt="end" delay="0">
+                  <p:rtn val="all"/>
+                </p:endSync>
+                <p:childTnLst>
+                  <p:par>
+                    <p:cTn id="15" fill="hold">
+                      <p:stCondLst>
+                        <p:cond delay="0"/>
+                      </p:stCondLst>
+                      <p:childTnLst>
+                        <p:par>
+                          <p:cTn id="16" fill="hold">
+                            <p:stCondLst>
+                              <p:cond delay="0"/>
+                            </p:stCondLst>
+                            <p:childTnLst>
+                              <p:par>
+                                <p:cTn id="17" presetID="16" presetClass="entr" presetSubtype="21" fill="hold" grpId="0" nodeType="clickEffect">
+                                  <p:stCondLst>
+                                    <p:cond delay="0"/>
+                                  </p:stCondLst>
+                                  <p:childTnLst>
+                                    <p:set>
+                                      <p:cBhvr>
+                                        <p:cTn id="18" dur="1" fill="hold">
+                                          <p:stCondLst>
+                                            <p:cond delay="0"/>
+                                          </p:stCondLst>
+                                        </p:cTn>
+                                        <p:tgtEl>
+                                          <p:spTgt spid="9"/>
+                                        </p:tgtEl>
+                                        <p:attrNameLst>
+                                          <p:attrName>style.visibility</p:attrName>
+                                        </p:attrNameLst>
+                                      </p:cBhvr>
+                                      <p:to>
+                                        <p:strVal val="visible"/>
+                                      </p:to>
+                                    </p:set>
+                                    <p:animEffect transition="in" filter="barn(inVertical)">
+                                      <p:cBhvr>
+                                        <p:cTn id="19" dur="500"/>
+                                        <p:tgtEl>
+                                          <p:spTgt spid="9"/>
+                                        </p:tgtEl>
+                                      </p:cBhvr>
+                                    </p:animEffect>
+                                  </p:childTnLst>
+                                </p:cTn>
+                              </p:par>
+                            </p:childTnLst>
+                          </p:cTn>
+                        </p:par>
+                      </p:childTnLst>
+                    </p:cTn>
+                  </p:par>
+                </p:childTnLst>
+              </p:cTn>
+              <p:nextCondLst>
+                <p:cond evt="onClick" delay="0">
+                  <p:tgtEl>
+                    <p:spTgt spid="12"/>
+                  </p:tgtEl>
+                </p:cond>
+              </p:nextCondLst>
+            </p:seq>
+            <p:seq concurrent="1" nextAc="seek">
+              <p:cTn id="20" restart="whenNotActive" fill="hold" evtFilter="cancelBubble" nodeType="interactiveSeq">
+                <p:stCondLst>
+                  <p:cond evt="onClick" delay="0">
+                    <p:tgtEl>
+                      <p:spTgt spid="15"/>
+                    </p:tgtEl>
+                  </p:cond>
+                </p:stCondLst>
+                <p:endSync evt="end" delay="0">
+                  <p:rtn val="all"/>
+                </p:endSync>
+                <p:childTnLst>
+                  <p:par>
+                    <p:cTn id="21" fill="hold">
+                      <p:stCondLst>
+                        <p:cond delay="0"/>
+                      </p:stCondLst>
+                      <p:childTnLst>
+                        <p:par>
+                          <p:cTn id="22" fill="hold">
+                            <p:stCondLst>
+                              <p:cond delay="0"/>
+                            </p:stCondLst>
+                            <p:childTnLst>
+                              <p:par>
+                                <p:cTn id="23" presetID="6" presetClass="entr" presetSubtype="16" fill="hold" grpId="0" nodeType="clickEffect">
+                                  <p:stCondLst>
+                                    <p:cond delay="0"/>
+                                  </p:stCondLst>
+                                  <p:childTnLst>
+                                    <p:set>
+                                      <p:cBhvr>
+                                        <p:cTn id="24" dur="1" fill="hold">
+                                          <p:stCondLst>
+                                            <p:cond delay="0"/>
+                                          </p:stCondLst>
+                                        </p:cTn>
+                                        <p:tgtEl>
+                                          <p:spTgt spid="10"/>
+                                        </p:tgtEl>
+                                        <p:attrNameLst>
+                                          <p:attrName>style.visibility</p:attrName>
+                                        </p:attrNameLst>
+                                      </p:cBhvr>
+                                      <p:to>
+                                        <p:strVal val="visible"/>
+                                      </p:to>
+                                    </p:set>
+                                    <p:animEffect transition="in" filter="circle(in)">
+                                      <p:cBhvr>
+                                        <p:cTn id="25" dur="2000"/>
+                                        <p:tgtEl>
+                                          <p:spTgt spid="10"/>
+                                        </p:tgtEl>
+                                      </p:cBhvr>
+                                    </p:animEffect>
+                                  </p:childTnLst>
+                                </p:cTn>
+                              </p:par>
+                            </p:childTnLst>
+                          </p:cTn>
+                        </p:par>
+                      </p:childTnLst>
+                    </p:cTn>
+                  </p:par>
+                </p:childTnLst>
+              </p:cTn>
+              <p:nextCondLst>
+                <p:cond evt="onClick" delay="0">
+                  <p:tgtEl>
+                    <p:spTgt spid="15"/>
+                  </p:tgtEl>
+                </p:cond>
+              </p:nextCondLst>
+            </p:seq>
+            <p:seq concurrent="1" nextAc="seek">
+              <p:cTn id="26" restart="whenNotActive" fill="hold" evtFilter="cancelBubble" nodeType="interactiveSeq">
+                <p:stCondLst>
+                  <p:cond evt="onClick" delay="0">
+                    <p:tgtEl>
+                      <p:spTgt spid="18"/>
+                    </p:tgtEl>
+                  </p:cond>
+                </p:stCondLst>
+                <p:endSync evt="end" delay="0">
+                  <p:rtn val="all"/>
+                </p:endSync>
+                <p:childTnLst>
+                  <p:par>
+                    <p:cTn id="27" fill="hold">
+                      <p:stCondLst>
+                        <p:cond delay="0"/>
+                      </p:stCondLst>
+                      <p:childTnLst>
+                        <p:par>
+                          <p:cTn id="28" fill="hold">
+                            <p:stCondLst>
+                              <p:cond delay="0"/>
+                            </p:stCondLst>
+                            <p:childTnLst>
+                              <p:par>
+                                <p:cTn id="29" presetID="6" presetClass="entr" presetSubtype="16" fill="hold" nodeType="clickEffect">
+                                  <p:stCondLst>
+                                    <p:cond delay="0"/>
+                                  </p:stCondLst>
+                                  <p:childTnLst>
+                                    <p:set>
+                                      <p:cBhvr>
+                                        <p:cTn id="30" dur="1" fill="hold">
+                                          <p:stCondLst>
+                                            <p:cond delay="0"/>
+                                          </p:stCondLst>
+                                        </p:cTn>
+                                        <p:tgtEl>
+                                          <p:spTgt spid="13">
+                                            <p:txEl>
+                                              <p:pRg st="0" end="0"/>
+                                            </p:txEl>
+                                          </p:spTgt>
+                                        </p:tgtEl>
+                                        <p:attrNameLst>
+                                          <p:attrName>style.visibility</p:attrName>
+                                        </p:attrNameLst>
+                                      </p:cBhvr>
+                                      <p:to>
+                                        <p:strVal val="visible"/>
+                                      </p:to>
+                                    </p:set>
+                                    <p:animEffect transition="in" filter="circle(in)">
+                                      <p:cBhvr>
+                                        <p:cTn id="31" dur="2000"/>
+                                        <p:tgtEl>
+                                          <p:spTgt spid="13">
+                                            <p:txEl>
+                                              <p:pRg st="0" end="0"/>
+                                            </p:txEl>
+                                          </p:spTgt>
+                                        </p:tgtEl>
+                                      </p:cBhvr>
+                                    </p:animEffect>
+                                  </p:childTnLst>
+                                </p:cTn>
+                              </p:par>
+                            </p:childTnLst>
+                          </p:cTn>
+                        </p:par>
+                      </p:childTnLst>
+                    </p:cTn>
+                  </p:par>
+                </p:childTnLst>
+              </p:cTn>
+              <p:nextCondLst>
+                <p:cond evt="onClick" delay="0">
+                  <p:tgtEl>
+                    <p:spTgt spid="18"/>
+                  </p:tgtEl>
+                </p:cond>
+              </p:nextCondLst>
+            </p:seq>
+          </p:childTnLst>
+        </p:cTn>
       </p:par>
     </p:tnLst>
+    <p:bldLst>
+      <p:bldP spid="9" grpId="0"/>
+      <p:bldP spid="10" grpId="0"/>
+    </p:bldLst>
   </p:timing>
 </p:sld>
 </file>
@@ -8388,12 +8028,12 @@
     <p:bg>
       <p:bgPr>
         <a:blipFill dpi="0" rotWithShape="1">
-          <a:blip r:embed="rId3">
+          <a:blip r:embed="rId2">
             <a:lum/>
           </a:blip>
           <a:srcRect/>
           <a:stretch>
-            <a:fillRect l="-19000" r="-19000"/>
+            <a:fillRect l="-6000" r="-6000"/>
           </a:stretch>
         </a:blipFill>
         <a:effectLst/>
@@ -8413,10 +8053,515 @@
           <a:chExt cx="0" cy="0"/>
         </a:xfrm>
       </p:grpSpPr>
+      <p:sp useBgFill="1">
+        <p:nvSpPr>
+          <p:cNvPr id="4" name="Bouton d'action : Accueil 3">
+            <a:hlinkClick r:id="rId3" action="ppaction://hlinksldjump" highlightClick="1"/>
+          </p:cNvPr>
+          <p:cNvSpPr/>
+          <p:nvPr/>
+        </p:nvSpPr>
+        <p:spPr>
+          <a:xfrm>
+            <a:off x="8604448" y="6381328"/>
+            <a:ext cx="360040" cy="360040"/>
+          </a:xfrm>
+          <a:prstGeom prst="actionButtonHome">
+            <a:avLst/>
+          </a:prstGeom>
+        </p:spPr>
+        <p:style>
+          <a:lnRef idx="2">
+            <a:schemeClr val="accent6"/>
+          </a:lnRef>
+          <a:fillRef idx="1">
+            <a:schemeClr val="lt1"/>
+          </a:fillRef>
+          <a:effectRef idx="0">
+            <a:schemeClr val="accent6"/>
+          </a:effectRef>
+          <a:fontRef idx="minor">
+            <a:schemeClr val="dk1"/>
+          </a:fontRef>
+        </p:style>
+        <p:txBody>
+          <a:bodyPr rtlCol="0" anchor="ctr"/>
+          <a:lstStyle/>
+          <a:p>
+            <a:pPr algn="ctr"/>
+            <a:endParaRPr lang="fr-FR"/>
+          </a:p>
+        </p:txBody>
+      </p:sp>
     </p:spTree>
     <p:extLst>
       <p:ext uri="{BB962C8B-B14F-4D97-AF65-F5344CB8AC3E}">
-        <p14:creationId xmlns:p14="http://schemas.microsoft.com/office/powerpoint/2010/main" val="481347028"/>
+        <p14:creationId xmlns:p14="http://schemas.microsoft.com/office/powerpoint/2010/main" val="3708615582"/>
+      </p:ext>
+    </p:extLst>
+  </p:cSld>
+  <p:clrMapOvr>
+    <a:masterClrMapping/>
+  </p:clrMapOvr>
+  <p:timing>
+    <p:tnLst>
+      <p:par>
+        <p:cTn id="1" dur="indefinite" restart="never" nodeType="tmRoot"/>
+      </p:par>
+    </p:tnLst>
+  </p:timing>
+</p:sld>
+</file>
+
+<file path=ppt/slides/slide6.xml><?xml version="1.0" encoding="utf-8"?>
+<p:sld xmlns:a="http://schemas.openxmlformats.org/drawingml/2006/main" xmlns:r="http://schemas.openxmlformats.org/officeDocument/2006/relationships" xmlns:p="http://schemas.openxmlformats.org/presentationml/2006/main">
+  <p:cSld>
+    <p:bg>
+      <p:bgPr>
+        <a:blipFill dpi="0" rotWithShape="1">
+          <a:blip r:embed="rId2">
+            <a:lum/>
+          </a:blip>
+          <a:srcRect/>
+          <a:stretch>
+            <a:fillRect l="-6000" r="-6000"/>
+          </a:stretch>
+        </a:blipFill>
+        <a:effectLst/>
+      </p:bgPr>
+    </p:bg>
+    <p:spTree>
+      <p:nvGrpSpPr>
+        <p:cNvPr id="1" name=""/>
+        <p:cNvGrpSpPr/>
+        <p:nvPr/>
+      </p:nvGrpSpPr>
+      <p:grpSpPr>
+        <a:xfrm>
+          <a:off x="0" y="0"/>
+          <a:ext cx="0" cy="0"/>
+          <a:chOff x="0" y="0"/>
+          <a:chExt cx="0" cy="0"/>
+        </a:xfrm>
+      </p:grpSpPr>
+      <p:sp useBgFill="1">
+        <p:nvSpPr>
+          <p:cNvPr id="4" name="Bouton d'action : Accueil 3">
+            <a:hlinkClick r:id="rId3" action="ppaction://hlinksldjump" highlightClick="1"/>
+          </p:cNvPr>
+          <p:cNvSpPr/>
+          <p:nvPr/>
+        </p:nvSpPr>
+        <p:spPr>
+          <a:xfrm>
+            <a:off x="8676456" y="6381328"/>
+            <a:ext cx="360040" cy="360040"/>
+          </a:xfrm>
+          <a:prstGeom prst="actionButtonHome">
+            <a:avLst/>
+          </a:prstGeom>
+        </p:spPr>
+        <p:style>
+          <a:lnRef idx="2">
+            <a:schemeClr val="dk1"/>
+          </a:lnRef>
+          <a:fillRef idx="1">
+            <a:schemeClr val="lt1"/>
+          </a:fillRef>
+          <a:effectRef idx="0">
+            <a:schemeClr val="dk1"/>
+          </a:effectRef>
+          <a:fontRef idx="minor">
+            <a:schemeClr val="dk1"/>
+          </a:fontRef>
+        </p:style>
+        <p:txBody>
+          <a:bodyPr rtlCol="0" anchor="ctr"/>
+          <a:lstStyle/>
+          <a:p>
+            <a:pPr algn="ctr"/>
+            <a:endParaRPr lang="fr-FR"/>
+          </a:p>
+        </p:txBody>
+      </p:sp>
+      <p:pic>
+        <p:nvPicPr>
+          <p:cNvPr id="6" name="Image 5"/>
+          <p:cNvPicPr>
+            <a:picLocks noChangeAspect="1"/>
+          </p:cNvPicPr>
+          <p:nvPr/>
+        </p:nvPicPr>
+        <p:blipFill>
+          <a:blip r:embed="rId4" cstate="print">
+            <a:extLst>
+              <a:ext uri="{28A0092B-C50C-407E-A947-70E740481C1C}">
+                <a14:useLocalDpi xmlns:a14="http://schemas.microsoft.com/office/drawing/2010/main" val="0"/>
+              </a:ext>
+            </a:extLst>
+          </a:blip>
+          <a:stretch>
+            <a:fillRect/>
+          </a:stretch>
+        </p:blipFill>
+        <p:spPr>
+          <a:xfrm>
+            <a:off x="166222" y="476672"/>
+            <a:ext cx="2021210" cy="1588671"/>
+          </a:xfrm>
+          <a:prstGeom prst="rect">
+            <a:avLst/>
+          </a:prstGeom>
+        </p:spPr>
+      </p:pic>
+    </p:spTree>
+    <p:extLst>
+      <p:ext uri="{BB962C8B-B14F-4D97-AF65-F5344CB8AC3E}">
+        <p14:creationId xmlns:p14="http://schemas.microsoft.com/office/powerpoint/2010/main" val="730827166"/>
+      </p:ext>
+    </p:extLst>
+  </p:cSld>
+  <p:clrMapOvr>
+    <a:masterClrMapping/>
+  </p:clrMapOvr>
+  <p:timing>
+    <p:tnLst>
+      <p:par>
+        <p:cTn id="1" dur="indefinite" restart="never" nodeType="tmRoot"/>
+      </p:par>
+    </p:tnLst>
+  </p:timing>
+</p:sld>
+</file>
+
+<file path=ppt/slides/slide7.xml><?xml version="1.0" encoding="utf-8"?>
+<p:sld xmlns:a="http://schemas.openxmlformats.org/drawingml/2006/main" xmlns:r="http://schemas.openxmlformats.org/officeDocument/2006/relationships" xmlns:p="http://schemas.openxmlformats.org/presentationml/2006/main">
+  <p:cSld>
+    <p:bg>
+      <p:bgPr>
+        <a:blipFill dpi="0" rotWithShape="1">
+          <a:blip r:embed="rId2">
+            <a:lum/>
+          </a:blip>
+          <a:srcRect/>
+          <a:stretch>
+            <a:fillRect r="-14000"/>
+          </a:stretch>
+        </a:blipFill>
+        <a:effectLst/>
+      </p:bgPr>
+    </p:bg>
+    <p:spTree>
+      <p:nvGrpSpPr>
+        <p:cNvPr id="1" name=""/>
+        <p:cNvGrpSpPr/>
+        <p:nvPr/>
+      </p:nvGrpSpPr>
+      <p:grpSpPr>
+        <a:xfrm>
+          <a:off x="0" y="0"/>
+          <a:ext cx="0" cy="0"/>
+          <a:chOff x="0" y="0"/>
+          <a:chExt cx="0" cy="0"/>
+        </a:xfrm>
+      </p:grpSpPr>
+      <p:pic>
+        <p:nvPicPr>
+          <p:cNvPr id="7" name="Image 6"/>
+          <p:cNvPicPr>
+            <a:picLocks noChangeAspect="1"/>
+          </p:cNvPicPr>
+          <p:nvPr/>
+        </p:nvPicPr>
+        <p:blipFill>
+          <a:blip r:embed="rId3">
+            <a:extLst>
+              <a:ext uri="{BEBA8EAE-BF5A-486C-A8C5-ECC9F3942E4B}">
+                <a14:imgProps xmlns:a14="http://schemas.microsoft.com/office/drawing/2010/main">
+                  <a14:imgLayer r:embed="rId4">
+                    <a14:imgEffect>
+                      <a14:brightnessContrast contrast="-40000"/>
+                    </a14:imgEffect>
+                  </a14:imgLayer>
+                </a14:imgProps>
+              </a:ext>
+              <a:ext uri="{28A0092B-C50C-407E-A947-70E740481C1C}">
+                <a14:useLocalDpi xmlns:a14="http://schemas.microsoft.com/office/drawing/2010/main" val="0"/>
+              </a:ext>
+            </a:extLst>
+          </a:blip>
+          <a:stretch>
+            <a:fillRect/>
+          </a:stretch>
+        </p:blipFill>
+        <p:spPr>
+          <a:xfrm>
+            <a:off x="6516216" y="5517232"/>
+            <a:ext cx="1924828" cy="895712"/>
+          </a:xfrm>
+          <a:prstGeom prst="rect">
+            <a:avLst/>
+          </a:prstGeom>
+        </p:spPr>
+      </p:pic>
+      <p:sp useBgFill="1">
+        <p:nvSpPr>
+          <p:cNvPr id="8" name="Bouton d'action : Accueil 7">
+            <a:hlinkClick r:id="rId5" action="ppaction://hlinksldjump" highlightClick="1"/>
+          </p:cNvPr>
+          <p:cNvSpPr/>
+          <p:nvPr/>
+        </p:nvSpPr>
+        <p:spPr>
+          <a:xfrm>
+            <a:off x="8604448" y="6381328"/>
+            <a:ext cx="360040" cy="360040"/>
+          </a:xfrm>
+          <a:prstGeom prst="actionButtonHome">
+            <a:avLst/>
+          </a:prstGeom>
+        </p:spPr>
+        <p:style>
+          <a:lnRef idx="2">
+            <a:schemeClr val="accent1">
+              <a:shade val="50000"/>
+            </a:schemeClr>
+          </a:lnRef>
+          <a:fillRef idx="1">
+            <a:schemeClr val="accent1"/>
+          </a:fillRef>
+          <a:effectRef idx="0">
+            <a:schemeClr val="accent1"/>
+          </a:effectRef>
+          <a:fontRef idx="minor">
+            <a:schemeClr val="lt1"/>
+          </a:fontRef>
+        </p:style>
+        <p:txBody>
+          <a:bodyPr rtlCol="0" anchor="ctr"/>
+          <a:lstStyle/>
+          <a:p>
+            <a:pPr algn="ctr"/>
+            <a:endParaRPr lang="fr-FR"/>
+          </a:p>
+        </p:txBody>
+      </p:sp>
+    </p:spTree>
+    <p:extLst>
+      <p:ext uri="{BB962C8B-B14F-4D97-AF65-F5344CB8AC3E}">
+        <p14:creationId xmlns:p14="http://schemas.microsoft.com/office/powerpoint/2010/main" val="2748001272"/>
+      </p:ext>
+    </p:extLst>
+  </p:cSld>
+  <p:clrMapOvr>
+    <a:masterClrMapping/>
+  </p:clrMapOvr>
+  <p:timing>
+    <p:tnLst>
+      <p:par>
+        <p:cTn id="1" dur="indefinite" restart="never" nodeType="tmRoot"/>
+      </p:par>
+    </p:tnLst>
+  </p:timing>
+</p:sld>
+</file>
+
+<file path=ppt/slides/slide8.xml><?xml version="1.0" encoding="utf-8"?>
+<p:sld xmlns:a="http://schemas.openxmlformats.org/drawingml/2006/main" xmlns:r="http://schemas.openxmlformats.org/officeDocument/2006/relationships" xmlns:p="http://schemas.openxmlformats.org/presentationml/2006/main">
+  <p:cSld>
+    <p:bg>
+      <p:bgPr>
+        <a:blipFill dpi="0" rotWithShape="1">
+          <a:blip r:embed="rId2">
+            <a:lum/>
+          </a:blip>
+          <a:srcRect/>
+          <a:stretch>
+            <a:fillRect l="-3000" r="-3000"/>
+          </a:stretch>
+        </a:blipFill>
+        <a:effectLst/>
+      </p:bgPr>
+    </p:bg>
+    <p:spTree>
+      <p:nvGrpSpPr>
+        <p:cNvPr id="1" name=""/>
+        <p:cNvGrpSpPr/>
+        <p:nvPr/>
+      </p:nvGrpSpPr>
+      <p:grpSpPr>
+        <a:xfrm>
+          <a:off x="0" y="0"/>
+          <a:ext cx="0" cy="0"/>
+          <a:chOff x="0" y="0"/>
+          <a:chExt cx="0" cy="0"/>
+        </a:xfrm>
+      </p:grpSpPr>
+      <p:pic>
+        <p:nvPicPr>
+          <p:cNvPr id="5" name="Image 4"/>
+          <p:cNvPicPr>
+            <a:picLocks noChangeAspect="1"/>
+          </p:cNvPicPr>
+          <p:nvPr/>
+        </p:nvPicPr>
+        <p:blipFill>
+          <a:blip r:embed="rId3">
+            <a:extLst>
+              <a:ext uri="{28A0092B-C50C-407E-A947-70E740481C1C}">
+                <a14:useLocalDpi xmlns:a14="http://schemas.microsoft.com/office/drawing/2010/main" val="0"/>
+              </a:ext>
+            </a:extLst>
+          </a:blip>
+          <a:stretch>
+            <a:fillRect/>
+          </a:stretch>
+        </p:blipFill>
+        <p:spPr>
+          <a:xfrm>
+            <a:off x="179512" y="5805264"/>
+            <a:ext cx="2096872" cy="936104"/>
+          </a:xfrm>
+          <a:prstGeom prst="rect">
+            <a:avLst/>
+          </a:prstGeom>
+        </p:spPr>
+      </p:pic>
+      <p:sp useBgFill="1">
+        <p:nvSpPr>
+          <p:cNvPr id="6" name="Bouton d'action : Accueil 5">
+            <a:hlinkClick r:id="rId4" action="ppaction://hlinksldjump" highlightClick="1"/>
+          </p:cNvPr>
+          <p:cNvSpPr/>
+          <p:nvPr/>
+        </p:nvSpPr>
+        <p:spPr>
+          <a:xfrm>
+            <a:off x="8604448" y="6381328"/>
+            <a:ext cx="360040" cy="360040"/>
+          </a:xfrm>
+          <a:prstGeom prst="actionButtonHome">
+            <a:avLst/>
+          </a:prstGeom>
+        </p:spPr>
+        <p:style>
+          <a:lnRef idx="1">
+            <a:schemeClr val="accent2"/>
+          </a:lnRef>
+          <a:fillRef idx="2">
+            <a:schemeClr val="accent2"/>
+          </a:fillRef>
+          <a:effectRef idx="1">
+            <a:schemeClr val="accent2"/>
+          </a:effectRef>
+          <a:fontRef idx="minor">
+            <a:schemeClr val="dk1"/>
+          </a:fontRef>
+        </p:style>
+        <p:txBody>
+          <a:bodyPr rtlCol="0" anchor="ctr"/>
+          <a:lstStyle/>
+          <a:p>
+            <a:pPr algn="ctr"/>
+            <a:endParaRPr lang="fr-FR"/>
+          </a:p>
+        </p:txBody>
+      </p:sp>
+    </p:spTree>
+    <p:extLst>
+      <p:ext uri="{BB962C8B-B14F-4D97-AF65-F5344CB8AC3E}">
+        <p14:creationId xmlns:p14="http://schemas.microsoft.com/office/powerpoint/2010/main" val="3617171237"/>
+      </p:ext>
+    </p:extLst>
+  </p:cSld>
+  <p:clrMapOvr>
+    <a:masterClrMapping/>
+  </p:clrMapOvr>
+  <p:timing>
+    <p:tnLst>
+      <p:par>
+        <p:cTn id="1" dur="indefinite" restart="never" nodeType="tmRoot"/>
+      </p:par>
+    </p:tnLst>
+  </p:timing>
+</p:sld>
+</file>
+
+<file path=ppt/slides/slide9.xml><?xml version="1.0" encoding="utf-8"?>
+<p:sld xmlns:a="http://schemas.openxmlformats.org/drawingml/2006/main" xmlns:r="http://schemas.openxmlformats.org/officeDocument/2006/relationships" xmlns:p="http://schemas.openxmlformats.org/presentationml/2006/main">
+  <p:cSld>
+    <p:bg>
+      <p:bgPr>
+        <a:blipFill dpi="0" rotWithShape="1">
+          <a:blip r:embed="rId2">
+            <a:lum/>
+          </a:blip>
+          <a:srcRect/>
+          <a:stretch>
+            <a:fillRect l="-17000" r="-17000"/>
+          </a:stretch>
+        </a:blipFill>
+        <a:effectLst/>
+      </p:bgPr>
+    </p:bg>
+    <p:spTree>
+      <p:nvGrpSpPr>
+        <p:cNvPr id="1" name=""/>
+        <p:cNvGrpSpPr/>
+        <p:nvPr/>
+      </p:nvGrpSpPr>
+      <p:grpSpPr>
+        <a:xfrm>
+          <a:off x="0" y="0"/>
+          <a:ext cx="0" cy="0"/>
+          <a:chOff x="0" y="0"/>
+          <a:chExt cx="0" cy="0"/>
+        </a:xfrm>
+      </p:grpSpPr>
+      <p:sp useBgFill="1">
+        <p:nvSpPr>
+          <p:cNvPr id="4" name="Bouton d'action : Accueil 3">
+            <a:hlinkClick r:id="rId3" action="ppaction://hlinksldjump" highlightClick="1"/>
+          </p:cNvPr>
+          <p:cNvSpPr/>
+          <p:nvPr/>
+        </p:nvSpPr>
+        <p:spPr>
+          <a:xfrm>
+            <a:off x="8604448" y="6381328"/>
+            <a:ext cx="360040" cy="360040"/>
+          </a:xfrm>
+          <a:prstGeom prst="actionButtonHome">
+            <a:avLst/>
+          </a:prstGeom>
+        </p:spPr>
+        <p:style>
+          <a:lnRef idx="2">
+            <a:schemeClr val="accent3"/>
+          </a:lnRef>
+          <a:fillRef idx="1">
+            <a:schemeClr val="lt1"/>
+          </a:fillRef>
+          <a:effectRef idx="0">
+            <a:schemeClr val="accent3"/>
+          </a:effectRef>
+          <a:fontRef idx="minor">
+            <a:schemeClr val="dk1"/>
+          </a:fontRef>
+        </p:style>
+        <p:txBody>
+          <a:bodyPr rtlCol="0" anchor="ctr"/>
+          <a:lstStyle/>
+          <a:p>
+            <a:pPr algn="ctr"/>
+            <a:endParaRPr lang="fr-FR"/>
+          </a:p>
+        </p:txBody>
+      </p:sp>
+    </p:spTree>
+    <p:extLst>
+      <p:ext uri="{BB962C8B-B14F-4D97-AF65-F5344CB8AC3E}">
+        <p14:creationId xmlns:p14="http://schemas.microsoft.com/office/powerpoint/2010/main" val="304253915"/>
       </p:ext>
     </p:extLst>
   </p:cSld>
